--- a/modules/4. ML Algorithms/2. Classification/Classification_LR_DT.pptx
+++ b/modules/4. ML Algorithms/2. Classification/Classification_LR_DT.pptx
@@ -15,15 +15,15 @@
     <p:sldId id="344" r:id="rId3"/>
     <p:sldId id="366" r:id="rId4"/>
     <p:sldId id="374" r:id="rId5"/>
-    <p:sldId id="375" r:id="rId6"/>
-    <p:sldId id="377" r:id="rId7"/>
-    <p:sldId id="378" r:id="rId8"/>
-    <p:sldId id="284" r:id="rId9"/>
-    <p:sldId id="379" r:id="rId10"/>
-    <p:sldId id="381" r:id="rId11"/>
-    <p:sldId id="368" r:id="rId12"/>
-    <p:sldId id="369" r:id="rId13"/>
-    <p:sldId id="373" r:id="rId14"/>
+    <p:sldId id="377" r:id="rId6"/>
+    <p:sldId id="378" r:id="rId7"/>
+    <p:sldId id="382" r:id="rId8"/>
+    <p:sldId id="385" r:id="rId9"/>
+    <p:sldId id="383" r:id="rId10"/>
+    <p:sldId id="384" r:id="rId11"/>
+    <p:sldId id="386" r:id="rId12"/>
+    <p:sldId id="387" r:id="rId13"/>
+    <p:sldId id="284" r:id="rId14"/>
     <p:sldId id="365" r:id="rId15"/>
     <p:sldId id="265" r:id="rId16"/>
     <p:sldId id="339" r:id="rId17"/>
@@ -32,11 +32,11 @@
   <p:notesSz cx="6797675" cy="9874250"/>
   <p:embeddedFontLst>
     <p:embeddedFont>
-      <p:font typeface="Cambria Math" panose="02040503050406030204" pitchFamily="18" charset="0"/>
+      <p:font typeface="Arial Unicode MS" panose="020B0604020202020204" charset="-128"/>
       <p:regular r:id="rId20"/>
     </p:embeddedFont>
     <p:embeddedFont>
-      <p:font typeface="Arial Unicode MS" panose="020B0604020202020204" charset="-128"/>
+      <p:font typeface="Cambria Math" panose="02040503050406030204" pitchFamily="18" charset="0"/>
       <p:regular r:id="rId21"/>
     </p:embeddedFont>
   </p:embeddedFontLst>
@@ -713,7 +713,7 @@
           <a:bodyPr/>
           <a:lstStyle/>
           <a:p>
-            <a:endParaRPr lang="en-US"/>
+            <a:endParaRPr lang="en-US" dirty="0"/>
           </a:p>
         </p:txBody>
       </p:sp>
@@ -1246,196 +1246,25 @@
         </p:nvSpPr>
         <p:spPr/>
       </p:sp>
-      <mc:AlternateContent xmlns:mc="http://schemas.openxmlformats.org/markup-compatibility/2006" xmlns:a14="http://schemas.microsoft.com/office/drawing/2010/main">
-        <mc:Choice Requires="a14">
-          <p:sp>
-            <p:nvSpPr>
-              <p:cNvPr id="3" name="Notes Placeholder 2"/>
-              <p:cNvSpPr>
-                <a:spLocks noGrp="1"/>
-              </p:cNvSpPr>
-              <p:nvPr>
-                <p:ph type="body" idx="1"/>
-              </p:nvPr>
-            </p:nvSpPr>
-            <p:spPr/>
-            <p:txBody>
-              <a:bodyPr/>
-              <a:lstStyle/>
-              <a:p>
-                <a:r>
-                  <a:rPr lang="en-US" dirty="0"/>
-                  <a:t>Steps:</a:t>
-                </a:r>
-              </a:p>
-              <a:p>
-                <a:pPr marL="830138" lvl="1" indent="-285750" fontAlgn="base">
-                  <a:spcAft>
-                    <a:spcPct val="0"/>
-                  </a:spcAft>
-                  <a:buClr>
-                    <a:srgbClr val="F0AB00"/>
-                  </a:buClr>
-                  <a:buFont typeface="Arial" panose="020B0604020202020204" pitchFamily="34" charset="0"/>
-                  <a:buChar char="•"/>
-                </a:pPr>
-                <a14:m>
-                  <m:oMath xmlns:m="http://schemas.openxmlformats.org/officeDocument/2006/math">
-                    <m:r>
-                      <a:rPr lang="en-US" sz="1800" i="1" kern="0" dirty="0" smtClean="0">
-                        <a:latin typeface="Cambria Math" panose="02040503050406030204" pitchFamily="18" charset="0"/>
-                        <a:ea typeface="Cambria Math" panose="02040503050406030204" pitchFamily="18" charset="0"/>
-                        <a:cs typeface="Arial Unicode MS" pitchFamily="34" charset="-128"/>
-                      </a:rPr>
-                      <m:t>𝜆</m:t>
-                    </m:r>
-                  </m:oMath>
-                </a14:m>
-                <a:r>
-                  <a:rPr lang="en-US" sz="1800" kern="0" dirty="0">
-                    <a:ea typeface="Arial Unicode MS" pitchFamily="34" charset="-128"/>
-                    <a:cs typeface="Arial Unicode MS" pitchFamily="34" charset="-128"/>
-                  </a:rPr>
-                  <a:t> is regularization parameter</a:t>
-                </a:r>
-              </a:p>
-              <a:p>
-                <a:pPr marL="830138" lvl="1" indent="-285750" fontAlgn="base">
-                  <a:spcAft>
-                    <a:spcPct val="0"/>
-                  </a:spcAft>
-                  <a:buClr>
-                    <a:srgbClr val="F0AB00"/>
-                  </a:buClr>
-                  <a:buFont typeface="Arial" panose="020B0604020202020204" pitchFamily="34" charset="0"/>
-                  <a:buChar char="•"/>
-                </a:pPr>
-                <a14:m>
-                  <m:oMath xmlns:m="http://schemas.openxmlformats.org/officeDocument/2006/math">
-                    <m:r>
-                      <a:rPr lang="en-US" sz="1800" i="1" kern="0" dirty="0">
-                        <a:latin typeface="Cambria Math" panose="02040503050406030204" pitchFamily="18" charset="0"/>
-                        <a:ea typeface="Cambria Math" panose="02040503050406030204" pitchFamily="18" charset="0"/>
-                        <a:cs typeface="Arial Unicode MS" pitchFamily="34" charset="-128"/>
-                      </a:rPr>
-                      <m:t>𝜆</m:t>
-                    </m:r>
-                  </m:oMath>
-                </a14:m>
-                <a:r>
-                  <a:rPr lang="en-US" sz="1800" kern="0" dirty="0">
-                    <a:ea typeface="Arial Unicode MS" pitchFamily="34" charset="-128"/>
-                    <a:cs typeface="Arial Unicode MS" pitchFamily="34" charset="-128"/>
-                  </a:rPr>
-                  <a:t> should not be too high or too low</a:t>
-                </a:r>
-                <a:endParaRPr lang="en-US" dirty="0"/>
-              </a:p>
-              <a:p>
-                <a:r>
-                  <a:rPr lang="en-US" dirty="0"/>
-                  <a:t>1.)</a:t>
-                </a:r>
-                <a:r>
-                  <a:rPr lang="en-US" baseline="0" dirty="0"/>
-                  <a:t> Lambda controls the 2 terms, first one is for fitting the curve and second term is for minimizing the theta values </a:t>
-                </a:r>
-                <a:endParaRPr lang="en-US" dirty="0"/>
-              </a:p>
-            </p:txBody>
-          </p:sp>
-        </mc:Choice>
-        <mc:Fallback xmlns="">
-          <p:sp>
-            <p:nvSpPr>
-              <p:cNvPr id="3" name="Notes Placeholder 2"/>
-              <p:cNvSpPr>
-                <a:spLocks noGrp="1"/>
-              </p:cNvSpPr>
-              <p:nvPr>
-                <p:ph type="body" idx="1"/>
-              </p:nvPr>
-            </p:nvSpPr>
-            <p:spPr/>
-            <p:txBody>
-              <a:bodyPr/>
-              <a:lstStyle/>
-              <a:p>
-                <a:r>
-                  <a:rPr lang="en-US" dirty="0"/>
-                  <a:t>Steps:</a:t>
-                </a:r>
-              </a:p>
-              <a:p>
-                <a:pPr marL="830138" lvl="1" indent="-285750" fontAlgn="base">
-                  <a:spcAft>
-                    <a:spcPct val="0"/>
-                  </a:spcAft>
-                  <a:buClr>
-                    <a:srgbClr val="F0AB00"/>
-                  </a:buClr>
-                  <a:buFont typeface="Arial" panose="020B0604020202020204" pitchFamily="34" charset="0"/>
-                  <a:buChar char="•"/>
-                </a:pPr>
-                <a:r>
-                  <a:rPr lang="en-US" sz="1800" i="0" kern="0" dirty="0">
-                    <a:latin typeface="Cambria Math" panose="02040503050406030204" pitchFamily="18" charset="0"/>
-                    <a:ea typeface="Cambria Math" panose="02040503050406030204" pitchFamily="18" charset="0"/>
-                    <a:cs typeface="Arial Unicode MS" pitchFamily="34" charset="-128"/>
-                  </a:rPr>
-                  <a:t>𝜆</a:t>
-                </a:r>
-                <a:r>
-                  <a:rPr lang="en-US" sz="1800" kern="0" dirty="0">
-                    <a:ea typeface="Arial Unicode MS" pitchFamily="34" charset="-128"/>
-                    <a:cs typeface="Arial Unicode MS" pitchFamily="34" charset="-128"/>
-                  </a:rPr>
-                  <a:t> is regularization parameter</a:t>
-                </a:r>
-              </a:p>
-              <a:p>
-                <a:pPr marL="830138" lvl="1" indent="-285750" fontAlgn="base">
-                  <a:spcAft>
-                    <a:spcPct val="0"/>
-                  </a:spcAft>
-                  <a:buClr>
-                    <a:srgbClr val="F0AB00"/>
-                  </a:buClr>
-                  <a:buFont typeface="Arial" panose="020B0604020202020204" pitchFamily="34" charset="0"/>
-                  <a:buChar char="•"/>
-                </a:pPr>
-                <a:r>
-                  <a:rPr lang="en-US" sz="1800" i="0" kern="0" dirty="0">
-                    <a:latin typeface="Cambria Math" panose="02040503050406030204" pitchFamily="18" charset="0"/>
-                    <a:ea typeface="Cambria Math" panose="02040503050406030204" pitchFamily="18" charset="0"/>
-                    <a:cs typeface="Arial Unicode MS" pitchFamily="34" charset="-128"/>
-                  </a:rPr>
-                  <a:t>𝜆</a:t>
-                </a:r>
-                <a:r>
-                  <a:rPr lang="en-US" sz="1800" kern="0" dirty="0">
-                    <a:ea typeface="Arial Unicode MS" pitchFamily="34" charset="-128"/>
-                    <a:cs typeface="Arial Unicode MS" pitchFamily="34" charset="-128"/>
-                  </a:rPr>
-                  <a:t> should not be too high or too low</a:t>
-                </a:r>
-                <a:endParaRPr lang="en-US" dirty="0"/>
-              </a:p>
-              <a:p>
-                <a:r>
-                  <a:rPr lang="en-US" dirty="0"/>
-                  <a:t>1.)</a:t>
-                </a:r>
-                <a:r>
-                  <a:rPr lang="en-US" baseline="0" dirty="0"/>
-                  <a:t> Lambda controls the 2 terms, first one is for fitting the curve and second term is for minimizing the theta values </a:t>
-                </a:r>
-                <a:endParaRPr lang="en-US" dirty="0"/>
-              </a:p>
-            </p:txBody>
-          </p:sp>
-        </mc:Fallback>
-      </mc:AlternateContent>
+      <p:sp>
+        <p:nvSpPr>
+          <p:cNvPr id="3" name="Notes Placeholder 2"/>
+          <p:cNvSpPr>
+            <a:spLocks noGrp="1"/>
+          </p:cNvSpPr>
+          <p:nvPr>
+            <p:ph type="body" idx="1"/>
+          </p:nvPr>
+        </p:nvSpPr>
+        <p:spPr/>
+        <p:txBody>
+          <a:bodyPr/>
+          <a:lstStyle/>
+          <a:p>
+            <a:endParaRPr lang="en-US" dirty="0"/>
+          </a:p>
+        </p:txBody>
+      </p:sp>
       <p:sp>
         <p:nvSpPr>
           <p:cNvPr id="4" name="Slide Number Placeholder 3"/>
@@ -1463,7 +1292,7 @@
     </p:spTree>
     <p:extLst>
       <p:ext uri="{BB962C8B-B14F-4D97-AF65-F5344CB8AC3E}">
-        <p14:creationId xmlns:p14="http://schemas.microsoft.com/office/powerpoint/2010/main" val="3047048992"/>
+        <p14:creationId xmlns:p14="http://schemas.microsoft.com/office/powerpoint/2010/main" val="2177960731"/>
       </p:ext>
     </p:extLst>
   </p:cSld>
@@ -1517,6 +1346,350 @@
           <a:bodyPr/>
           <a:lstStyle/>
           <a:p>
+            <a:r>
+              <a:rPr lang="en-US" sz="1400" b="0" i="0" kern="1200" dirty="0">
+                <a:solidFill>
+                  <a:schemeClr val="tx1"/>
+                </a:solidFill>
+                <a:effectLst/>
+                <a:latin typeface="+mn-lt"/>
+                <a:ea typeface="+mn-ea"/>
+                <a:cs typeface="+mn-cs"/>
+              </a:rPr>
+              <a:t>A </a:t>
+            </a:r>
+            <a:r>
+              <a:rPr lang="en-US" sz="1400" b="1" i="0" kern="1200" dirty="0">
+                <a:solidFill>
+                  <a:schemeClr val="tx1"/>
+                </a:solidFill>
+                <a:effectLst/>
+                <a:latin typeface="+mn-lt"/>
+                <a:ea typeface="+mn-ea"/>
+                <a:cs typeface="+mn-cs"/>
+              </a:rPr>
+              <a:t>true positive</a:t>
+            </a:r>
+            <a:r>
+              <a:rPr lang="en-US" sz="1400" b="0" i="0" kern="1200" dirty="0">
+                <a:solidFill>
+                  <a:schemeClr val="tx1"/>
+                </a:solidFill>
+                <a:effectLst/>
+                <a:latin typeface="+mn-lt"/>
+                <a:ea typeface="+mn-ea"/>
+                <a:cs typeface="+mn-cs"/>
+              </a:rPr>
+              <a:t> is an outcome where the model </a:t>
+            </a:r>
+            <a:r>
+              <a:rPr lang="en-US" sz="1400" b="0" i="1" kern="1200" dirty="0">
+                <a:solidFill>
+                  <a:schemeClr val="tx1"/>
+                </a:solidFill>
+                <a:effectLst/>
+                <a:latin typeface="+mn-lt"/>
+                <a:ea typeface="+mn-ea"/>
+                <a:cs typeface="+mn-cs"/>
+              </a:rPr>
+              <a:t>correctly</a:t>
+            </a:r>
+            <a:r>
+              <a:rPr lang="en-US" sz="1400" b="0" i="0" kern="1200" dirty="0">
+                <a:solidFill>
+                  <a:schemeClr val="tx1"/>
+                </a:solidFill>
+                <a:effectLst/>
+                <a:latin typeface="+mn-lt"/>
+                <a:ea typeface="+mn-ea"/>
+                <a:cs typeface="+mn-cs"/>
+              </a:rPr>
+              <a:t> predicts the </a:t>
+            </a:r>
+            <a:r>
+              <a:rPr lang="en-US" sz="1400" b="0" i="1" kern="1200" dirty="0">
+                <a:solidFill>
+                  <a:schemeClr val="tx1"/>
+                </a:solidFill>
+                <a:effectLst/>
+                <a:latin typeface="+mn-lt"/>
+                <a:ea typeface="+mn-ea"/>
+                <a:cs typeface="+mn-cs"/>
+              </a:rPr>
+              <a:t>positive</a:t>
+            </a:r>
+            <a:r>
+              <a:rPr lang="en-US" sz="1400" b="0" i="0" kern="1200" dirty="0">
+                <a:solidFill>
+                  <a:schemeClr val="tx1"/>
+                </a:solidFill>
+                <a:effectLst/>
+                <a:latin typeface="+mn-lt"/>
+                <a:ea typeface="+mn-ea"/>
+                <a:cs typeface="+mn-cs"/>
+              </a:rPr>
+              <a:t> class.</a:t>
+            </a:r>
+          </a:p>
+          <a:p>
+            <a:r>
+              <a:rPr lang="en-US" sz="1400" b="0" i="0" kern="1200" dirty="0">
+                <a:solidFill>
+                  <a:schemeClr val="tx1"/>
+                </a:solidFill>
+                <a:effectLst/>
+                <a:latin typeface="+mn-lt"/>
+                <a:ea typeface="+mn-ea"/>
+                <a:cs typeface="+mn-cs"/>
+              </a:rPr>
+              <a:t>A </a:t>
+            </a:r>
+            <a:r>
+              <a:rPr lang="en-US" sz="1400" b="1" i="0" kern="1200" dirty="0">
+                <a:solidFill>
+                  <a:schemeClr val="tx1"/>
+                </a:solidFill>
+                <a:effectLst/>
+                <a:latin typeface="+mn-lt"/>
+                <a:ea typeface="+mn-ea"/>
+                <a:cs typeface="+mn-cs"/>
+              </a:rPr>
+              <a:t>true negative</a:t>
+            </a:r>
+            <a:r>
+              <a:rPr lang="en-US" sz="1400" b="0" i="0" kern="1200" dirty="0">
+                <a:solidFill>
+                  <a:schemeClr val="tx1"/>
+                </a:solidFill>
+                <a:effectLst/>
+                <a:latin typeface="+mn-lt"/>
+                <a:ea typeface="+mn-ea"/>
+                <a:cs typeface="+mn-cs"/>
+              </a:rPr>
+              <a:t> is an outcome where the model </a:t>
+            </a:r>
+            <a:r>
+              <a:rPr lang="en-US" sz="1400" b="0" i="1" kern="1200" dirty="0">
+                <a:solidFill>
+                  <a:schemeClr val="tx1"/>
+                </a:solidFill>
+                <a:effectLst/>
+                <a:latin typeface="+mn-lt"/>
+                <a:ea typeface="+mn-ea"/>
+                <a:cs typeface="+mn-cs"/>
+              </a:rPr>
+              <a:t>correctly</a:t>
+            </a:r>
+            <a:r>
+              <a:rPr lang="en-US" sz="1400" b="0" i="0" kern="1200" dirty="0">
+                <a:solidFill>
+                  <a:schemeClr val="tx1"/>
+                </a:solidFill>
+                <a:effectLst/>
+                <a:latin typeface="+mn-lt"/>
+                <a:ea typeface="+mn-ea"/>
+                <a:cs typeface="+mn-cs"/>
+              </a:rPr>
+              <a:t> predicts the </a:t>
+            </a:r>
+            <a:r>
+              <a:rPr lang="en-US" sz="1400" b="0" i="1" kern="1200" dirty="0">
+                <a:solidFill>
+                  <a:schemeClr val="tx1"/>
+                </a:solidFill>
+                <a:effectLst/>
+                <a:latin typeface="+mn-lt"/>
+                <a:ea typeface="+mn-ea"/>
+                <a:cs typeface="+mn-cs"/>
+              </a:rPr>
+              <a:t>negative</a:t>
+            </a:r>
+            <a:r>
+              <a:rPr lang="en-US" sz="1400" b="0" i="0" kern="1200" dirty="0">
+                <a:solidFill>
+                  <a:schemeClr val="tx1"/>
+                </a:solidFill>
+                <a:effectLst/>
+                <a:latin typeface="+mn-lt"/>
+                <a:ea typeface="+mn-ea"/>
+                <a:cs typeface="+mn-cs"/>
+              </a:rPr>
+              <a:t> class.</a:t>
+            </a:r>
+          </a:p>
+          <a:p>
+            <a:r>
+              <a:rPr lang="en-US" sz="1400" b="0" i="0" kern="1200" dirty="0">
+                <a:solidFill>
+                  <a:schemeClr val="tx1"/>
+                </a:solidFill>
+                <a:effectLst/>
+                <a:latin typeface="+mn-lt"/>
+                <a:ea typeface="+mn-ea"/>
+                <a:cs typeface="+mn-cs"/>
+              </a:rPr>
+              <a:t>A </a:t>
+            </a:r>
+            <a:r>
+              <a:rPr lang="en-US" sz="1400" b="1" i="0" kern="1200" dirty="0">
+                <a:solidFill>
+                  <a:schemeClr val="tx1"/>
+                </a:solidFill>
+                <a:effectLst/>
+                <a:latin typeface="+mn-lt"/>
+                <a:ea typeface="+mn-ea"/>
+                <a:cs typeface="+mn-cs"/>
+              </a:rPr>
+              <a:t>false positive</a:t>
+            </a:r>
+            <a:r>
+              <a:rPr lang="en-US" sz="1400" b="0" i="0" kern="1200" dirty="0">
+                <a:solidFill>
+                  <a:schemeClr val="tx1"/>
+                </a:solidFill>
+                <a:effectLst/>
+                <a:latin typeface="+mn-lt"/>
+                <a:ea typeface="+mn-ea"/>
+                <a:cs typeface="+mn-cs"/>
+              </a:rPr>
+              <a:t> is an outcome where the model </a:t>
+            </a:r>
+            <a:r>
+              <a:rPr lang="en-US" sz="1400" b="0" i="1" kern="1200" dirty="0">
+                <a:solidFill>
+                  <a:schemeClr val="tx1"/>
+                </a:solidFill>
+                <a:effectLst/>
+                <a:latin typeface="+mn-lt"/>
+                <a:ea typeface="+mn-ea"/>
+                <a:cs typeface="+mn-cs"/>
+              </a:rPr>
+              <a:t>incorrectly</a:t>
+            </a:r>
+            <a:r>
+              <a:rPr lang="en-US" sz="1400" b="0" i="0" kern="1200" dirty="0">
+                <a:solidFill>
+                  <a:schemeClr val="tx1"/>
+                </a:solidFill>
+                <a:effectLst/>
+                <a:latin typeface="+mn-lt"/>
+                <a:ea typeface="+mn-ea"/>
+                <a:cs typeface="+mn-cs"/>
+              </a:rPr>
+              <a:t> predicts the </a:t>
+            </a:r>
+            <a:r>
+              <a:rPr lang="en-US" sz="1400" b="0" i="1" kern="1200" dirty="0">
+                <a:solidFill>
+                  <a:schemeClr val="tx1"/>
+                </a:solidFill>
+                <a:effectLst/>
+                <a:latin typeface="+mn-lt"/>
+                <a:ea typeface="+mn-ea"/>
+                <a:cs typeface="+mn-cs"/>
+              </a:rPr>
+              <a:t>positive</a:t>
+            </a:r>
+            <a:r>
+              <a:rPr lang="en-US" sz="1400" b="0" i="0" kern="1200" dirty="0">
+                <a:solidFill>
+                  <a:schemeClr val="tx1"/>
+                </a:solidFill>
+                <a:effectLst/>
+                <a:latin typeface="+mn-lt"/>
+                <a:ea typeface="+mn-ea"/>
+                <a:cs typeface="+mn-cs"/>
+              </a:rPr>
+              <a:t> class.</a:t>
+            </a:r>
+          </a:p>
+          <a:p>
+            <a:r>
+              <a:rPr lang="en-US" sz="1400" b="0" i="0" kern="1200" dirty="0">
+                <a:solidFill>
+                  <a:schemeClr val="tx1"/>
+                </a:solidFill>
+                <a:effectLst/>
+                <a:latin typeface="+mn-lt"/>
+                <a:ea typeface="+mn-ea"/>
+                <a:cs typeface="+mn-cs"/>
+              </a:rPr>
+              <a:t>A </a:t>
+            </a:r>
+            <a:r>
+              <a:rPr lang="en-US" sz="1400" b="1" i="0" kern="1200" dirty="0">
+                <a:solidFill>
+                  <a:schemeClr val="tx1"/>
+                </a:solidFill>
+                <a:effectLst/>
+                <a:latin typeface="+mn-lt"/>
+                <a:ea typeface="+mn-ea"/>
+                <a:cs typeface="+mn-cs"/>
+              </a:rPr>
+              <a:t>false negative</a:t>
+            </a:r>
+            <a:r>
+              <a:rPr lang="en-US" sz="1400" b="0" i="0" kern="1200" dirty="0">
+                <a:solidFill>
+                  <a:schemeClr val="tx1"/>
+                </a:solidFill>
+                <a:effectLst/>
+                <a:latin typeface="+mn-lt"/>
+                <a:ea typeface="+mn-ea"/>
+                <a:cs typeface="+mn-cs"/>
+              </a:rPr>
+              <a:t> is an outcome where the model </a:t>
+            </a:r>
+            <a:r>
+              <a:rPr lang="en-US" sz="1400" b="0" i="1" kern="1200" dirty="0">
+                <a:solidFill>
+                  <a:schemeClr val="tx1"/>
+                </a:solidFill>
+                <a:effectLst/>
+                <a:latin typeface="+mn-lt"/>
+                <a:ea typeface="+mn-ea"/>
+                <a:cs typeface="+mn-cs"/>
+              </a:rPr>
+              <a:t>incorrectly</a:t>
+            </a:r>
+            <a:r>
+              <a:rPr lang="en-US" sz="1400" b="0" i="0" kern="1200" dirty="0">
+                <a:solidFill>
+                  <a:schemeClr val="tx1"/>
+                </a:solidFill>
+                <a:effectLst/>
+                <a:latin typeface="+mn-lt"/>
+                <a:ea typeface="+mn-ea"/>
+                <a:cs typeface="+mn-cs"/>
+              </a:rPr>
+              <a:t> predicts the </a:t>
+            </a:r>
+            <a:r>
+              <a:rPr lang="en-US" sz="1400" b="0" i="1" kern="1200" dirty="0">
+                <a:solidFill>
+                  <a:schemeClr val="tx1"/>
+                </a:solidFill>
+                <a:effectLst/>
+                <a:latin typeface="+mn-lt"/>
+                <a:ea typeface="+mn-ea"/>
+                <a:cs typeface="+mn-cs"/>
+              </a:rPr>
+              <a:t>negative</a:t>
+            </a:r>
+            <a:r>
+              <a:rPr lang="en-US" sz="1400" b="0" i="0" kern="1200" dirty="0">
+                <a:solidFill>
+                  <a:schemeClr val="tx1"/>
+                </a:solidFill>
+                <a:effectLst/>
+                <a:latin typeface="+mn-lt"/>
+                <a:ea typeface="+mn-ea"/>
+                <a:cs typeface="+mn-cs"/>
+              </a:rPr>
+              <a:t> class.</a:t>
+            </a:r>
+          </a:p>
+          <a:p>
             <a:endParaRPr lang="en-US" dirty="0"/>
           </a:p>
         </p:txBody>
@@ -1528,7 +1701,7 @@
             <a:spLocks noGrp="1"/>
           </p:cNvSpPr>
           <p:nvPr>
-            <p:ph type="sldNum" sz="quarter" idx="10"/>
+            <p:ph type="sldNum" sz="quarter" idx="5"/>
           </p:nvPr>
         </p:nvSpPr>
         <p:spPr/>
@@ -1539,7 +1712,7 @@
             <a:fld id="{7D8C2C35-2B8A-446E-BEC0-FD36716C29AC}" type="slidenum">
               <a:rPr lang="de-DE" smtClean="0"/>
               <a:pPr/>
-              <a:t>6</a:t>
+              <a:t>9</a:t>
             </a:fld>
             <a:endParaRPr lang="de-DE" dirty="0"/>
           </a:p>
@@ -1548,7 +1721,7 @@
     </p:spTree>
     <p:extLst>
       <p:ext uri="{BB962C8B-B14F-4D97-AF65-F5344CB8AC3E}">
-        <p14:creationId xmlns:p14="http://schemas.microsoft.com/office/powerpoint/2010/main" val="2177960731"/>
+        <p14:creationId xmlns:p14="http://schemas.microsoft.com/office/powerpoint/2010/main" val="320121608"/>
       </p:ext>
     </p:extLst>
   </p:cSld>
@@ -1577,31 +1750,7 @@
       </p:grpSpPr>
       <p:sp>
         <p:nvSpPr>
-          <p:cNvPr id="4" name="Slide Number Placeholder 3"/>
-          <p:cNvSpPr>
-            <a:spLocks noGrp="1"/>
-          </p:cNvSpPr>
-          <p:nvPr>
-            <p:ph type="sldNum" sz="quarter" idx="10"/>
-          </p:nvPr>
-        </p:nvSpPr>
-        <p:spPr/>
-        <p:txBody>
-          <a:bodyPr/>
-          <a:lstStyle/>
-          <a:p>
-            <a:fld id="{7D8C2C35-2B8A-446E-BEC0-FD36716C29AC}" type="slidenum">
-              <a:rPr lang="en-US" smtClean="0"/>
-              <a:pPr/>
-              <a:t>8</a:t>
-            </a:fld>
-            <a:endParaRPr lang="en-US" dirty="0"/>
-          </a:p>
-        </p:txBody>
-      </p:sp>
-      <p:sp>
-        <p:nvSpPr>
-          <p:cNvPr id="3" name="Slide Image Placeholder 2"/>
+          <p:cNvPr id="2" name="Slide Image Placeholder 1"/>
           <p:cNvSpPr>
             <a:spLocks noGrp="1" noRot="1" noChangeAspect="1"/>
           </p:cNvSpPr>
@@ -1613,7 +1762,7 @@
       </p:sp>
       <p:sp>
         <p:nvSpPr>
-          <p:cNvPr id="5" name="Notes Placeholder 4"/>
+          <p:cNvPr id="3" name="Notes Placeholder 2"/>
           <p:cNvSpPr>
             <a:spLocks noGrp="1"/>
           </p:cNvSpPr>
@@ -1626,14 +1775,146 @@
           <a:bodyPr/>
           <a:lstStyle/>
           <a:p>
-            <a:endParaRPr lang="en-US"/>
+            <a:r>
+              <a:rPr lang="en-US" sz="1400" b="0" i="0" kern="1200" dirty="0">
+                <a:solidFill>
+                  <a:schemeClr val="tx1"/>
+                </a:solidFill>
+                <a:effectLst/>
+                <a:latin typeface="+mn-lt"/>
+                <a:ea typeface="+mn-ea"/>
+                <a:cs typeface="+mn-cs"/>
+              </a:rPr>
+              <a:t>Accuracy comes out to 0.91, or 91% (91 correct predictions out of 100 total examples). That means our tumor classifier is doing a great job of identifying malignancies, right?</a:t>
+            </a:r>
+          </a:p>
+          <a:p>
+            <a:r>
+              <a:rPr lang="en-US" sz="1400" b="0" i="0" kern="1200" dirty="0">
+                <a:solidFill>
+                  <a:schemeClr val="tx1"/>
+                </a:solidFill>
+                <a:effectLst/>
+                <a:latin typeface="+mn-lt"/>
+                <a:ea typeface="+mn-ea"/>
+                <a:cs typeface="+mn-cs"/>
+              </a:rPr>
+              <a:t>Actually, let's do a closer analysis of positives and negatives to gain more insight into our model's performance.</a:t>
+            </a:r>
+          </a:p>
+          <a:p>
+            <a:r>
+              <a:rPr lang="en-US" sz="1400" b="0" i="0" kern="1200" dirty="0">
+                <a:solidFill>
+                  <a:schemeClr val="tx1"/>
+                </a:solidFill>
+                <a:effectLst/>
+                <a:latin typeface="+mn-lt"/>
+                <a:ea typeface="+mn-ea"/>
+                <a:cs typeface="+mn-cs"/>
+              </a:rPr>
+              <a:t>Of the 100 tumor examples, 91 are benign (90 TNs and 1 FP) and 9 are malignant (1 TP and 8 FNs).</a:t>
+            </a:r>
+          </a:p>
+          <a:p>
+            <a:r>
+              <a:rPr lang="en-US" sz="1400" b="0" i="0" kern="1200" dirty="0">
+                <a:solidFill>
+                  <a:schemeClr val="tx1"/>
+                </a:solidFill>
+                <a:effectLst/>
+                <a:latin typeface="+mn-lt"/>
+                <a:ea typeface="+mn-ea"/>
+                <a:cs typeface="+mn-cs"/>
+              </a:rPr>
+              <a:t>Of the 91 benign tumors, the model correctly identifies 90 as benign. That's good. However, of the 9 malignant tumors, the model only correctly identifies 1 as malignant—a terrible outcome, as 8 out of 9 malignancies go undiagnosed!</a:t>
+            </a:r>
+          </a:p>
+          <a:p>
+            <a:r>
+              <a:rPr lang="en-US" sz="1400" b="0" i="0" kern="1200" dirty="0">
+                <a:solidFill>
+                  <a:schemeClr val="tx1"/>
+                </a:solidFill>
+                <a:effectLst/>
+                <a:latin typeface="+mn-lt"/>
+                <a:ea typeface="+mn-ea"/>
+                <a:cs typeface="+mn-cs"/>
+              </a:rPr>
+              <a:t>While 91% accuracy may seem good at first glance, another tumor-classifier model that always predicts benign would achieve the exact same accuracy (91/100 correct predictions) on our examples. In other words, our model is no better than one that has zero predictive ability to distinguish malignant tumors from benign tumors.</a:t>
+            </a:r>
+          </a:p>
+          <a:p>
+            <a:r>
+              <a:rPr lang="en-US" sz="1400" b="0" i="0" kern="1200" dirty="0">
+                <a:solidFill>
+                  <a:schemeClr val="tx1"/>
+                </a:solidFill>
+                <a:effectLst/>
+                <a:latin typeface="+mn-lt"/>
+                <a:ea typeface="+mn-ea"/>
+                <a:cs typeface="+mn-cs"/>
+              </a:rPr>
+              <a:t>Accuracy alone doesn't tell the full story when you're working with a </a:t>
+            </a:r>
+            <a:r>
+              <a:rPr lang="en-US" sz="1400" b="1" i="0" kern="1200" dirty="0">
+                <a:solidFill>
+                  <a:schemeClr val="tx1"/>
+                </a:solidFill>
+                <a:effectLst/>
+                <a:latin typeface="+mn-lt"/>
+                <a:ea typeface="+mn-ea"/>
+                <a:cs typeface="+mn-cs"/>
+              </a:rPr>
+              <a:t>class-imbalanced data set</a:t>
+            </a:r>
+            <a:r>
+              <a:rPr lang="en-US" sz="1400" b="0" i="0" kern="1200" dirty="0">
+                <a:solidFill>
+                  <a:schemeClr val="tx1"/>
+                </a:solidFill>
+                <a:effectLst/>
+                <a:latin typeface="+mn-lt"/>
+                <a:ea typeface="+mn-ea"/>
+                <a:cs typeface="+mn-cs"/>
+              </a:rPr>
+              <a:t>, like this one, where there is a significant disparity between the number of positive and negative labels.</a:t>
+            </a:r>
+          </a:p>
+          <a:p>
+            <a:endParaRPr lang="en-US" dirty="0"/>
+          </a:p>
+        </p:txBody>
+      </p:sp>
+      <p:sp>
+        <p:nvSpPr>
+          <p:cNvPr id="4" name="Slide Number Placeholder 3"/>
+          <p:cNvSpPr>
+            <a:spLocks noGrp="1"/>
+          </p:cNvSpPr>
+          <p:nvPr>
+            <p:ph type="sldNum" sz="quarter" idx="5"/>
+          </p:nvPr>
+        </p:nvSpPr>
+        <p:spPr/>
+        <p:txBody>
+          <a:bodyPr/>
+          <a:lstStyle/>
+          <a:p>
+            <a:fld id="{7D8C2C35-2B8A-446E-BEC0-FD36716C29AC}" type="slidenum">
+              <a:rPr lang="de-DE" smtClean="0"/>
+              <a:pPr/>
+              <a:t>11</a:t>
+            </a:fld>
+            <a:endParaRPr lang="de-DE" dirty="0"/>
           </a:p>
         </p:txBody>
       </p:sp>
     </p:spTree>
     <p:extLst>
       <p:ext uri="{BB962C8B-B14F-4D97-AF65-F5344CB8AC3E}">
-        <p14:creationId xmlns:p14="http://schemas.microsoft.com/office/powerpoint/2010/main" val="2360736114"/>
+        <p14:creationId xmlns:p14="http://schemas.microsoft.com/office/powerpoint/2010/main" val="1788237266"/>
       </p:ext>
     </p:extLst>
   </p:cSld>
@@ -1688,20 +1969,52 @@
           <a:lstStyle/>
           <a:p>
             <a:r>
-              <a:rPr lang="en-US" dirty="0"/>
-              <a:t>https://www.analyticsvidhya.com/blog/2015/09/naive-bayes-explained/</a:t>
-            </a:r>
-          </a:p>
-          <a:p>
-            <a:r>
-              <a:rPr lang="en-US" dirty="0"/>
-              <a:t>http://blog.hackerearth.com/introduction-naive-bayes-algorithm-codes-python-r</a:t>
-            </a:r>
-          </a:p>
-          <a:p>
-            <a:r>
-              <a:rPr lang="en-US"/>
-              <a:t>http://radimrehurek.com/data_science_python/</a:t>
+              <a:rPr lang="en-US" sz="1400" b="0" i="0" kern="1200" dirty="0">
+                <a:solidFill>
+                  <a:schemeClr val="tx1"/>
+                </a:solidFill>
+                <a:effectLst/>
+                <a:latin typeface="+mn-lt"/>
+                <a:ea typeface="+mn-ea"/>
+                <a:cs typeface="+mn-cs"/>
+              </a:rPr>
+              <a:t>Our model has a precision of 0.5—in other words, when it predicts a tumor is malignant, it is correct 50% of the time</a:t>
+            </a:r>
+          </a:p>
+          <a:p>
+            <a:endParaRPr lang="en-US" sz="1400" b="0" i="0" kern="1200" dirty="0">
+              <a:solidFill>
+                <a:schemeClr val="tx1"/>
+              </a:solidFill>
+              <a:effectLst/>
+              <a:latin typeface="+mn-lt"/>
+              <a:ea typeface="+mn-ea"/>
+              <a:cs typeface="+mn-cs"/>
+            </a:endParaRPr>
+          </a:p>
+          <a:p>
+            <a:endParaRPr lang="en-US" sz="1400" b="0" i="0" kern="1200" dirty="0">
+              <a:solidFill>
+                <a:schemeClr val="tx1"/>
+              </a:solidFill>
+              <a:effectLst/>
+              <a:latin typeface="+mn-lt"/>
+              <a:ea typeface="+mn-ea"/>
+              <a:cs typeface="+mn-cs"/>
+            </a:endParaRPr>
+          </a:p>
+          <a:p>
+            <a:r>
+              <a:rPr lang="en-US" sz="1400" b="0" i="0" kern="1200" dirty="0">
+                <a:solidFill>
+                  <a:schemeClr val="tx1"/>
+                </a:solidFill>
+                <a:effectLst/>
+                <a:latin typeface="+mn-lt"/>
+                <a:ea typeface="+mn-ea"/>
+                <a:cs typeface="+mn-cs"/>
+              </a:rPr>
+              <a:t>Our model has a recall of 0.11—in other words, it correctly identifies 11% of all malignant tumors.</a:t>
             </a:r>
             <a:endParaRPr lang="en-US" dirty="0"/>
           </a:p>
@@ -1714,7 +2027,7 @@
             <a:spLocks noGrp="1"/>
           </p:cNvSpPr>
           <p:nvPr>
-            <p:ph type="sldNum" sz="quarter" idx="10"/>
+            <p:ph type="sldNum" sz="quarter" idx="5"/>
           </p:nvPr>
         </p:nvSpPr>
         <p:spPr/>
@@ -1725,7 +2038,7 @@
             <a:fld id="{7D8C2C35-2B8A-446E-BEC0-FD36716C29AC}" type="slidenum">
               <a:rPr lang="de-DE" smtClean="0"/>
               <a:pPr/>
-              <a:t>10</a:t>
+              <a:t>12</a:t>
             </a:fld>
             <a:endParaRPr lang="de-DE" dirty="0"/>
           </a:p>
@@ -1734,7 +2047,7 @@
     </p:spTree>
     <p:extLst>
       <p:ext uri="{BB962C8B-B14F-4D97-AF65-F5344CB8AC3E}">
-        <p14:creationId xmlns:p14="http://schemas.microsoft.com/office/powerpoint/2010/main" val="1474267663"/>
+        <p14:creationId xmlns:p14="http://schemas.microsoft.com/office/powerpoint/2010/main" val="3644025931"/>
       </p:ext>
     </p:extLst>
   </p:cSld>
@@ -1779,7 +2092,7 @@
             <a:fld id="{7D8C2C35-2B8A-446E-BEC0-FD36716C29AC}" type="slidenum">
               <a:rPr lang="en-US" smtClean="0"/>
               <a:pPr/>
-              <a:t>12</a:t>
+              <a:t>13</a:t>
             </a:fld>
             <a:endParaRPr lang="en-US" dirty="0"/>
           </a:p>
@@ -1819,7 +2132,7 @@
     </p:spTree>
     <p:extLst>
       <p:ext uri="{BB962C8B-B14F-4D97-AF65-F5344CB8AC3E}">
-        <p14:creationId xmlns:p14="http://schemas.microsoft.com/office/powerpoint/2010/main" val="1976234785"/>
+        <p14:creationId xmlns:p14="http://schemas.microsoft.com/office/powerpoint/2010/main" val="2360736114"/>
       </p:ext>
     </p:extLst>
   </p:cSld>
@@ -8100,14 +8413,14 @@
           <a:p>
             <a:r>
               <a:rPr lang="en-US" dirty="0"/>
-              <a:t>Sundeep Gullapudi,</a:t>
+              <a:t>Poshak,</a:t>
             </a:r>
             <a:br>
               <a:rPr lang="en-US" dirty="0"/>
             </a:br>
             <a:r>
               <a:rPr lang="en-US" dirty="0"/>
-              <a:t>July 24, 2017</a:t>
+              <a:t>May 20, 2019</a:t>
             </a:r>
           </a:p>
         </p:txBody>
@@ -8249,29 +8562,289 @@
       </p:grpSpPr>
       <p:sp>
         <p:nvSpPr>
-          <p:cNvPr id="2" name="Title 1"/>
-          <p:cNvSpPr>
-            <a:spLocks noGrp="1"/>
-          </p:cNvSpPr>
-          <p:nvPr>
-            <p:ph type="title"/>
-          </p:nvPr>
+          <p:cNvPr id="2" name="Rectangle 1">
+            <a:extLst>
+              <a:ext uri="{FF2B5EF4-FFF2-40B4-BE49-F238E27FC236}">
+                <a16:creationId xmlns:a16="http://schemas.microsoft.com/office/drawing/2014/main" id="{63629A03-991B-4633-84E1-9A4493A33B0D}"/>
+              </a:ext>
+            </a:extLst>
+          </p:cNvPr>
+          <p:cNvSpPr/>
+          <p:nvPr/>
         </p:nvSpPr>
-        <p:spPr/>
+        <p:spPr>
+          <a:xfrm>
+            <a:off x="4258233" y="691696"/>
+            <a:ext cx="2721579" cy="415498"/>
+          </a:xfrm>
+          <a:prstGeom prst="rect">
+            <a:avLst/>
+          </a:prstGeom>
+        </p:spPr>
         <p:txBody>
-          <a:bodyPr/>
+          <a:bodyPr wrap="none">
+            <a:spAutoFit/>
+          </a:bodyPr>
           <a:lstStyle/>
           <a:p>
             <a:r>
-              <a:rPr lang="en-US" dirty="0"/>
-              <a:t>Naïve Bayes (Contd..)</a:t>
+              <a:rPr lang="en-US" dirty="0">
+                <a:solidFill>
+                  <a:srgbClr val="212121"/>
+                </a:solidFill>
+                <a:latin typeface="Google Sans"/>
+              </a:rPr>
+              <a:t>Classification: Accuracy</a:t>
+            </a:r>
+            <a:endParaRPr lang="en-US" b="0" dirty="0">
+              <a:solidFill>
+                <a:srgbClr val="212121"/>
+              </a:solidFill>
+              <a:effectLst/>
+              <a:latin typeface="Google Sans"/>
+            </a:endParaRPr>
+          </a:p>
+        </p:txBody>
+      </p:sp>
+      <p:sp>
+        <p:nvSpPr>
+          <p:cNvPr id="3" name="Rectangle 2">
+            <a:extLst>
+              <a:ext uri="{FF2B5EF4-FFF2-40B4-BE49-F238E27FC236}">
+                <a16:creationId xmlns:a16="http://schemas.microsoft.com/office/drawing/2014/main" id="{1BBE77EA-9C4F-41DA-9D16-69CE865E675E}"/>
+              </a:ext>
+            </a:extLst>
+          </p:cNvPr>
+          <p:cNvSpPr/>
+          <p:nvPr/>
+        </p:nvSpPr>
+        <p:spPr>
+          <a:xfrm>
+            <a:off x="529839" y="1512214"/>
+            <a:ext cx="11605189" cy="3970318"/>
+          </a:xfrm>
+          <a:prstGeom prst="rect">
+            <a:avLst/>
+          </a:prstGeom>
+        </p:spPr>
+        <p:txBody>
+          <a:bodyPr wrap="square">
+            <a:spAutoFit/>
+          </a:bodyPr>
+          <a:lstStyle/>
+          <a:p>
+            <a:r>
+              <a:rPr lang="en-US" dirty="0">
+                <a:solidFill>
+                  <a:srgbClr val="212121"/>
+                </a:solidFill>
+                <a:latin typeface="Roboto"/>
+              </a:rPr>
+              <a:t>Accuracy is one metric for evaluating classification models. Informally, </a:t>
+            </a:r>
+            <a:r>
+              <a:rPr lang="en-US" b="1" dirty="0">
+                <a:solidFill>
+                  <a:srgbClr val="212121"/>
+                </a:solidFill>
+                <a:latin typeface="Roboto"/>
+              </a:rPr>
+              <a:t>accuracy</a:t>
+            </a:r>
+            <a:r>
+              <a:rPr lang="en-US" dirty="0">
+                <a:solidFill>
+                  <a:srgbClr val="212121"/>
+                </a:solidFill>
+                <a:latin typeface="Roboto"/>
+              </a:rPr>
+              <a:t> is the fraction of predictions our model got right. Formally, accuracy has the following definition:</a:t>
+            </a:r>
+          </a:p>
+          <a:p>
+            <a:endParaRPr lang="en-US" dirty="0">
+              <a:solidFill>
+                <a:srgbClr val="212121"/>
+              </a:solidFill>
+              <a:latin typeface="Roboto"/>
+            </a:endParaRPr>
+          </a:p>
+          <a:p>
+            <a:endParaRPr lang="en-US" dirty="0">
+              <a:solidFill>
+                <a:srgbClr val="212121"/>
+              </a:solidFill>
+              <a:latin typeface="Roboto"/>
+            </a:endParaRPr>
+          </a:p>
+          <a:p>
+            <a:endParaRPr lang="en-US" dirty="0">
+              <a:solidFill>
+                <a:srgbClr val="212121"/>
+              </a:solidFill>
+              <a:latin typeface="Roboto"/>
+            </a:endParaRPr>
+          </a:p>
+          <a:p>
+            <a:endParaRPr lang="en-US" dirty="0">
+              <a:solidFill>
+                <a:srgbClr val="212121"/>
+              </a:solidFill>
+              <a:latin typeface="Roboto"/>
+            </a:endParaRPr>
+          </a:p>
+          <a:p>
+            <a:r>
+              <a:rPr lang="en-US" dirty="0">
+                <a:solidFill>
+                  <a:srgbClr val="212121"/>
+                </a:solidFill>
+                <a:latin typeface="Roboto"/>
+              </a:rPr>
+              <a:t>For binary classification, accuracy can also be calculated in terms of positives and negatives as follows:</a:t>
+            </a:r>
+          </a:p>
+          <a:p>
+            <a:endParaRPr lang="en-US" dirty="0">
+              <a:solidFill>
+                <a:srgbClr val="212121"/>
+              </a:solidFill>
+              <a:latin typeface="Roboto"/>
+            </a:endParaRPr>
+          </a:p>
+          <a:p>
+            <a:pPr algn="ctr"/>
+            <a:endParaRPr lang="en-US" dirty="0">
+              <a:solidFill>
+                <a:srgbClr val="212121"/>
+              </a:solidFill>
+              <a:latin typeface="Roboto"/>
+            </a:endParaRPr>
+          </a:p>
+          <a:p>
+            <a:r>
+              <a:rPr lang="en-US" dirty="0">
+                <a:solidFill>
+                  <a:srgbClr val="212121"/>
+                </a:solidFill>
+                <a:latin typeface="Roboto"/>
+              </a:rPr>
+              <a:t>Where </a:t>
+            </a:r>
+            <a:r>
+              <a:rPr lang="en-US" i="1" dirty="0">
+                <a:solidFill>
+                  <a:srgbClr val="212121"/>
+                </a:solidFill>
+                <a:latin typeface="Roboto"/>
+              </a:rPr>
+              <a:t>TP</a:t>
+            </a:r>
+            <a:r>
+              <a:rPr lang="en-US" dirty="0">
+                <a:solidFill>
+                  <a:srgbClr val="212121"/>
+                </a:solidFill>
+                <a:latin typeface="Roboto"/>
+              </a:rPr>
+              <a:t> = True Positives, </a:t>
+            </a:r>
+            <a:r>
+              <a:rPr lang="en-US" i="1" dirty="0">
+                <a:solidFill>
+                  <a:srgbClr val="212121"/>
+                </a:solidFill>
+                <a:latin typeface="Roboto"/>
+              </a:rPr>
+              <a:t>TN</a:t>
+            </a:r>
+            <a:r>
+              <a:rPr lang="en-US" dirty="0">
+                <a:solidFill>
+                  <a:srgbClr val="212121"/>
+                </a:solidFill>
+                <a:latin typeface="Roboto"/>
+              </a:rPr>
+              <a:t> = True Negatives, </a:t>
+            </a:r>
+            <a:r>
+              <a:rPr lang="en-US" i="1" dirty="0">
+                <a:solidFill>
+                  <a:srgbClr val="212121"/>
+                </a:solidFill>
+                <a:latin typeface="Roboto"/>
+              </a:rPr>
+              <a:t>FP</a:t>
+            </a:r>
+            <a:r>
+              <a:rPr lang="en-US" dirty="0">
+                <a:solidFill>
+                  <a:srgbClr val="212121"/>
+                </a:solidFill>
+                <a:latin typeface="Roboto"/>
+              </a:rPr>
+              <a:t> = False Positives, and </a:t>
+            </a:r>
+            <a:r>
+              <a:rPr lang="en-US" i="1" dirty="0">
+                <a:solidFill>
+                  <a:srgbClr val="212121"/>
+                </a:solidFill>
+                <a:latin typeface="Roboto"/>
+              </a:rPr>
+              <a:t>FN</a:t>
+            </a:r>
+            <a:r>
+              <a:rPr lang="en-US" dirty="0">
+                <a:solidFill>
+                  <a:srgbClr val="212121"/>
+                </a:solidFill>
+                <a:latin typeface="Roboto"/>
+              </a:rPr>
+              <a:t> = False Negatives.</a:t>
             </a:r>
           </a:p>
         </p:txBody>
       </p:sp>
       <p:pic>
         <p:nvPicPr>
-          <p:cNvPr id="4" name="Picture 3"/>
+          <p:cNvPr id="4" name="Picture 3">
+            <a:extLst>
+              <a:ext uri="{FF2B5EF4-FFF2-40B4-BE49-F238E27FC236}">
+                <a16:creationId xmlns:a16="http://schemas.microsoft.com/office/drawing/2014/main" id="{C7BEDF65-4ED7-4B60-A8B1-FD9F8C6D97DD}"/>
+              </a:ext>
+            </a:extLst>
+          </p:cNvPr>
+          <p:cNvPicPr>
+            <a:picLocks noChangeAspect="1"/>
+          </p:cNvPicPr>
+          <p:nvPr/>
+        </p:nvPicPr>
+        <p:blipFill>
+          <a:blip r:embed="rId2"/>
+          <a:stretch>
+            <a:fillRect/>
+          </a:stretch>
+        </p:blipFill>
+        <p:spPr>
+          <a:xfrm>
+            <a:off x="2916325" y="2280251"/>
+            <a:ext cx="5695950" cy="1000125"/>
+          </a:xfrm>
+          <a:prstGeom prst="rect">
+            <a:avLst/>
+          </a:prstGeom>
+        </p:spPr>
+      </p:pic>
+      <p:pic>
+        <p:nvPicPr>
+          <p:cNvPr id="5" name="Picture 4">
+            <a:extLst>
+              <a:ext uri="{FF2B5EF4-FFF2-40B4-BE49-F238E27FC236}">
+                <a16:creationId xmlns:a16="http://schemas.microsoft.com/office/drawing/2014/main" id="{191E5492-EDDE-4085-8C77-0AB175B72459}"/>
+              </a:ext>
+            </a:extLst>
+          </p:cNvPr>
           <p:cNvPicPr>
             <a:picLocks noChangeAspect="1"/>
           </p:cNvPicPr>
@@ -8285,112 +8858,18 @@
         </p:blipFill>
         <p:spPr>
           <a:xfrm>
-            <a:off x="324000" y="1371033"/>
-            <a:ext cx="8201025" cy="2990850"/>
+            <a:off x="2916325" y="3820538"/>
+            <a:ext cx="4391025" cy="857250"/>
           </a:xfrm>
           <a:prstGeom prst="rect">
             <a:avLst/>
           </a:prstGeom>
         </p:spPr>
       </p:pic>
-      <p:sp>
-        <p:nvSpPr>
-          <p:cNvPr id="3" name="TextBox 2"/>
-          <p:cNvSpPr txBox="1"/>
-          <p:nvPr/>
-        </p:nvSpPr>
-        <p:spPr>
-          <a:xfrm>
-            <a:off x="818681" y="4474029"/>
-            <a:ext cx="9887643" cy="2062103"/>
-          </a:xfrm>
-          <a:prstGeom prst="rect">
-            <a:avLst/>
-          </a:prstGeom>
-          <a:noFill/>
-        </p:spPr>
-        <p:txBody>
-          <a:bodyPr wrap="none" lIns="0" tIns="0" rIns="0" bIns="0" rtlCol="0">
-            <a:spAutoFit/>
-          </a:bodyPr>
-          <a:lstStyle/>
-          <a:p>
-            <a:r>
-              <a:rPr lang="en-US" b="1" dirty="0"/>
-              <a:t>Problem: </a:t>
-            </a:r>
-            <a:r>
-              <a:rPr lang="en-US" sz="1800" dirty="0"/>
-              <a:t>Players will play if weather is sunny. Is this statement is correct?</a:t>
-            </a:r>
-          </a:p>
-          <a:p>
-            <a:endParaRPr lang="en-US" sz="1800" dirty="0"/>
-          </a:p>
-          <a:p>
-            <a:pPr marL="830138" lvl="1" indent="-285750">
-              <a:buFont typeface="Arial" panose="020B0604020202020204" pitchFamily="34" charset="0"/>
-              <a:buChar char="•"/>
-            </a:pPr>
-            <a:r>
-              <a:rPr lang="en-US" sz="1800" dirty="0"/>
-              <a:t>We can solve it using above discussed method of posterior probability.</a:t>
-            </a:r>
-          </a:p>
-          <a:p>
-            <a:pPr marL="830138" lvl="1" indent="-285750">
-              <a:buFont typeface="Arial" panose="020B0604020202020204" pitchFamily="34" charset="0"/>
-              <a:buChar char="•"/>
-            </a:pPr>
-            <a:r>
-              <a:rPr lang="en-US" sz="1800" dirty="0"/>
-              <a:t>P(Yes | Sunny) = P( Sunny | Yes) * P(Yes) / P (Sunny)</a:t>
-            </a:r>
-          </a:p>
-          <a:p>
-            <a:pPr marL="830138" lvl="1" indent="-285750">
-              <a:buFont typeface="Arial" panose="020B0604020202020204" pitchFamily="34" charset="0"/>
-              <a:buChar char="•"/>
-            </a:pPr>
-            <a:r>
-              <a:rPr lang="en-US" sz="1800" dirty="0"/>
-              <a:t>Here we have P (Sunny |Yes) = 3/9 = 0.33, P(Sunny) = 5/14 = 0.36, P( Yes)= 9/14 = 0.64</a:t>
-            </a:r>
-          </a:p>
-          <a:p>
-            <a:pPr marL="830138" lvl="1" indent="-285750">
-              <a:buFont typeface="Arial" panose="020B0604020202020204" pitchFamily="34" charset="0"/>
-              <a:buChar char="•"/>
-            </a:pPr>
-            <a:r>
-              <a:rPr lang="en-US" sz="1800" dirty="0"/>
-              <a:t>Now, P (Yes | Sunny) = 0.33 * 0.64 / 0.36 = 0.60, which has higher probability.</a:t>
-            </a:r>
-          </a:p>
-          <a:p>
-            <a:pPr fontAlgn="base">
-              <a:spcBef>
-                <a:spcPts val="600"/>
-              </a:spcBef>
-              <a:spcAft>
-                <a:spcPct val="0"/>
-              </a:spcAft>
-              <a:buClr>
-                <a:srgbClr val="F0AB00"/>
-              </a:buClr>
-              <a:buSzPct val="80000"/>
-            </a:pPr>
-            <a:endParaRPr lang="en-US" sz="1800" kern="0" dirty="0" err="1">
-              <a:ea typeface="Arial Unicode MS" pitchFamily="34" charset="-128"/>
-              <a:cs typeface="Arial Unicode MS" pitchFamily="34" charset="-128"/>
-            </a:endParaRPr>
-          </a:p>
-        </p:txBody>
-      </p:sp>
     </p:spTree>
     <p:extLst>
       <p:ext uri="{BB962C8B-B14F-4D97-AF65-F5344CB8AC3E}">
-        <p14:creationId xmlns:p14="http://schemas.microsoft.com/office/powerpoint/2010/main" val="3202982981"/>
+        <p14:creationId xmlns:p14="http://schemas.microsoft.com/office/powerpoint/2010/main" val="380494401"/>
       </p:ext>
     </p:extLst>
   </p:cSld>
@@ -8401,6 +8880,1031 @@
 </file>
 
 <file path=ppt/slides/slide11.xml><?xml version="1.0" encoding="utf-8"?>
+<p:sld xmlns:a="http://schemas.openxmlformats.org/drawingml/2006/main" xmlns:r="http://schemas.openxmlformats.org/officeDocument/2006/relationships" xmlns:p="http://schemas.openxmlformats.org/presentationml/2006/main">
+  <p:cSld>
+    <p:spTree>
+      <p:nvGrpSpPr>
+        <p:cNvPr id="1" name=""/>
+        <p:cNvGrpSpPr/>
+        <p:nvPr/>
+      </p:nvGrpSpPr>
+      <p:grpSpPr>
+        <a:xfrm>
+          <a:off x="0" y="0"/>
+          <a:ext cx="0" cy="0"/>
+          <a:chOff x="0" y="0"/>
+          <a:chExt cx="0" cy="0"/>
+        </a:xfrm>
+      </p:grpSpPr>
+      <p:sp>
+        <p:nvSpPr>
+          <p:cNvPr id="2" name="Rectangle 1">
+            <a:extLst>
+              <a:ext uri="{FF2B5EF4-FFF2-40B4-BE49-F238E27FC236}">
+                <a16:creationId xmlns:a16="http://schemas.microsoft.com/office/drawing/2014/main" id="{5509C39A-0375-4190-B9C5-9C34C7E73B41}"/>
+              </a:ext>
+            </a:extLst>
+          </p:cNvPr>
+          <p:cNvSpPr/>
+          <p:nvPr/>
+        </p:nvSpPr>
+        <p:spPr>
+          <a:xfrm>
+            <a:off x="878955" y="540234"/>
+            <a:ext cx="10273305" cy="738664"/>
+          </a:xfrm>
+          <a:prstGeom prst="rect">
+            <a:avLst/>
+          </a:prstGeom>
+        </p:spPr>
+        <p:txBody>
+          <a:bodyPr wrap="square">
+            <a:spAutoFit/>
+          </a:bodyPr>
+          <a:lstStyle/>
+          <a:p>
+            <a:r>
+              <a:rPr lang="en-US" dirty="0">
+                <a:solidFill>
+                  <a:srgbClr val="212121"/>
+                </a:solidFill>
+                <a:latin typeface="Roboto"/>
+              </a:rPr>
+              <a:t>Let's try calculating accuracy for the following model that classified 100 tumors as </a:t>
+            </a:r>
+            <a:r>
+              <a:rPr lang="en-US" dirty="0">
+                <a:solidFill>
+                  <a:srgbClr val="039BE5"/>
+                </a:solidFill>
+                <a:latin typeface="Roboto"/>
+                <a:hlinkClick r:id="rId3"/>
+              </a:rPr>
+              <a:t>malignant</a:t>
+            </a:r>
+            <a:r>
+              <a:rPr lang="en-US" dirty="0">
+                <a:solidFill>
+                  <a:srgbClr val="212121"/>
+                </a:solidFill>
+                <a:latin typeface="Roboto"/>
+              </a:rPr>
+              <a:t> (the positive class) or </a:t>
+            </a:r>
+            <a:r>
+              <a:rPr lang="en-US" dirty="0">
+                <a:solidFill>
+                  <a:srgbClr val="039BE5"/>
+                </a:solidFill>
+                <a:latin typeface="Roboto"/>
+                <a:hlinkClick r:id="rId4"/>
+              </a:rPr>
+              <a:t>benign</a:t>
+            </a:r>
+            <a:r>
+              <a:rPr lang="en-US" dirty="0">
+                <a:solidFill>
+                  <a:srgbClr val="212121"/>
+                </a:solidFill>
+                <a:latin typeface="Roboto"/>
+              </a:rPr>
+              <a:t> (the negative class):</a:t>
+            </a:r>
+            <a:endParaRPr lang="en-US" dirty="0"/>
+          </a:p>
+        </p:txBody>
+      </p:sp>
+      <p:pic>
+        <p:nvPicPr>
+          <p:cNvPr id="3" name="Picture 2">
+            <a:extLst>
+              <a:ext uri="{FF2B5EF4-FFF2-40B4-BE49-F238E27FC236}">
+                <a16:creationId xmlns:a16="http://schemas.microsoft.com/office/drawing/2014/main" id="{44919F02-563E-44B6-B2E2-904E053EB735}"/>
+              </a:ext>
+            </a:extLst>
+          </p:cNvPr>
+          <p:cNvPicPr>
+            <a:picLocks noChangeAspect="1"/>
+          </p:cNvPicPr>
+          <p:nvPr/>
+        </p:nvPicPr>
+        <p:blipFill>
+          <a:blip r:embed="rId5"/>
+          <a:stretch>
+            <a:fillRect/>
+          </a:stretch>
+        </p:blipFill>
+        <p:spPr>
+          <a:xfrm>
+            <a:off x="-1" y="1650097"/>
+            <a:ext cx="12195175" cy="3559393"/>
+          </a:xfrm>
+          <a:prstGeom prst="rect">
+            <a:avLst/>
+          </a:prstGeom>
+        </p:spPr>
+      </p:pic>
+    </p:spTree>
+    <p:extLst>
+      <p:ext uri="{BB962C8B-B14F-4D97-AF65-F5344CB8AC3E}">
+        <p14:creationId xmlns:p14="http://schemas.microsoft.com/office/powerpoint/2010/main" val="2640540088"/>
+      </p:ext>
+    </p:extLst>
+  </p:cSld>
+  <p:clrMapOvr>
+    <a:masterClrMapping/>
+  </p:clrMapOvr>
+</p:sld>
+</file>
+
+<file path=ppt/slides/slide12.xml><?xml version="1.0" encoding="utf-8"?>
+<p:sld xmlns:a="http://schemas.openxmlformats.org/drawingml/2006/main" xmlns:r="http://schemas.openxmlformats.org/officeDocument/2006/relationships" xmlns:p="http://schemas.openxmlformats.org/presentationml/2006/main">
+  <p:cSld>
+    <p:spTree>
+      <p:nvGrpSpPr>
+        <p:cNvPr id="1" name=""/>
+        <p:cNvGrpSpPr/>
+        <p:nvPr/>
+      </p:nvGrpSpPr>
+      <p:grpSpPr>
+        <a:xfrm>
+          <a:off x="0" y="0"/>
+          <a:ext cx="0" cy="0"/>
+          <a:chOff x="0" y="0"/>
+          <a:chExt cx="0" cy="0"/>
+        </a:xfrm>
+      </p:grpSpPr>
+      <p:sp>
+        <p:nvSpPr>
+          <p:cNvPr id="3" name="Rectangle 2">
+            <a:extLst>
+              <a:ext uri="{FF2B5EF4-FFF2-40B4-BE49-F238E27FC236}">
+                <a16:creationId xmlns:a16="http://schemas.microsoft.com/office/drawing/2014/main" id="{64B28AA6-7CE9-493D-9707-75B9CE9835F6}"/>
+              </a:ext>
+            </a:extLst>
+          </p:cNvPr>
+          <p:cNvSpPr>
+            <a:spLocks noChangeArrowheads="1"/>
+          </p:cNvSpPr>
+          <p:nvPr/>
+        </p:nvSpPr>
+        <p:spPr bwMode="auto">
+          <a:xfrm>
+            <a:off x="420875" y="274604"/>
+            <a:ext cx="6424836" cy="1854245"/>
+          </a:xfrm>
+          <a:prstGeom prst="rect">
+            <a:avLst/>
+          </a:prstGeom>
+          <a:noFill/>
+          <a:ln>
+            <a:noFill/>
+          </a:ln>
+          <a:effectLst/>
+          <a:extLst>
+            <a:ext uri="{909E8E84-426E-40DD-AFC4-6F175D3DCCD1}">
+              <a14:hiddenFill xmlns:a14="http://schemas.microsoft.com/office/drawing/2010/main">
+                <a:solidFill>
+                  <a:schemeClr val="accent1"/>
+                </a:solidFill>
+              </a14:hiddenFill>
+            </a:ext>
+            <a:ext uri="{91240B29-F687-4F45-9708-019B960494DF}">
+              <a14:hiddenLine xmlns:a14="http://schemas.microsoft.com/office/drawing/2010/main" w="9525">
+                <a:solidFill>
+                  <a:schemeClr val="tx1"/>
+                </a:solidFill>
+                <a:miter lim="800000"/>
+                <a:headEnd/>
+                <a:tailEnd/>
+              </a14:hiddenLine>
+            </a:ext>
+            <a:ext uri="{AF507438-7753-43E0-B8FC-AC1667EBCBE1}">
+              <a14:hiddenEffects xmlns:a14="http://schemas.microsoft.com/office/drawing/2010/main">
+                <a:effectLst>
+                  <a:outerShdw dist="35921" dir="2700000" algn="ctr" rotWithShape="0">
+                    <a:schemeClr val="bg2"/>
+                  </a:outerShdw>
+                </a:effectLst>
+              </a14:hiddenEffects>
+            </a:ext>
+          </a:extLst>
+        </p:spPr>
+        <p:txBody>
+          <a:bodyPr vert="horz" wrap="none" lIns="0" tIns="228528" rIns="0" bIns="114264" numCol="1" anchor="ctr" anchorCtr="0" compatLnSpc="1">
+            <a:prstTxWarp prst="textNoShape">
+              <a:avLst/>
+            </a:prstTxWarp>
+            <a:spAutoFit/>
+          </a:bodyPr>
+          <a:lstStyle>
+            <a:lvl1pPr eaLnBrk="0" fontAlgn="base" hangingPunct="0">
+              <a:spcBef>
+                <a:spcPct val="0"/>
+              </a:spcBef>
+              <a:spcAft>
+                <a:spcPct val="0"/>
+              </a:spcAft>
+              <a:defRPr>
+                <a:solidFill>
+                  <a:schemeClr val="tx1"/>
+                </a:solidFill>
+                <a:latin typeface="Arial" panose="020B0604020202020204" pitchFamily="34" charset="0"/>
+              </a:defRPr>
+            </a:lvl1pPr>
+            <a:lvl2pPr marL="457200" eaLnBrk="0" fontAlgn="base" hangingPunct="0">
+              <a:spcBef>
+                <a:spcPct val="0"/>
+              </a:spcBef>
+              <a:spcAft>
+                <a:spcPct val="0"/>
+              </a:spcAft>
+              <a:defRPr>
+                <a:solidFill>
+                  <a:schemeClr val="tx1"/>
+                </a:solidFill>
+                <a:latin typeface="Arial" panose="020B0604020202020204" pitchFamily="34" charset="0"/>
+              </a:defRPr>
+            </a:lvl2pPr>
+            <a:lvl3pPr marL="914400" eaLnBrk="0" fontAlgn="base" hangingPunct="0">
+              <a:spcBef>
+                <a:spcPct val="0"/>
+              </a:spcBef>
+              <a:spcAft>
+                <a:spcPct val="0"/>
+              </a:spcAft>
+              <a:defRPr>
+                <a:solidFill>
+                  <a:schemeClr val="tx1"/>
+                </a:solidFill>
+                <a:latin typeface="Arial" panose="020B0604020202020204" pitchFamily="34" charset="0"/>
+              </a:defRPr>
+            </a:lvl3pPr>
+            <a:lvl4pPr marL="1371600" eaLnBrk="0" fontAlgn="base" hangingPunct="0">
+              <a:spcBef>
+                <a:spcPct val="0"/>
+              </a:spcBef>
+              <a:spcAft>
+                <a:spcPct val="0"/>
+              </a:spcAft>
+              <a:defRPr>
+                <a:solidFill>
+                  <a:schemeClr val="tx1"/>
+                </a:solidFill>
+                <a:latin typeface="Arial" panose="020B0604020202020204" pitchFamily="34" charset="0"/>
+              </a:defRPr>
+            </a:lvl4pPr>
+            <a:lvl5pPr marL="1828800" eaLnBrk="0" fontAlgn="base" hangingPunct="0">
+              <a:spcBef>
+                <a:spcPct val="0"/>
+              </a:spcBef>
+              <a:spcAft>
+                <a:spcPct val="0"/>
+              </a:spcAft>
+              <a:defRPr>
+                <a:solidFill>
+                  <a:schemeClr val="tx1"/>
+                </a:solidFill>
+                <a:latin typeface="Arial" panose="020B0604020202020204" pitchFamily="34" charset="0"/>
+              </a:defRPr>
+            </a:lvl5pPr>
+            <a:lvl6pPr marL="2286000" eaLnBrk="0" fontAlgn="base" hangingPunct="0">
+              <a:spcBef>
+                <a:spcPct val="0"/>
+              </a:spcBef>
+              <a:spcAft>
+                <a:spcPct val="0"/>
+              </a:spcAft>
+              <a:defRPr>
+                <a:solidFill>
+                  <a:schemeClr val="tx1"/>
+                </a:solidFill>
+                <a:latin typeface="Arial" panose="020B0604020202020204" pitchFamily="34" charset="0"/>
+              </a:defRPr>
+            </a:lvl6pPr>
+            <a:lvl7pPr marL="2743200" eaLnBrk="0" fontAlgn="base" hangingPunct="0">
+              <a:spcBef>
+                <a:spcPct val="0"/>
+              </a:spcBef>
+              <a:spcAft>
+                <a:spcPct val="0"/>
+              </a:spcAft>
+              <a:defRPr>
+                <a:solidFill>
+                  <a:schemeClr val="tx1"/>
+                </a:solidFill>
+                <a:latin typeface="Arial" panose="020B0604020202020204" pitchFamily="34" charset="0"/>
+              </a:defRPr>
+            </a:lvl7pPr>
+            <a:lvl8pPr marL="3200400" eaLnBrk="0" fontAlgn="base" hangingPunct="0">
+              <a:spcBef>
+                <a:spcPct val="0"/>
+              </a:spcBef>
+              <a:spcAft>
+                <a:spcPct val="0"/>
+              </a:spcAft>
+              <a:defRPr>
+                <a:solidFill>
+                  <a:schemeClr val="tx1"/>
+                </a:solidFill>
+                <a:latin typeface="Arial" panose="020B0604020202020204" pitchFamily="34" charset="0"/>
+              </a:defRPr>
+            </a:lvl8pPr>
+            <a:lvl9pPr marL="3657600" eaLnBrk="0" fontAlgn="base" hangingPunct="0">
+              <a:spcBef>
+                <a:spcPct val="0"/>
+              </a:spcBef>
+              <a:spcAft>
+                <a:spcPct val="0"/>
+              </a:spcAft>
+              <a:defRPr>
+                <a:solidFill>
+                  <a:schemeClr val="tx1"/>
+                </a:solidFill>
+                <a:latin typeface="Arial" panose="020B0604020202020204" pitchFamily="34" charset="0"/>
+              </a:defRPr>
+            </a:lvl9pPr>
+          </a:lstStyle>
+          <a:p>
+            <a:pPr marL="0" marR="0" lvl="0" indent="0" algn="l" defTabSz="914400" rtl="0" eaLnBrk="0" fontAlgn="base" latinLnBrk="0" hangingPunct="0">
+              <a:lnSpc>
+                <a:spcPct val="100000"/>
+              </a:lnSpc>
+              <a:spcBef>
+                <a:spcPct val="0"/>
+              </a:spcBef>
+              <a:spcAft>
+                <a:spcPct val="0"/>
+              </a:spcAft>
+              <a:buClrTx/>
+              <a:buSzTx/>
+              <a:buFontTx/>
+              <a:buNone/>
+              <a:tabLst/>
+            </a:pPr>
+            <a:r>
+              <a:rPr kumimoji="0" lang="en-US" altLang="en-US" sz="3200" b="1" i="0" u="none" strike="noStrike" cap="none" normalizeH="0" baseline="0" dirty="0">
+                <a:ln>
+                  <a:noFill/>
+                </a:ln>
+                <a:solidFill>
+                  <a:srgbClr val="212121"/>
+                </a:solidFill>
+                <a:effectLst/>
+                <a:latin typeface="Roboto"/>
+              </a:rPr>
+              <a:t>Precision</a:t>
+            </a:r>
+            <a:r>
+              <a:rPr kumimoji="0" lang="en-US" altLang="en-US" sz="1200" b="0" i="0" u="none" strike="noStrike" cap="none" normalizeH="0" baseline="0" dirty="0">
+                <a:ln>
+                  <a:noFill/>
+                </a:ln>
+                <a:solidFill>
+                  <a:srgbClr val="212121"/>
+                </a:solidFill>
+                <a:effectLst/>
+                <a:latin typeface="Roboto"/>
+              </a:rPr>
+              <a:t> attempts to answer the following question:</a:t>
+            </a:r>
+            <a:endParaRPr kumimoji="0" lang="en-US" altLang="en-US" sz="600" b="0" i="0" u="none" strike="noStrike" cap="none" normalizeH="0" baseline="0" dirty="0">
+              <a:ln>
+                <a:noFill/>
+              </a:ln>
+              <a:solidFill>
+                <a:schemeClr val="tx1"/>
+              </a:solidFill>
+              <a:effectLst/>
+            </a:endParaRPr>
+          </a:p>
+          <a:p>
+            <a:pPr marL="0" marR="0" lvl="0" indent="0" algn="l" defTabSz="914400" rtl="0" eaLnBrk="0" fontAlgn="base" latinLnBrk="0" hangingPunct="0">
+              <a:lnSpc>
+                <a:spcPct val="100000"/>
+              </a:lnSpc>
+              <a:spcBef>
+                <a:spcPct val="0"/>
+              </a:spcBef>
+              <a:spcAft>
+                <a:spcPct val="0"/>
+              </a:spcAft>
+              <a:buClrTx/>
+              <a:buSzTx/>
+              <a:buFontTx/>
+              <a:buNone/>
+              <a:tabLst/>
+            </a:pPr>
+            <a:r>
+              <a:rPr kumimoji="0" lang="en-US" altLang="en-US" sz="1800" b="0" i="0" u="none" strike="noStrike" cap="none" normalizeH="0" baseline="0" dirty="0">
+                <a:ln>
+                  <a:noFill/>
+                </a:ln>
+                <a:solidFill>
+                  <a:schemeClr val="tx1"/>
+                </a:solidFill>
+                <a:effectLst/>
+                <a:latin typeface="Arial" panose="020B0604020202020204" pitchFamily="34" charset="0"/>
+              </a:rPr>
+              <a:t>What proportion of positive identifications was actually correct?</a:t>
+            </a:r>
+          </a:p>
+          <a:p>
+            <a:pPr marL="0" marR="0" lvl="0" indent="0" algn="l" defTabSz="914400" rtl="0" eaLnBrk="0" fontAlgn="base" latinLnBrk="0" hangingPunct="0">
+              <a:lnSpc>
+                <a:spcPct val="100000"/>
+              </a:lnSpc>
+              <a:spcBef>
+                <a:spcPct val="0"/>
+              </a:spcBef>
+              <a:spcAft>
+                <a:spcPct val="0"/>
+              </a:spcAft>
+              <a:buClrTx/>
+              <a:buSzTx/>
+              <a:buFontTx/>
+              <a:buNone/>
+              <a:tabLst/>
+            </a:pPr>
+            <a:r>
+              <a:rPr kumimoji="0" lang="en-US" altLang="en-US" sz="1200" b="0" i="0" u="none" strike="noStrike" cap="none" normalizeH="0" baseline="0" dirty="0">
+                <a:ln>
+                  <a:noFill/>
+                </a:ln>
+                <a:solidFill>
+                  <a:srgbClr val="212121"/>
+                </a:solidFill>
+                <a:effectLst/>
+                <a:latin typeface="Roboto"/>
+              </a:rPr>
+              <a:t>Precision is defined as follows:</a:t>
+            </a:r>
+            <a:endParaRPr kumimoji="0" lang="en-US" altLang="en-US" sz="600" b="0" i="0" u="none" strike="noStrike" cap="none" normalizeH="0" baseline="0" dirty="0">
+              <a:ln>
+                <a:noFill/>
+              </a:ln>
+              <a:solidFill>
+                <a:schemeClr val="tx1"/>
+              </a:solidFill>
+              <a:effectLst/>
+            </a:endParaRPr>
+          </a:p>
+          <a:p>
+            <a:pPr marL="0" marR="0" lvl="0" indent="0" algn="l" defTabSz="914400" rtl="0" eaLnBrk="0" fontAlgn="base" latinLnBrk="0" hangingPunct="0">
+              <a:lnSpc>
+                <a:spcPct val="100000"/>
+              </a:lnSpc>
+              <a:spcBef>
+                <a:spcPct val="0"/>
+              </a:spcBef>
+              <a:spcAft>
+                <a:spcPct val="0"/>
+              </a:spcAft>
+              <a:buClrTx/>
+              <a:buSzTx/>
+              <a:buFontTx/>
+              <a:buNone/>
+              <a:tabLst/>
+            </a:pPr>
+            <a:br>
+              <a:rPr kumimoji="0" lang="en-US" altLang="en-US" sz="1800" b="0" i="0" u="none" strike="noStrike" cap="none" normalizeH="0" baseline="0" dirty="0">
+                <a:ln>
+                  <a:noFill/>
+                </a:ln>
+                <a:solidFill>
+                  <a:schemeClr val="tx1"/>
+                </a:solidFill>
+                <a:effectLst/>
+                <a:latin typeface="Arial" panose="020B0604020202020204" pitchFamily="34" charset="0"/>
+              </a:rPr>
+            </a:br>
+            <a:endParaRPr kumimoji="0" lang="en-US" altLang="en-US" sz="1800" b="0" i="0" u="none" strike="noStrike" cap="none" normalizeH="0" baseline="0" dirty="0">
+              <a:ln>
+                <a:noFill/>
+              </a:ln>
+              <a:solidFill>
+                <a:schemeClr val="tx1"/>
+              </a:solidFill>
+              <a:effectLst/>
+              <a:latin typeface="Arial" panose="020B0604020202020204" pitchFamily="34" charset="0"/>
+            </a:endParaRPr>
+          </a:p>
+        </p:txBody>
+      </p:sp>
+      <p:sp>
+        <p:nvSpPr>
+          <p:cNvPr id="4" name="Rectangle 3">
+            <a:extLst>
+              <a:ext uri="{FF2B5EF4-FFF2-40B4-BE49-F238E27FC236}">
+                <a16:creationId xmlns:a16="http://schemas.microsoft.com/office/drawing/2014/main" id="{1B30E888-38EF-4A3E-8E7D-9ABE7239EEFE}"/>
+              </a:ext>
+            </a:extLst>
+          </p:cNvPr>
+          <p:cNvSpPr>
+            <a:spLocks noChangeArrowheads="1"/>
+          </p:cNvSpPr>
+          <p:nvPr/>
+        </p:nvSpPr>
+        <p:spPr bwMode="auto">
+          <a:xfrm>
+            <a:off x="471714" y="1397304"/>
+            <a:ext cx="6065763" cy="2162021"/>
+          </a:xfrm>
+          <a:prstGeom prst="rect">
+            <a:avLst/>
+          </a:prstGeom>
+          <a:noFill/>
+          <a:ln>
+            <a:noFill/>
+          </a:ln>
+          <a:effectLst/>
+          <a:extLst>
+            <a:ext uri="{909E8E84-426E-40DD-AFC4-6F175D3DCCD1}">
+              <a14:hiddenFill xmlns:a14="http://schemas.microsoft.com/office/drawing/2010/main">
+                <a:solidFill>
+                  <a:schemeClr val="accent1"/>
+                </a:solidFill>
+              </a14:hiddenFill>
+            </a:ext>
+            <a:ext uri="{91240B29-F687-4F45-9708-019B960494DF}">
+              <a14:hiddenLine xmlns:a14="http://schemas.microsoft.com/office/drawing/2010/main" w="9525">
+                <a:solidFill>
+                  <a:schemeClr val="tx1"/>
+                </a:solidFill>
+                <a:miter lim="800000"/>
+                <a:headEnd/>
+                <a:tailEnd/>
+              </a14:hiddenLine>
+            </a:ext>
+            <a:ext uri="{AF507438-7753-43E0-B8FC-AC1667EBCBE1}">
+              <a14:hiddenEffects xmlns:a14="http://schemas.microsoft.com/office/drawing/2010/main">
+                <a:effectLst>
+                  <a:outerShdw dist="35921" dir="2700000" algn="ctr" rotWithShape="0">
+                    <a:schemeClr val="bg2"/>
+                  </a:outerShdw>
+                </a:effectLst>
+              </a14:hiddenEffects>
+            </a:ext>
+          </a:extLst>
+        </p:spPr>
+        <p:txBody>
+          <a:bodyPr vert="horz" wrap="none" lIns="0" tIns="228528" rIns="0" bIns="114264" numCol="1" anchor="ctr" anchorCtr="0" compatLnSpc="1">
+            <a:prstTxWarp prst="textNoShape">
+              <a:avLst/>
+            </a:prstTxWarp>
+            <a:spAutoFit/>
+          </a:bodyPr>
+          <a:lstStyle>
+            <a:lvl1pPr eaLnBrk="0" fontAlgn="base" hangingPunct="0">
+              <a:spcBef>
+                <a:spcPct val="0"/>
+              </a:spcBef>
+              <a:spcAft>
+                <a:spcPct val="0"/>
+              </a:spcAft>
+              <a:defRPr>
+                <a:solidFill>
+                  <a:schemeClr val="tx1"/>
+                </a:solidFill>
+                <a:latin typeface="Arial" panose="020B0604020202020204" pitchFamily="34" charset="0"/>
+              </a:defRPr>
+            </a:lvl1pPr>
+            <a:lvl2pPr marL="457200" eaLnBrk="0" fontAlgn="base" hangingPunct="0">
+              <a:spcBef>
+                <a:spcPct val="0"/>
+              </a:spcBef>
+              <a:spcAft>
+                <a:spcPct val="0"/>
+              </a:spcAft>
+              <a:defRPr>
+                <a:solidFill>
+                  <a:schemeClr val="tx1"/>
+                </a:solidFill>
+                <a:latin typeface="Arial" panose="020B0604020202020204" pitchFamily="34" charset="0"/>
+              </a:defRPr>
+            </a:lvl2pPr>
+            <a:lvl3pPr marL="914400" eaLnBrk="0" fontAlgn="base" hangingPunct="0">
+              <a:spcBef>
+                <a:spcPct val="0"/>
+              </a:spcBef>
+              <a:spcAft>
+                <a:spcPct val="0"/>
+              </a:spcAft>
+              <a:defRPr>
+                <a:solidFill>
+                  <a:schemeClr val="tx1"/>
+                </a:solidFill>
+                <a:latin typeface="Arial" panose="020B0604020202020204" pitchFamily="34" charset="0"/>
+              </a:defRPr>
+            </a:lvl3pPr>
+            <a:lvl4pPr marL="1371600" eaLnBrk="0" fontAlgn="base" hangingPunct="0">
+              <a:spcBef>
+                <a:spcPct val="0"/>
+              </a:spcBef>
+              <a:spcAft>
+                <a:spcPct val="0"/>
+              </a:spcAft>
+              <a:defRPr>
+                <a:solidFill>
+                  <a:schemeClr val="tx1"/>
+                </a:solidFill>
+                <a:latin typeface="Arial" panose="020B0604020202020204" pitchFamily="34" charset="0"/>
+              </a:defRPr>
+            </a:lvl4pPr>
+            <a:lvl5pPr marL="1828800" eaLnBrk="0" fontAlgn="base" hangingPunct="0">
+              <a:spcBef>
+                <a:spcPct val="0"/>
+              </a:spcBef>
+              <a:spcAft>
+                <a:spcPct val="0"/>
+              </a:spcAft>
+              <a:defRPr>
+                <a:solidFill>
+                  <a:schemeClr val="tx1"/>
+                </a:solidFill>
+                <a:latin typeface="Arial" panose="020B0604020202020204" pitchFamily="34" charset="0"/>
+              </a:defRPr>
+            </a:lvl5pPr>
+            <a:lvl6pPr marL="2286000" eaLnBrk="0" fontAlgn="base" hangingPunct="0">
+              <a:spcBef>
+                <a:spcPct val="0"/>
+              </a:spcBef>
+              <a:spcAft>
+                <a:spcPct val="0"/>
+              </a:spcAft>
+              <a:defRPr>
+                <a:solidFill>
+                  <a:schemeClr val="tx1"/>
+                </a:solidFill>
+                <a:latin typeface="Arial" panose="020B0604020202020204" pitchFamily="34" charset="0"/>
+              </a:defRPr>
+            </a:lvl6pPr>
+            <a:lvl7pPr marL="2743200" eaLnBrk="0" fontAlgn="base" hangingPunct="0">
+              <a:spcBef>
+                <a:spcPct val="0"/>
+              </a:spcBef>
+              <a:spcAft>
+                <a:spcPct val="0"/>
+              </a:spcAft>
+              <a:defRPr>
+                <a:solidFill>
+                  <a:schemeClr val="tx1"/>
+                </a:solidFill>
+                <a:latin typeface="Arial" panose="020B0604020202020204" pitchFamily="34" charset="0"/>
+              </a:defRPr>
+            </a:lvl7pPr>
+            <a:lvl8pPr marL="3200400" eaLnBrk="0" fontAlgn="base" hangingPunct="0">
+              <a:spcBef>
+                <a:spcPct val="0"/>
+              </a:spcBef>
+              <a:spcAft>
+                <a:spcPct val="0"/>
+              </a:spcAft>
+              <a:defRPr>
+                <a:solidFill>
+                  <a:schemeClr val="tx1"/>
+                </a:solidFill>
+                <a:latin typeface="Arial" panose="020B0604020202020204" pitchFamily="34" charset="0"/>
+              </a:defRPr>
+            </a:lvl8pPr>
+            <a:lvl9pPr marL="3657600" eaLnBrk="0" fontAlgn="base" hangingPunct="0">
+              <a:spcBef>
+                <a:spcPct val="0"/>
+              </a:spcBef>
+              <a:spcAft>
+                <a:spcPct val="0"/>
+              </a:spcAft>
+              <a:defRPr>
+                <a:solidFill>
+                  <a:schemeClr val="tx1"/>
+                </a:solidFill>
+                <a:latin typeface="Arial" panose="020B0604020202020204" pitchFamily="34" charset="0"/>
+              </a:defRPr>
+            </a:lvl9pPr>
+          </a:lstStyle>
+          <a:p>
+            <a:pPr marL="0" marR="0" lvl="0" indent="0" algn="l" defTabSz="914400" rtl="0" eaLnBrk="0" fontAlgn="base" latinLnBrk="0" hangingPunct="0">
+              <a:lnSpc>
+                <a:spcPct val="100000"/>
+              </a:lnSpc>
+              <a:spcBef>
+                <a:spcPct val="0"/>
+              </a:spcBef>
+              <a:spcAft>
+                <a:spcPct val="0"/>
+              </a:spcAft>
+              <a:buClrTx/>
+              <a:buSzTx/>
+              <a:buFontTx/>
+              <a:buNone/>
+              <a:tabLst/>
+            </a:pPr>
+            <a:r>
+              <a:rPr kumimoji="0" lang="en-US" altLang="en-US" sz="4000" b="1" i="0" u="none" strike="noStrike" cap="none" normalizeH="0" baseline="0" dirty="0">
+                <a:ln>
+                  <a:noFill/>
+                </a:ln>
+                <a:solidFill>
+                  <a:srgbClr val="212121"/>
+                </a:solidFill>
+                <a:effectLst/>
+                <a:latin typeface="Roboto"/>
+              </a:rPr>
+              <a:t>Recall</a:t>
+            </a:r>
+            <a:r>
+              <a:rPr kumimoji="0" lang="en-US" altLang="en-US" sz="4000" b="0" i="0" u="none" strike="noStrike" cap="none" normalizeH="0" baseline="0" dirty="0">
+                <a:ln>
+                  <a:noFill/>
+                </a:ln>
+                <a:solidFill>
+                  <a:srgbClr val="212121"/>
+                </a:solidFill>
+                <a:effectLst/>
+                <a:latin typeface="Roboto"/>
+              </a:rPr>
+              <a:t> </a:t>
+            </a:r>
+            <a:r>
+              <a:rPr kumimoji="0" lang="en-US" altLang="en-US" sz="1200" b="0" i="0" u="none" strike="noStrike" cap="none" normalizeH="0" baseline="0" dirty="0">
+                <a:ln>
+                  <a:noFill/>
+                </a:ln>
+                <a:solidFill>
+                  <a:srgbClr val="212121"/>
+                </a:solidFill>
+                <a:effectLst/>
+                <a:latin typeface="Roboto"/>
+              </a:rPr>
+              <a:t>attempts to answer the following question:</a:t>
+            </a:r>
+            <a:endParaRPr kumimoji="0" lang="en-US" altLang="en-US" sz="600" b="0" i="0" u="none" strike="noStrike" cap="none" normalizeH="0" baseline="0" dirty="0">
+              <a:ln>
+                <a:noFill/>
+              </a:ln>
+              <a:solidFill>
+                <a:schemeClr val="tx1"/>
+              </a:solidFill>
+              <a:effectLst/>
+            </a:endParaRPr>
+          </a:p>
+          <a:p>
+            <a:pPr marL="0" marR="0" lvl="0" indent="0" algn="l" defTabSz="914400" rtl="0" eaLnBrk="0" fontAlgn="base" latinLnBrk="0" hangingPunct="0">
+              <a:lnSpc>
+                <a:spcPct val="100000"/>
+              </a:lnSpc>
+              <a:spcBef>
+                <a:spcPct val="0"/>
+              </a:spcBef>
+              <a:spcAft>
+                <a:spcPct val="0"/>
+              </a:spcAft>
+              <a:buClrTx/>
+              <a:buSzTx/>
+              <a:buFontTx/>
+              <a:buNone/>
+              <a:tabLst/>
+            </a:pPr>
+            <a:r>
+              <a:rPr kumimoji="0" lang="en-US" altLang="en-US" sz="1800" b="0" i="0" u="none" strike="noStrike" cap="none" normalizeH="0" baseline="0" dirty="0">
+                <a:ln>
+                  <a:noFill/>
+                </a:ln>
+                <a:solidFill>
+                  <a:schemeClr val="tx1"/>
+                </a:solidFill>
+                <a:effectLst/>
+                <a:latin typeface="Arial" panose="020B0604020202020204" pitchFamily="34" charset="0"/>
+              </a:rPr>
+              <a:t>What proportion of actual positives was identified correctly?</a:t>
+            </a:r>
+          </a:p>
+          <a:p>
+            <a:pPr marL="0" marR="0" lvl="0" indent="0" algn="l" defTabSz="914400" rtl="0" eaLnBrk="0" fontAlgn="base" latinLnBrk="0" hangingPunct="0">
+              <a:lnSpc>
+                <a:spcPct val="100000"/>
+              </a:lnSpc>
+              <a:spcBef>
+                <a:spcPct val="0"/>
+              </a:spcBef>
+              <a:spcAft>
+                <a:spcPct val="0"/>
+              </a:spcAft>
+              <a:buClrTx/>
+              <a:buSzTx/>
+              <a:buFontTx/>
+              <a:buNone/>
+              <a:tabLst/>
+            </a:pPr>
+            <a:r>
+              <a:rPr kumimoji="0" lang="en-US" altLang="en-US" sz="1200" b="0" i="0" u="none" strike="noStrike" cap="none" normalizeH="0" baseline="0" dirty="0">
+                <a:ln>
+                  <a:noFill/>
+                </a:ln>
+                <a:solidFill>
+                  <a:srgbClr val="212121"/>
+                </a:solidFill>
+                <a:effectLst/>
+                <a:latin typeface="Roboto"/>
+              </a:rPr>
+              <a:t>Mathematically, recall is defined as follows:</a:t>
+            </a:r>
+            <a:endParaRPr kumimoji="0" lang="en-US" altLang="en-US" sz="600" b="0" i="0" u="none" strike="noStrike" cap="none" normalizeH="0" baseline="0" dirty="0">
+              <a:ln>
+                <a:noFill/>
+              </a:ln>
+              <a:solidFill>
+                <a:schemeClr val="tx1"/>
+              </a:solidFill>
+              <a:effectLst/>
+            </a:endParaRPr>
+          </a:p>
+          <a:p>
+            <a:pPr marL="0" marR="0" lvl="0" indent="0" algn="l" defTabSz="914400" rtl="0" eaLnBrk="0" fontAlgn="base" latinLnBrk="0" hangingPunct="0">
+              <a:lnSpc>
+                <a:spcPct val="100000"/>
+              </a:lnSpc>
+              <a:spcBef>
+                <a:spcPct val="0"/>
+              </a:spcBef>
+              <a:spcAft>
+                <a:spcPct val="0"/>
+              </a:spcAft>
+              <a:buClrTx/>
+              <a:buSzTx/>
+              <a:buFontTx/>
+              <a:buNone/>
+              <a:tabLst/>
+            </a:pPr>
+            <a:r>
+              <a:rPr kumimoji="0" lang="en-US" altLang="en-US" sz="1200" b="0" i="0" u="none" strike="noStrike" cap="none" normalizeH="0" baseline="0" dirty="0">
+                <a:ln>
+                  <a:noFill/>
+                </a:ln>
+                <a:solidFill>
+                  <a:srgbClr val="212121"/>
+                </a:solidFill>
+                <a:effectLst/>
+                <a:latin typeface="Roboto"/>
+              </a:rPr>
+              <a:t>Recall=TPTP+FN</a:t>
+            </a:r>
+            <a:endParaRPr kumimoji="0" lang="en-US" altLang="en-US" sz="600" b="0" i="0" u="none" strike="noStrike" cap="none" normalizeH="0" baseline="0" dirty="0">
+              <a:ln>
+                <a:noFill/>
+              </a:ln>
+              <a:solidFill>
+                <a:schemeClr val="tx1"/>
+              </a:solidFill>
+              <a:effectLst/>
+            </a:endParaRPr>
+          </a:p>
+          <a:p>
+            <a:pPr marL="0" marR="0" lvl="0" indent="0" algn="l" defTabSz="914400" rtl="0" eaLnBrk="0" fontAlgn="base" latinLnBrk="0" hangingPunct="0">
+              <a:lnSpc>
+                <a:spcPct val="100000"/>
+              </a:lnSpc>
+              <a:spcBef>
+                <a:spcPct val="0"/>
+              </a:spcBef>
+              <a:spcAft>
+                <a:spcPct val="0"/>
+              </a:spcAft>
+              <a:buClrTx/>
+              <a:buSzTx/>
+              <a:buFontTx/>
+              <a:buNone/>
+              <a:tabLst/>
+            </a:pPr>
+            <a:br>
+              <a:rPr kumimoji="0" lang="en-US" altLang="en-US" sz="1800" b="0" i="0" u="none" strike="noStrike" cap="none" normalizeH="0" baseline="0" dirty="0">
+                <a:ln>
+                  <a:noFill/>
+                </a:ln>
+                <a:solidFill>
+                  <a:schemeClr val="tx1"/>
+                </a:solidFill>
+                <a:effectLst/>
+                <a:latin typeface="Arial" panose="020B0604020202020204" pitchFamily="34" charset="0"/>
+              </a:rPr>
+            </a:br>
+            <a:endParaRPr kumimoji="0" lang="en-US" altLang="en-US" sz="1800" b="0" i="0" u="none" strike="noStrike" cap="none" normalizeH="0" baseline="0" dirty="0">
+              <a:ln>
+                <a:noFill/>
+              </a:ln>
+              <a:solidFill>
+                <a:schemeClr val="tx1"/>
+              </a:solidFill>
+              <a:effectLst/>
+              <a:latin typeface="Arial" panose="020B0604020202020204" pitchFamily="34" charset="0"/>
+            </a:endParaRPr>
+          </a:p>
+        </p:txBody>
+      </p:sp>
+      <p:pic>
+        <p:nvPicPr>
+          <p:cNvPr id="6" name="Picture 5">
+            <a:extLst>
+              <a:ext uri="{FF2B5EF4-FFF2-40B4-BE49-F238E27FC236}">
+                <a16:creationId xmlns:a16="http://schemas.microsoft.com/office/drawing/2014/main" id="{2B2C5841-30ED-4D76-90F9-A4729BDE922A}"/>
+              </a:ext>
+            </a:extLst>
+          </p:cNvPr>
+          <p:cNvPicPr>
+            <a:picLocks noChangeAspect="1"/>
+          </p:cNvPicPr>
+          <p:nvPr/>
+        </p:nvPicPr>
+        <p:blipFill>
+          <a:blip r:embed="rId3"/>
+          <a:stretch>
+            <a:fillRect/>
+          </a:stretch>
+        </p:blipFill>
+        <p:spPr>
+          <a:xfrm>
+            <a:off x="7882390" y="614702"/>
+            <a:ext cx="2990850" cy="695325"/>
+          </a:xfrm>
+          <a:prstGeom prst="rect">
+            <a:avLst/>
+          </a:prstGeom>
+        </p:spPr>
+      </p:pic>
+      <p:pic>
+        <p:nvPicPr>
+          <p:cNvPr id="7" name="Picture 6">
+            <a:extLst>
+              <a:ext uri="{FF2B5EF4-FFF2-40B4-BE49-F238E27FC236}">
+                <a16:creationId xmlns:a16="http://schemas.microsoft.com/office/drawing/2014/main" id="{C4F3A0DA-2067-4758-ADBA-A03E031E5EA8}"/>
+              </a:ext>
+            </a:extLst>
+          </p:cNvPr>
+          <p:cNvPicPr>
+            <a:picLocks noChangeAspect="1"/>
+          </p:cNvPicPr>
+          <p:nvPr/>
+        </p:nvPicPr>
+        <p:blipFill>
+          <a:blip r:embed="rId4"/>
+          <a:stretch>
+            <a:fillRect/>
+          </a:stretch>
+        </p:blipFill>
+        <p:spPr>
+          <a:xfrm>
+            <a:off x="7963352" y="1745909"/>
+            <a:ext cx="2828925" cy="885825"/>
+          </a:xfrm>
+          <a:prstGeom prst="rect">
+            <a:avLst/>
+          </a:prstGeom>
+        </p:spPr>
+      </p:pic>
+      <p:pic>
+        <p:nvPicPr>
+          <p:cNvPr id="10" name="Picture 9">
+            <a:extLst>
+              <a:ext uri="{FF2B5EF4-FFF2-40B4-BE49-F238E27FC236}">
+                <a16:creationId xmlns:a16="http://schemas.microsoft.com/office/drawing/2014/main" id="{DC43E449-3A1C-4CCA-B611-6EB39CE38438}"/>
+              </a:ext>
+            </a:extLst>
+          </p:cNvPr>
+          <p:cNvPicPr>
+            <a:picLocks noChangeAspect="1"/>
+          </p:cNvPicPr>
+          <p:nvPr/>
+        </p:nvPicPr>
+        <p:blipFill>
+          <a:blip r:embed="rId5"/>
+          <a:stretch>
+            <a:fillRect/>
+          </a:stretch>
+        </p:blipFill>
+        <p:spPr>
+          <a:xfrm>
+            <a:off x="198210" y="3251549"/>
+            <a:ext cx="11668125" cy="1085850"/>
+          </a:xfrm>
+          <a:prstGeom prst="rect">
+            <a:avLst/>
+          </a:prstGeom>
+        </p:spPr>
+      </p:pic>
+    </p:spTree>
+    <p:extLst>
+      <p:ext uri="{BB962C8B-B14F-4D97-AF65-F5344CB8AC3E}">
+        <p14:creationId xmlns:p14="http://schemas.microsoft.com/office/powerpoint/2010/main" val="2777013022"/>
+      </p:ext>
+    </p:extLst>
+  </p:cSld>
+  <p:clrMapOvr>
+    <a:masterClrMapping/>
+  </p:clrMapOvr>
+</p:sld>
+</file>
+
+<file path=ppt/slides/slide13.xml><?xml version="1.0" encoding="utf-8"?>
 <p:sld xmlns:a="http://schemas.openxmlformats.org/drawingml/2006/main" xmlns:r="http://schemas.openxmlformats.org/officeDocument/2006/relationships" xmlns:p="http://schemas.openxmlformats.org/presentationml/2006/main">
   <p:cSld>
     <p:spTree>
@@ -8434,206 +9938,7 @@
           <a:p>
             <a:r>
               <a:rPr lang="en-US" dirty="0"/>
-              <a:t>Scikit Learn</a:t>
-            </a:r>
-          </a:p>
-        </p:txBody>
-      </p:sp>
-      <p:pic>
-        <p:nvPicPr>
-          <p:cNvPr id="4" name="Picture 3"/>
-          <p:cNvPicPr>
-            <a:picLocks noChangeAspect="1"/>
-          </p:cNvPicPr>
-          <p:nvPr/>
-        </p:nvPicPr>
-        <p:blipFill>
-          <a:blip r:embed="rId2"/>
-          <a:stretch>
-            <a:fillRect/>
-          </a:stretch>
-        </p:blipFill>
-        <p:spPr>
-          <a:xfrm>
-            <a:off x="3717235" y="1237910"/>
-            <a:ext cx="8424931" cy="4945398"/>
-          </a:xfrm>
-          <a:prstGeom prst="rect">
-            <a:avLst/>
-          </a:prstGeom>
-        </p:spPr>
-      </p:pic>
-      <p:sp>
-        <p:nvSpPr>
-          <p:cNvPr id="3" name="Text Placeholder 2"/>
-          <p:cNvSpPr>
-            <a:spLocks noGrp="1"/>
-          </p:cNvSpPr>
-          <p:nvPr>
-            <p:ph type="body" sz="quarter" idx="10"/>
-          </p:nvPr>
-        </p:nvSpPr>
-        <p:spPr>
-          <a:xfrm>
-            <a:off x="324000" y="1484243"/>
-            <a:ext cx="3499252" cy="4452732"/>
-          </a:xfrm>
-        </p:spPr>
-        <p:txBody>
-          <a:bodyPr/>
-          <a:lstStyle/>
-          <a:p>
-            <a:pPr marL="342900" indent="-342900">
-              <a:buFont typeface="Arial" panose="020B0604020202020204" pitchFamily="34" charset="0"/>
-              <a:buChar char="•"/>
-            </a:pPr>
-            <a:r>
-              <a:rPr lang="en-US" dirty="0"/>
-              <a:t>Machine Learning Library</a:t>
-            </a:r>
-          </a:p>
-          <a:p>
-            <a:pPr marL="342900" indent="-342900">
-              <a:buFont typeface="Arial" panose="020B0604020202020204" pitchFamily="34" charset="0"/>
-              <a:buChar char="•"/>
-            </a:pPr>
-            <a:r>
-              <a:rPr lang="en-US" dirty="0"/>
-              <a:t>Steps for Building a Model</a:t>
-            </a:r>
-          </a:p>
-          <a:p>
-            <a:pPr marL="702900" lvl="3" indent="-342900">
-              <a:buFont typeface="Arial" panose="020B0604020202020204" pitchFamily="34" charset="0"/>
-              <a:buChar char="•"/>
-            </a:pPr>
-            <a:r>
-              <a:rPr lang="en-US" dirty="0" err="1"/>
-              <a:t>model.fit</a:t>
-            </a:r>
-            <a:r>
-              <a:rPr lang="en-US" dirty="0"/>
-              <a:t>(</a:t>
-            </a:r>
-            <a:r>
-              <a:rPr lang="en-US" dirty="0" err="1"/>
-              <a:t>x_train</a:t>
-            </a:r>
-            <a:r>
-              <a:rPr lang="en-US" dirty="0"/>
-              <a:t>, </a:t>
-            </a:r>
-            <a:r>
-              <a:rPr lang="en-US" dirty="0" err="1"/>
-              <a:t>y_train</a:t>
-            </a:r>
-            <a:r>
-              <a:rPr lang="en-US" dirty="0"/>
-              <a:t>)</a:t>
-            </a:r>
-          </a:p>
-          <a:p>
-            <a:pPr marL="702900" lvl="3" indent="-342900">
-              <a:buFont typeface="Arial" panose="020B0604020202020204" pitchFamily="34" charset="0"/>
-              <a:buChar char="•"/>
-            </a:pPr>
-            <a:r>
-              <a:rPr lang="en-US" dirty="0" err="1"/>
-              <a:t>model.predict</a:t>
-            </a:r>
-            <a:r>
-              <a:rPr lang="en-US" dirty="0"/>
-              <a:t>(</a:t>
-            </a:r>
-            <a:r>
-              <a:rPr lang="en-US" dirty="0" err="1"/>
-              <a:t>x_test</a:t>
-            </a:r>
-            <a:r>
-              <a:rPr lang="en-US" dirty="0"/>
-              <a:t>)</a:t>
-            </a:r>
-          </a:p>
-          <a:p>
-            <a:pPr marL="702900" lvl="3" indent="-342900">
-              <a:buFont typeface="Arial" panose="020B0604020202020204" pitchFamily="34" charset="0"/>
-              <a:buChar char="•"/>
-            </a:pPr>
-            <a:r>
-              <a:rPr lang="en-US" dirty="0" err="1"/>
-              <a:t>model.score</a:t>
-            </a:r>
-            <a:r>
-              <a:rPr lang="en-US" dirty="0"/>
-              <a:t>(</a:t>
-            </a:r>
-            <a:r>
-              <a:rPr lang="en-US" dirty="0" err="1"/>
-              <a:t>x_test</a:t>
-            </a:r>
-            <a:r>
-              <a:rPr lang="en-US" dirty="0"/>
-              <a:t>, </a:t>
-            </a:r>
-            <a:r>
-              <a:rPr lang="en-US" dirty="0" err="1"/>
-              <a:t>y_test</a:t>
-            </a:r>
-            <a:r>
-              <a:rPr lang="en-US" dirty="0"/>
-              <a:t>) </a:t>
-            </a:r>
-          </a:p>
-        </p:txBody>
-      </p:sp>
-    </p:spTree>
-    <p:extLst>
-      <p:ext uri="{BB962C8B-B14F-4D97-AF65-F5344CB8AC3E}">
-        <p14:creationId xmlns:p14="http://schemas.microsoft.com/office/powerpoint/2010/main" val="3583966149"/>
-      </p:ext>
-    </p:extLst>
-  </p:cSld>
-  <p:clrMapOvr>
-    <a:masterClrMapping/>
-  </p:clrMapOvr>
-</p:sld>
-</file>
-
-<file path=ppt/slides/slide12.xml><?xml version="1.0" encoding="utf-8"?>
-<p:sld xmlns:a="http://schemas.openxmlformats.org/drawingml/2006/main" xmlns:r="http://schemas.openxmlformats.org/officeDocument/2006/relationships" xmlns:p="http://schemas.openxmlformats.org/presentationml/2006/main">
-  <p:cSld>
-    <p:spTree>
-      <p:nvGrpSpPr>
-        <p:cNvPr id="1" name=""/>
-        <p:cNvGrpSpPr/>
-        <p:nvPr/>
-      </p:nvGrpSpPr>
-      <p:grpSpPr>
-        <a:xfrm>
-          <a:off x="0" y="0"/>
-          <a:ext cx="0" cy="0"/>
-          <a:chOff x="0" y="0"/>
-          <a:chExt cx="0" cy="0"/>
-        </a:xfrm>
-      </p:grpSpPr>
-      <p:sp>
-        <p:nvSpPr>
-          <p:cNvPr id="2" name="Title 1"/>
-          <p:cNvSpPr>
-            <a:spLocks noGrp="1"/>
-          </p:cNvSpPr>
-          <p:nvPr>
-            <p:ph type="title"/>
-          </p:nvPr>
-        </p:nvSpPr>
-        <p:spPr/>
-        <p:txBody>
-          <a:bodyPr/>
-          <a:lstStyle/>
-          <a:p>
-            <a:r>
-              <a:rPr lang="en-US" dirty="0"/>
-              <a:t>`sklearn` Demo + HandsOn</a:t>
+              <a:t>Decision Tree Demo + HandsOn</a:t>
             </a:r>
           </a:p>
         </p:txBody>
@@ -8663,70 +9968,11 @@
         </p:spPr>
       </p:pic>
     </p:spTree>
-    <p:extLst>
-      <p:ext uri="{BB962C8B-B14F-4D97-AF65-F5344CB8AC3E}">
-        <p14:creationId xmlns:p14="http://schemas.microsoft.com/office/powerpoint/2010/main" val="863199612"/>
-      </p:ext>
-    </p:extLst>
   </p:cSld>
   <p:clrMapOvr>
     <a:masterClrMapping/>
   </p:clrMapOvr>
   <p:transition spd="med"/>
-</p:sld>
-</file>
-
-<file path=ppt/slides/slide13.xml><?xml version="1.0" encoding="utf-8"?>
-<p:sld xmlns:a="http://schemas.openxmlformats.org/drawingml/2006/main" xmlns:r="http://schemas.openxmlformats.org/officeDocument/2006/relationships" xmlns:p="http://schemas.openxmlformats.org/presentationml/2006/main">
-  <p:cSld>
-    <p:spTree>
-      <p:nvGrpSpPr>
-        <p:cNvPr id="1" name=""/>
-        <p:cNvGrpSpPr/>
-        <p:nvPr/>
-      </p:nvGrpSpPr>
-      <p:grpSpPr>
-        <a:xfrm>
-          <a:off x="0" y="0"/>
-          <a:ext cx="0" cy="0"/>
-          <a:chOff x="0" y="0"/>
-          <a:chExt cx="0" cy="0"/>
-        </a:xfrm>
-      </p:grpSpPr>
-      <p:pic>
-        <p:nvPicPr>
-          <p:cNvPr id="4" name="Picture 3"/>
-          <p:cNvPicPr>
-            <a:picLocks noChangeAspect="1"/>
-          </p:cNvPicPr>
-          <p:nvPr/>
-        </p:nvPicPr>
-        <p:blipFill>
-          <a:blip r:embed="rId2"/>
-          <a:stretch>
-            <a:fillRect/>
-          </a:stretch>
-        </p:blipFill>
-        <p:spPr>
-          <a:xfrm>
-            <a:off x="2933630" y="1020382"/>
-            <a:ext cx="6043037" cy="4532278"/>
-          </a:xfrm>
-          <a:prstGeom prst="rect">
-            <a:avLst/>
-          </a:prstGeom>
-        </p:spPr>
-      </p:pic>
-    </p:spTree>
-    <p:extLst>
-      <p:ext uri="{BB962C8B-B14F-4D97-AF65-F5344CB8AC3E}">
-        <p14:creationId xmlns:p14="http://schemas.microsoft.com/office/powerpoint/2010/main" val="791178352"/>
-      </p:ext>
-    </p:extLst>
-  </p:cSld>
-  <p:clrMapOvr>
-    <a:masterClrMapping/>
-  </p:clrMapOvr>
 </p:sld>
 </file>
 
@@ -9071,7 +10317,6 @@
               <a:rPr lang="en-US" dirty="0"/>
               <a:t>Scikit-Learn</a:t>
             </a:r>
-            <a:endParaRPr lang="en-US" dirty="0"/>
           </a:p>
         </p:txBody>
       </p:sp>
@@ -10336,1464 +11581,6 @@
 </file>
 
 <file path=ppt/slides/slide5.xml><?xml version="1.0" encoding="utf-8"?>
-<p:sld xmlns:a="http://schemas.openxmlformats.org/drawingml/2006/main" xmlns:r="http://schemas.openxmlformats.org/officeDocument/2006/relationships" xmlns:p="http://schemas.openxmlformats.org/presentationml/2006/main">
-  <p:cSld>
-    <p:spTree>
-      <p:nvGrpSpPr>
-        <p:cNvPr id="1" name=""/>
-        <p:cNvGrpSpPr/>
-        <p:nvPr/>
-      </p:nvGrpSpPr>
-      <p:grpSpPr>
-        <a:xfrm>
-          <a:off x="0" y="0"/>
-          <a:ext cx="0" cy="0"/>
-          <a:chOff x="0" y="0"/>
-          <a:chExt cx="0" cy="0"/>
-        </a:xfrm>
-      </p:grpSpPr>
-      <p:sp>
-        <p:nvSpPr>
-          <p:cNvPr id="4" name="Title 3"/>
-          <p:cNvSpPr>
-            <a:spLocks noGrp="1"/>
-          </p:cNvSpPr>
-          <p:nvPr>
-            <p:ph type="title"/>
-          </p:nvPr>
-        </p:nvSpPr>
-        <p:spPr/>
-        <p:txBody>
-          <a:bodyPr/>
-          <a:lstStyle/>
-          <a:p>
-            <a:r>
-              <a:rPr lang="en-US" sz="3200" dirty="0">
-                <a:solidFill>
-                  <a:sysClr val="windowText" lastClr="000000"/>
-                </a:solidFill>
-              </a:rPr>
-              <a:t>Linear Regression using Regularization Parameter</a:t>
-            </a:r>
-          </a:p>
-        </p:txBody>
-      </p:sp>
-      <mc:AlternateContent xmlns:mc="http://schemas.openxmlformats.org/markup-compatibility/2006" xmlns:a14="http://schemas.microsoft.com/office/drawing/2010/main">
-        <mc:Choice Requires="a14">
-          <p:sp>
-            <p:nvSpPr>
-              <p:cNvPr id="5" name="Text Placeholder 4"/>
-              <p:cNvSpPr>
-                <a:spLocks noGrp="1"/>
-              </p:cNvSpPr>
-              <p:nvPr>
-                <p:ph type="body" sz="quarter" idx="10"/>
-              </p:nvPr>
-            </p:nvSpPr>
-            <p:spPr>
-              <a:xfrm>
-                <a:off x="324000" y="1461407"/>
-                <a:ext cx="11545200" cy="906236"/>
-              </a:xfrm>
-            </p:spPr>
-            <p:txBody>
-              <a:bodyPr/>
-              <a:lstStyle/>
-              <a:p>
-                <a:pPr fontAlgn="base">
-                  <a:spcBef>
-                    <a:spcPts val="600"/>
-                  </a:spcBef>
-                  <a:spcAft>
-                    <a:spcPct val="0"/>
-                  </a:spcAft>
-                  <a:buClr>
-                    <a:srgbClr val="F0AB00"/>
-                  </a:buClr>
-                </a:pPr>
-                <a:r>
-                  <a:rPr lang="en-US" sz="1800" kern="0" dirty="0">
-                    <a:ea typeface="Arial Unicode MS" pitchFamily="34" charset="-128"/>
-                    <a:cs typeface="Arial Unicode MS" pitchFamily="34" charset="-128"/>
-                  </a:rPr>
-                  <a:t>Modified Cost Function:</a:t>
-                </a:r>
-              </a:p>
-              <a:p>
-                <a:pPr marL="830138" lvl="1" indent="-285750" fontAlgn="base">
-                  <a:spcAft>
-                    <a:spcPct val="0"/>
-                  </a:spcAft>
-                  <a:buClr>
-                    <a:srgbClr val="F0AB00"/>
-                  </a:buClr>
-                  <a:buFont typeface="Arial" panose="020B0604020202020204" pitchFamily="34" charset="0"/>
-                  <a:buChar char="•"/>
-                </a:pPr>
-                <a:r>
-                  <a:rPr lang="en-US" sz="1800" b="1" i="1" kern="0" dirty="0">
-                    <a:latin typeface="Cambria Math" panose="02040503050406030204" pitchFamily="18" charset="0"/>
-                    <a:ea typeface="Arial Unicode MS" pitchFamily="34" charset="-128"/>
-                    <a:cs typeface="Arial Unicode MS" pitchFamily="34" charset="-128"/>
-                  </a:rPr>
-                  <a:t>J(</a:t>
-                </a:r>
-                <a14:m>
-                  <m:oMath xmlns:m="http://schemas.openxmlformats.org/officeDocument/2006/math">
-                    <m:r>
-                      <a:rPr lang="en-US" sz="1800" b="1" i="1" kern="0" dirty="0">
-                        <a:latin typeface="Cambria Math" panose="02040503050406030204" pitchFamily="18" charset="0"/>
-                        <a:ea typeface="Arial Unicode MS" pitchFamily="34" charset="-128"/>
-                        <a:cs typeface="Arial Unicode MS" pitchFamily="34" charset="-128"/>
-                      </a:rPr>
-                      <m:t>𝜃</m:t>
-                    </m:r>
-                    <m:r>
-                      <a:rPr lang="en-US" sz="1800" b="1" i="1" kern="0" baseline="-25000" dirty="0">
-                        <a:latin typeface="Cambria Math" panose="02040503050406030204" pitchFamily="18" charset="0"/>
-                        <a:ea typeface="Arial Unicode MS" pitchFamily="34" charset="-128"/>
-                        <a:cs typeface="Arial Unicode MS" pitchFamily="34" charset="-128"/>
-                      </a:rPr>
-                      <m:t>0</m:t>
-                    </m:r>
-                  </m:oMath>
-                </a14:m>
-                <a:r>
-                  <a:rPr lang="en-US" sz="1800" b="1" i="1" kern="0" dirty="0">
-                    <a:latin typeface="Cambria Math" panose="02040503050406030204" pitchFamily="18" charset="0"/>
-                    <a:ea typeface="Arial Unicode MS" pitchFamily="34" charset="-128"/>
-                    <a:cs typeface="Arial Unicode MS" pitchFamily="34" charset="-128"/>
-                  </a:rPr>
-                  <a:t>, </a:t>
-                </a:r>
-                <a14:m>
-                  <m:oMath xmlns:m="http://schemas.openxmlformats.org/officeDocument/2006/math">
-                    <m:r>
-                      <a:rPr lang="en-US" sz="1800" b="1" i="1" kern="0" dirty="0">
-                        <a:latin typeface="Cambria Math" panose="02040503050406030204" pitchFamily="18" charset="0"/>
-                        <a:ea typeface="Arial Unicode MS" pitchFamily="34" charset="-128"/>
-                        <a:cs typeface="Arial Unicode MS" pitchFamily="34" charset="-128"/>
-                      </a:rPr>
-                      <m:t>𝜃</m:t>
-                    </m:r>
-                    <m:r>
-                      <a:rPr lang="en-US" sz="1800" b="1" i="1" kern="0" baseline="-25000" dirty="0">
-                        <a:latin typeface="Cambria Math" panose="02040503050406030204" pitchFamily="18" charset="0"/>
-                        <a:ea typeface="Arial Unicode MS" pitchFamily="34" charset="-128"/>
-                        <a:cs typeface="Arial Unicode MS" pitchFamily="34" charset="-128"/>
-                      </a:rPr>
-                      <m:t>1</m:t>
-                    </m:r>
-                  </m:oMath>
-                </a14:m>
-                <a:r>
-                  <a:rPr lang="en-US" sz="1800" b="1" i="1" kern="0" dirty="0">
-                    <a:latin typeface="Cambria Math" panose="02040503050406030204" pitchFamily="18" charset="0"/>
-                    <a:ea typeface="Arial Unicode MS" pitchFamily="34" charset="-128"/>
-                    <a:cs typeface="Arial Unicode MS" pitchFamily="34" charset="-128"/>
-                  </a:rPr>
-                  <a:t>)  </a:t>
-                </a:r>
-                <a:r>
-                  <a:rPr lang="en-US" sz="1800" b="1" kern="0" dirty="0">
-                    <a:ea typeface="Arial Unicode MS" pitchFamily="34" charset="-128"/>
-                    <a:cs typeface="Arial Unicode MS" pitchFamily="34" charset="-128"/>
-                  </a:rPr>
-                  <a:t>= </a:t>
-                </a:r>
-                <a14:m>
-                  <m:oMath xmlns:m="http://schemas.openxmlformats.org/officeDocument/2006/math">
-                    <m:f>
-                      <m:fPr>
-                        <m:ctrlPr>
-                          <a:rPr lang="pt-BR" sz="1800" i="1" kern="0">
-                            <a:latin typeface="Cambria Math" panose="02040503050406030204" pitchFamily="18" charset="0"/>
-                            <a:ea typeface="Arial Unicode MS" pitchFamily="34" charset="-128"/>
-                            <a:cs typeface="Arial Unicode MS" pitchFamily="34" charset="-128"/>
-                          </a:rPr>
-                        </m:ctrlPr>
-                      </m:fPr>
-                      <m:num>
-                        <m:r>
-                          <a:rPr lang="en-US" sz="1800" b="0" i="1" kern="0">
-                            <a:latin typeface="Cambria Math" panose="02040503050406030204" pitchFamily="18" charset="0"/>
-                            <a:ea typeface="Arial Unicode MS" pitchFamily="34" charset="-128"/>
-                            <a:cs typeface="Arial Unicode MS" pitchFamily="34" charset="-128"/>
-                          </a:rPr>
-                          <m:t>1</m:t>
-                        </m:r>
-                      </m:num>
-                      <m:den>
-                        <m:r>
-                          <a:rPr lang="en-US" sz="1800" b="0" i="1" kern="0">
-                            <a:latin typeface="Cambria Math" panose="02040503050406030204" pitchFamily="18" charset="0"/>
-                            <a:ea typeface="Arial Unicode MS" pitchFamily="34" charset="-128"/>
-                            <a:cs typeface="Arial Unicode MS" pitchFamily="34" charset="-128"/>
-                          </a:rPr>
-                          <m:t>2</m:t>
-                        </m:r>
-                        <m:r>
-                          <a:rPr lang="en-US" sz="1800" b="0" i="1" kern="0">
-                            <a:latin typeface="Cambria Math" panose="02040503050406030204" pitchFamily="18" charset="0"/>
-                            <a:ea typeface="Arial Unicode MS" pitchFamily="34" charset="-128"/>
-                            <a:cs typeface="Arial Unicode MS" pitchFamily="34" charset="-128"/>
-                          </a:rPr>
-                          <m:t>𝑚</m:t>
-                        </m:r>
-                      </m:den>
-                    </m:f>
-                    <m:r>
-                      <a:rPr lang="en-US" sz="1800" b="0" i="1" kern="0">
-                        <a:latin typeface="Cambria Math" panose="02040503050406030204" pitchFamily="18" charset="0"/>
-                        <a:ea typeface="Arial Unicode MS" pitchFamily="34" charset="-128"/>
-                        <a:cs typeface="Arial Unicode MS" pitchFamily="34" charset="-128"/>
-                      </a:rPr>
-                      <m:t> </m:t>
-                    </m:r>
-                    <m:r>
-                      <a:rPr lang="en-US" sz="1800" b="0" i="1" kern="0" smtClean="0">
-                        <a:latin typeface="Cambria Math" panose="02040503050406030204" pitchFamily="18" charset="0"/>
-                        <a:ea typeface="Arial Unicode MS" pitchFamily="34" charset="-128"/>
-                        <a:cs typeface="Arial Unicode MS" pitchFamily="34" charset="-128"/>
-                      </a:rPr>
-                      <m:t>[</m:t>
-                    </m:r>
-                    <m:r>
-                      <a:rPr lang="en-US" sz="1800" b="0" i="1" kern="0">
-                        <a:latin typeface="Cambria Math" panose="02040503050406030204" pitchFamily="18" charset="0"/>
-                        <a:ea typeface="Arial Unicode MS" pitchFamily="34" charset="-128"/>
-                        <a:cs typeface="Arial Unicode MS" pitchFamily="34" charset="-128"/>
-                      </a:rPr>
-                      <m:t> </m:t>
-                    </m:r>
-                    <m:nary>
-                      <m:naryPr>
-                        <m:chr m:val="∑"/>
-                        <m:ctrlPr>
-                          <a:rPr lang="pt-BR" sz="1800" i="1" kern="0">
-                            <a:latin typeface="Cambria Math" panose="02040503050406030204" pitchFamily="18" charset="0"/>
-                            <a:ea typeface="Arial Unicode MS" pitchFamily="34" charset="-128"/>
-                            <a:cs typeface="Arial Unicode MS" pitchFamily="34" charset="-128"/>
-                          </a:rPr>
-                        </m:ctrlPr>
-                      </m:naryPr>
-                      <m:sub>
-                        <m:r>
-                          <a:rPr lang="en-US" sz="1800" b="0" i="1" kern="0">
-                            <a:latin typeface="Cambria Math" panose="02040503050406030204" pitchFamily="18" charset="0"/>
-                            <a:ea typeface="Arial Unicode MS" pitchFamily="34" charset="-128"/>
-                            <a:cs typeface="Arial Unicode MS" pitchFamily="34" charset="-128"/>
-                          </a:rPr>
-                          <m:t>𝑖</m:t>
-                        </m:r>
-                        <m:r>
-                          <a:rPr lang="pt-BR" sz="1800" b="0" i="1" kern="0">
-                            <a:latin typeface="Cambria Math" panose="02040503050406030204" pitchFamily="18" charset="0"/>
-                            <a:ea typeface="Arial Unicode MS" pitchFamily="34" charset="-128"/>
-                            <a:cs typeface="Arial Unicode MS" pitchFamily="34" charset="-128"/>
-                          </a:rPr>
-                          <m:t>=1</m:t>
-                        </m:r>
-                      </m:sub>
-                      <m:sup>
-                        <m:r>
-                          <a:rPr lang="en-US" sz="1800" b="0" i="1" kern="0">
-                            <a:latin typeface="Cambria Math" panose="02040503050406030204" pitchFamily="18" charset="0"/>
-                            <a:ea typeface="Arial Unicode MS" pitchFamily="34" charset="-128"/>
-                            <a:cs typeface="Arial Unicode MS" pitchFamily="34" charset="-128"/>
-                          </a:rPr>
-                          <m:t>𝑚</m:t>
-                        </m:r>
-                      </m:sup>
-                      <m:e>
-                        <m:d>
-                          <m:dPr>
-                            <m:ctrlPr>
-                              <a:rPr lang="pt-BR" sz="1800" i="1" kern="0">
-                                <a:latin typeface="Cambria Math" panose="02040503050406030204" pitchFamily="18" charset="0"/>
-                                <a:ea typeface="Arial Unicode MS" pitchFamily="34" charset="-128"/>
-                                <a:cs typeface="Arial Unicode MS" pitchFamily="34" charset="-128"/>
-                              </a:rPr>
-                            </m:ctrlPr>
-                          </m:dPr>
-                          <m:e>
-                            <m:r>
-                              <a:rPr lang="en-US" sz="1800" b="0" i="1" kern="0">
-                                <a:latin typeface="Cambria Math" panose="02040503050406030204" pitchFamily="18" charset="0"/>
-                                <a:ea typeface="Arial Unicode MS" pitchFamily="34" charset="-128"/>
-                                <a:cs typeface="Arial Unicode MS" pitchFamily="34" charset="-128"/>
-                              </a:rPr>
-                              <m:t> </m:t>
-                            </m:r>
-                            <m:r>
-                              <a:rPr lang="en-US" sz="1800" b="0" i="1" kern="0">
-                                <a:latin typeface="Cambria Math" panose="02040503050406030204" pitchFamily="18" charset="0"/>
-                                <a:ea typeface="Arial Unicode MS" pitchFamily="34" charset="-128"/>
-                                <a:cs typeface="Arial Unicode MS" pitchFamily="34" charset="-128"/>
-                              </a:rPr>
-                              <m:t>h</m:t>
-                            </m:r>
-                            <m:r>
-                              <a:rPr lang="en-US" sz="1800" b="0" i="1" kern="0" baseline="-25000" dirty="0">
-                                <a:latin typeface="Cambria Math" panose="02040503050406030204" pitchFamily="18" charset="0"/>
-                                <a:ea typeface="Arial Unicode MS" pitchFamily="34" charset="-128"/>
-                                <a:cs typeface="Arial Unicode MS" pitchFamily="34" charset="-128"/>
-                              </a:rPr>
-                              <m:t>𝜃</m:t>
-                            </m:r>
-                            <m:d>
-                              <m:dPr>
-                                <m:ctrlPr>
-                                  <a:rPr lang="en-US" sz="1800" i="1" kern="0">
-                                    <a:latin typeface="Cambria Math" panose="02040503050406030204" pitchFamily="18" charset="0"/>
-                                    <a:ea typeface="Arial Unicode MS" pitchFamily="34" charset="-128"/>
-                                    <a:cs typeface="Arial Unicode MS" pitchFamily="34" charset="-128"/>
-                                  </a:rPr>
-                                </m:ctrlPr>
-                              </m:dPr>
-                              <m:e>
-                                <m:r>
-                                  <a:rPr lang="en-US" sz="1800" b="0" i="1" kern="0">
-                                    <a:latin typeface="Cambria Math" panose="02040503050406030204" pitchFamily="18" charset="0"/>
-                                    <a:ea typeface="Arial Unicode MS" pitchFamily="34" charset="-128"/>
-                                    <a:cs typeface="Arial Unicode MS" pitchFamily="34" charset="-128"/>
-                                  </a:rPr>
-                                  <m:t>𝑥</m:t>
-                                </m:r>
-                                <m:d>
-                                  <m:dPr>
-                                    <m:ctrlPr>
-                                      <a:rPr lang="en-US" sz="1800" i="1" kern="0" baseline="30000">
-                                        <a:latin typeface="Cambria Math" panose="02040503050406030204" pitchFamily="18" charset="0"/>
-                                        <a:ea typeface="Arial Unicode MS" pitchFamily="34" charset="-128"/>
-                                        <a:cs typeface="Arial Unicode MS" pitchFamily="34" charset="-128"/>
-                                      </a:rPr>
-                                    </m:ctrlPr>
-                                  </m:dPr>
-                                  <m:e>
-                                    <m:r>
-                                      <a:rPr lang="en-US" sz="1800" b="0" i="1" kern="0" baseline="30000">
-                                        <a:latin typeface="Cambria Math" panose="02040503050406030204" pitchFamily="18" charset="0"/>
-                                        <a:ea typeface="Arial Unicode MS" pitchFamily="34" charset="-128"/>
-                                        <a:cs typeface="Arial Unicode MS" pitchFamily="34" charset="-128"/>
-                                      </a:rPr>
-                                      <m:t>𝑖</m:t>
-                                    </m:r>
-                                  </m:e>
-                                </m:d>
-                              </m:e>
-                            </m:d>
-                            <m:r>
-                              <a:rPr lang="en-US" sz="1800" b="0" i="1" kern="0">
-                                <a:latin typeface="Cambria Math" panose="02040503050406030204" pitchFamily="18" charset="0"/>
-                                <a:ea typeface="Arial Unicode MS" pitchFamily="34" charset="-128"/>
-                                <a:cs typeface="Arial Unicode MS" pitchFamily="34" charset="-128"/>
-                              </a:rPr>
-                              <m:t>−</m:t>
-                            </m:r>
-                            <m:r>
-                              <a:rPr lang="en-US" sz="1800" b="0" i="1" kern="0">
-                                <a:latin typeface="Cambria Math" panose="02040503050406030204" pitchFamily="18" charset="0"/>
-                                <a:ea typeface="Arial Unicode MS" pitchFamily="34" charset="-128"/>
-                                <a:cs typeface="Arial Unicode MS" pitchFamily="34" charset="-128"/>
-                              </a:rPr>
-                              <m:t>𝑦</m:t>
-                            </m:r>
-                            <m:d>
-                              <m:dPr>
-                                <m:ctrlPr>
-                                  <a:rPr lang="en-US" sz="1800" i="1" kern="0" baseline="30000">
-                                    <a:latin typeface="Cambria Math" panose="02040503050406030204" pitchFamily="18" charset="0"/>
-                                    <a:ea typeface="Arial Unicode MS" pitchFamily="34" charset="-128"/>
-                                    <a:cs typeface="Arial Unicode MS" pitchFamily="34" charset="-128"/>
-                                  </a:rPr>
-                                </m:ctrlPr>
-                              </m:dPr>
-                              <m:e>
-                                <m:r>
-                                  <a:rPr lang="en-US" sz="1800" b="0" i="1" kern="0" baseline="30000">
-                                    <a:latin typeface="Cambria Math" panose="02040503050406030204" pitchFamily="18" charset="0"/>
-                                    <a:ea typeface="Arial Unicode MS" pitchFamily="34" charset="-128"/>
-                                    <a:cs typeface="Arial Unicode MS" pitchFamily="34" charset="-128"/>
-                                  </a:rPr>
-                                  <m:t>𝑖</m:t>
-                                </m:r>
-                              </m:e>
-                            </m:d>
-                            <m:r>
-                              <a:rPr lang="en-US" sz="1800" b="0" i="1" kern="0" baseline="30000">
-                                <a:latin typeface="Cambria Math" panose="02040503050406030204" pitchFamily="18" charset="0"/>
-                                <a:ea typeface="Arial Unicode MS" pitchFamily="34" charset="-128"/>
-                                <a:cs typeface="Arial Unicode MS" pitchFamily="34" charset="-128"/>
-                              </a:rPr>
-                              <m:t> </m:t>
-                            </m:r>
-                          </m:e>
-                        </m:d>
-                        <m:r>
-                          <a:rPr lang="en-US" sz="1800" b="0" i="1" kern="0" baseline="30000">
-                            <a:latin typeface="Cambria Math" panose="02040503050406030204" pitchFamily="18" charset="0"/>
-                            <a:ea typeface="Arial Unicode MS" pitchFamily="34" charset="-128"/>
-                            <a:cs typeface="Arial Unicode MS" pitchFamily="34" charset="-128"/>
-                          </a:rPr>
-                          <m:t>2</m:t>
-                        </m:r>
-                        <m:r>
-                          <a:rPr lang="en-US" sz="1800" b="0" i="1" kern="0" baseline="30000" smtClean="0">
-                            <a:latin typeface="Cambria Math" panose="02040503050406030204" pitchFamily="18" charset="0"/>
-                            <a:ea typeface="Arial Unicode MS" pitchFamily="34" charset="-128"/>
-                            <a:cs typeface="Arial Unicode MS" pitchFamily="34" charset="-128"/>
-                          </a:rPr>
-                          <m:t> </m:t>
-                        </m:r>
-                      </m:e>
-                    </m:nary>
-                    <m:r>
-                      <a:rPr lang="en-US" sz="1800" b="0" i="0" kern="0" baseline="30000" smtClean="0">
-                        <a:latin typeface="Cambria Math" panose="02040503050406030204" pitchFamily="18" charset="0"/>
-                        <a:ea typeface="Arial Unicode MS" pitchFamily="34" charset="-128"/>
-                        <a:cs typeface="Arial Unicode MS" pitchFamily="34" charset="-128"/>
-                      </a:rPr>
-                      <m:t> </m:t>
-                    </m:r>
-                    <m:r>
-                      <a:rPr lang="en-US" sz="1800" b="0" i="0" kern="0" smtClean="0">
-                        <a:latin typeface="Cambria Math" panose="02040503050406030204" pitchFamily="18" charset="0"/>
-                        <a:ea typeface="Arial Unicode MS" pitchFamily="34" charset="-128"/>
-                        <a:cs typeface="Arial Unicode MS" pitchFamily="34" charset="-128"/>
-                      </a:rPr>
-                      <m:t>+</m:t>
-                    </m:r>
-                  </m:oMath>
-                </a14:m>
-                <a:r>
-                  <a:rPr lang="en-US" sz="1800" kern="0" dirty="0">
-                    <a:ea typeface="Arial Unicode MS" pitchFamily="34" charset="-128"/>
-                    <a:cs typeface="Arial Unicode MS" pitchFamily="34" charset="-128"/>
-                  </a:rPr>
-                  <a:t> </a:t>
-                </a:r>
-                <a14:m>
-                  <m:oMath xmlns:m="http://schemas.openxmlformats.org/officeDocument/2006/math">
-                    <m:r>
-                      <a:rPr lang="en-US" sz="1800" b="0" i="1" kern="0" dirty="0" smtClean="0">
-                        <a:latin typeface="Cambria Math" panose="02040503050406030204" pitchFamily="18" charset="0"/>
-                        <a:ea typeface="Cambria Math" panose="02040503050406030204" pitchFamily="18" charset="0"/>
-                        <a:cs typeface="Arial Unicode MS" pitchFamily="34" charset="-128"/>
-                      </a:rPr>
-                      <m:t>𝜆</m:t>
-                    </m:r>
-                    <m:r>
-                      <a:rPr lang="en-US" sz="1800" b="0" i="1" kern="0" dirty="0" smtClean="0">
-                        <a:latin typeface="Cambria Math" panose="02040503050406030204" pitchFamily="18" charset="0"/>
-                        <a:ea typeface="Cambria Math" panose="02040503050406030204" pitchFamily="18" charset="0"/>
-                        <a:cs typeface="Arial Unicode MS" pitchFamily="34" charset="-128"/>
-                      </a:rPr>
-                      <m:t> ∗</m:t>
-                    </m:r>
-                    <m:nary>
-                      <m:naryPr>
-                        <m:chr m:val="∑"/>
-                        <m:ctrlPr>
-                          <a:rPr lang="pt-BR" sz="1800" i="1" kern="0">
-                            <a:latin typeface="Cambria Math" panose="02040503050406030204" pitchFamily="18" charset="0"/>
-                            <a:ea typeface="Arial Unicode MS" pitchFamily="34" charset="-128"/>
-                            <a:cs typeface="Arial Unicode MS" pitchFamily="34" charset="-128"/>
-                          </a:rPr>
-                        </m:ctrlPr>
-                      </m:naryPr>
-                      <m:sub>
-                        <m:r>
-                          <a:rPr lang="en-US" sz="1800" b="0" i="1" kern="0" smtClean="0">
-                            <a:latin typeface="Cambria Math" panose="02040503050406030204" pitchFamily="18" charset="0"/>
-                            <a:ea typeface="Arial Unicode MS" pitchFamily="34" charset="-128"/>
-                            <a:cs typeface="Arial Unicode MS" pitchFamily="34" charset="-128"/>
-                          </a:rPr>
-                          <m:t>𝑗</m:t>
-                        </m:r>
-                        <m:r>
-                          <a:rPr lang="pt-BR" sz="1800" b="0" i="1" kern="0">
-                            <a:latin typeface="Cambria Math" panose="02040503050406030204" pitchFamily="18" charset="0"/>
-                            <a:ea typeface="Arial Unicode MS" pitchFamily="34" charset="-128"/>
-                            <a:cs typeface="Arial Unicode MS" pitchFamily="34" charset="-128"/>
-                          </a:rPr>
-                          <m:t>=1</m:t>
-                        </m:r>
-                      </m:sub>
-                      <m:sup>
-                        <m:r>
-                          <a:rPr lang="en-US" sz="1800" b="0" i="1" kern="0" smtClean="0">
-                            <a:latin typeface="Cambria Math" panose="02040503050406030204" pitchFamily="18" charset="0"/>
-                            <a:ea typeface="Arial Unicode MS" pitchFamily="34" charset="-128"/>
-                            <a:cs typeface="Arial Unicode MS" pitchFamily="34" charset="-128"/>
-                          </a:rPr>
-                          <m:t>𝑛</m:t>
-                        </m:r>
-                      </m:sup>
-                      <m:e>
-                        <m:r>
-                          <a:rPr lang="en-US" sz="1800" b="0" i="1" kern="0" baseline="30000">
-                            <a:latin typeface="Cambria Math" panose="02040503050406030204" pitchFamily="18" charset="0"/>
-                            <a:ea typeface="Arial Unicode MS" pitchFamily="34" charset="-128"/>
-                            <a:cs typeface="Arial Unicode MS" pitchFamily="34" charset="-128"/>
-                          </a:rPr>
-                          <m:t> </m:t>
-                        </m:r>
-                      </m:e>
-                    </m:nary>
-                    <m:r>
-                      <a:rPr lang="en-US" sz="1800" i="1" kern="0" dirty="0">
-                        <a:latin typeface="Cambria Math" panose="02040503050406030204" pitchFamily="18" charset="0"/>
-                        <a:ea typeface="Arial Unicode MS" pitchFamily="34" charset="-128"/>
-                        <a:cs typeface="Arial Unicode MS" pitchFamily="34" charset="-128"/>
-                      </a:rPr>
-                      <m:t>𝜃</m:t>
-                    </m:r>
-                    <m:r>
-                      <a:rPr lang="en-US" sz="1800" b="0" i="1" kern="0" baseline="-25000" dirty="0" smtClean="0">
-                        <a:latin typeface="Cambria Math" panose="02040503050406030204" pitchFamily="18" charset="0"/>
-                        <a:ea typeface="Arial Unicode MS" pitchFamily="34" charset="-128"/>
-                        <a:cs typeface="Arial Unicode MS" pitchFamily="34" charset="-128"/>
-                      </a:rPr>
-                      <m:t>𝑗</m:t>
-                    </m:r>
-                    <m:r>
-                      <a:rPr lang="en-US" sz="1800" i="1" kern="0" baseline="30000">
-                        <a:latin typeface="Cambria Math" panose="02040503050406030204" pitchFamily="18" charset="0"/>
-                        <a:ea typeface="Arial Unicode MS" pitchFamily="34" charset="-128"/>
-                        <a:cs typeface="Arial Unicode MS" pitchFamily="34" charset="-128"/>
-                      </a:rPr>
-                      <m:t>2</m:t>
-                    </m:r>
-                    <m:r>
-                      <a:rPr lang="en-US" sz="1800" b="0" i="1" kern="0" baseline="30000" smtClean="0">
-                        <a:latin typeface="Cambria Math" panose="02040503050406030204" pitchFamily="18" charset="0"/>
-                        <a:ea typeface="Arial Unicode MS" pitchFamily="34" charset="-128"/>
-                        <a:cs typeface="Arial Unicode MS" pitchFamily="34" charset="-128"/>
-                      </a:rPr>
-                      <m:t> </m:t>
-                    </m:r>
-                  </m:oMath>
-                </a14:m>
-                <a:r>
-                  <a:rPr lang="en-US" sz="1800" kern="0" dirty="0">
-                    <a:ea typeface="Arial Unicode MS" pitchFamily="34" charset="-128"/>
-                    <a:cs typeface="Arial Unicode MS" pitchFamily="34" charset="-128"/>
-                  </a:rPr>
-                  <a:t>]</a:t>
-                </a:r>
-              </a:p>
-            </p:txBody>
-          </p:sp>
-        </mc:Choice>
-        <mc:Fallback xmlns="">
-          <p:sp>
-            <p:nvSpPr>
-              <p:cNvPr id="5" name="Text Placeholder 4"/>
-              <p:cNvSpPr>
-                <a:spLocks noGrp="1" noRot="1" noChangeAspect="1" noMove="1" noResize="1" noEditPoints="1" noAdjustHandles="1" noChangeArrowheads="1" noChangeShapeType="1" noTextEdit="1"/>
-              </p:cNvSpPr>
-              <p:nvPr>
-                <p:ph type="body" sz="quarter" idx="10"/>
-              </p:nvPr>
-            </p:nvSpPr>
-            <p:spPr>
-              <a:xfrm>
-                <a:off x="324000" y="1461407"/>
-                <a:ext cx="11545200" cy="906236"/>
-              </a:xfrm>
-              <a:blipFill>
-                <a:blip r:embed="rId3"/>
-                <a:stretch>
-                  <a:fillRect l="-1214" t="-9459" b="-56757"/>
-                </a:stretch>
-              </a:blipFill>
-            </p:spPr>
-            <p:txBody>
-              <a:bodyPr/>
-              <a:lstStyle/>
-              <a:p>
-                <a:r>
-                  <a:rPr lang="en-US">
-                    <a:noFill/>
-                  </a:rPr>
-                  <a:t> </a:t>
-                </a:r>
-              </a:p>
-            </p:txBody>
-          </p:sp>
-        </mc:Fallback>
-      </mc:AlternateContent>
-      <mc:AlternateContent xmlns:mc="http://schemas.openxmlformats.org/markup-compatibility/2006" xmlns:a14="http://schemas.microsoft.com/office/drawing/2010/main">
-        <mc:Choice Requires="a14">
-          <p:sp>
-            <p:nvSpPr>
-              <p:cNvPr id="7" name="TextBox 6"/>
-              <p:cNvSpPr txBox="1"/>
-              <p:nvPr/>
-            </p:nvSpPr>
-            <p:spPr>
-              <a:xfrm>
-                <a:off x="324000" y="2463050"/>
-                <a:ext cx="10742543" cy="2585451"/>
-              </a:xfrm>
-              <a:prstGeom prst="rect">
-                <a:avLst/>
-              </a:prstGeom>
-              <a:noFill/>
-            </p:spPr>
-            <p:txBody>
-              <a:bodyPr wrap="square" lIns="0" tIns="0" rIns="0" bIns="0" rtlCol="0">
-                <a:spAutoFit/>
-              </a:bodyPr>
-              <a:lstStyle/>
-              <a:p>
-                <a:pPr fontAlgn="base">
-                  <a:spcBef>
-                    <a:spcPts val="600"/>
-                  </a:spcBef>
-                  <a:spcAft>
-                    <a:spcPct val="0"/>
-                  </a:spcAft>
-                  <a:buClr>
-                    <a:srgbClr val="F0AB00"/>
-                  </a:buClr>
-                  <a:buSzPct val="80000"/>
-                </a:pPr>
-                <a:r>
-                  <a:rPr lang="en-US" sz="1800" b="1" kern="0" dirty="0">
-                    <a:ea typeface="Arial Unicode MS" pitchFamily="34" charset="-128"/>
-                    <a:cs typeface="Arial Unicode MS" pitchFamily="34" charset="-128"/>
-                  </a:rPr>
-                  <a:t>Modified Gradient Descent:</a:t>
-                </a:r>
-              </a:p>
-              <a:p>
-                <a:pPr marL="830138" lvl="1" indent="-285750" fontAlgn="base">
-                  <a:spcBef>
-                    <a:spcPts val="600"/>
-                  </a:spcBef>
-                  <a:spcAft>
-                    <a:spcPct val="0"/>
-                  </a:spcAft>
-                  <a:buClr>
-                    <a:srgbClr val="F0AB00"/>
-                  </a:buClr>
-                  <a:buSzPct val="80000"/>
-                  <a:buFont typeface="Arial" panose="020B0604020202020204" pitchFamily="34" charset="0"/>
-                  <a:buChar char="•"/>
-                </a:pPr>
-                <a:r>
-                  <a:rPr lang="en-US" sz="1800" kern="0" dirty="0">
-                    <a:ea typeface="Arial Unicode MS" pitchFamily="34" charset="-128"/>
-                    <a:cs typeface="Arial Unicode MS" pitchFamily="34" charset="-128"/>
-                  </a:rPr>
-                  <a:t>Choose any arbitrary point and perform</a:t>
-                </a:r>
-              </a:p>
-              <a:p>
-                <a:pPr marL="830138" lvl="1" indent="-285750" fontAlgn="base">
-                  <a:spcBef>
-                    <a:spcPts val="600"/>
-                  </a:spcBef>
-                  <a:spcAft>
-                    <a:spcPct val="0"/>
-                  </a:spcAft>
-                  <a:buClr>
-                    <a:srgbClr val="F0AB00"/>
-                  </a:buClr>
-                  <a:buSzPct val="80000"/>
-                  <a:buFont typeface="Arial" panose="020B0604020202020204" pitchFamily="34" charset="0"/>
-                  <a:buChar char="•"/>
-                </a:pPr>
-                <a:r>
-                  <a:rPr lang="en-US" sz="1800" kern="0" dirty="0">
-                    <a:ea typeface="Arial Unicode MS" pitchFamily="34" charset="-128"/>
-                    <a:cs typeface="Arial Unicode MS" pitchFamily="34" charset="-128"/>
-                  </a:rPr>
-                  <a:t>Repeat until convergence {</a:t>
-                </a:r>
-              </a:p>
-              <a:p>
-                <a:pPr lvl="4" fontAlgn="base">
-                  <a:spcBef>
-                    <a:spcPts val="600"/>
-                  </a:spcBef>
-                  <a:spcAft>
-                    <a:spcPct val="0"/>
-                  </a:spcAft>
-                  <a:buClr>
-                    <a:srgbClr val="F0AB00"/>
-                  </a:buClr>
-                  <a:buNone/>
-                </a:pPr>
-                <a:r>
-                  <a:rPr lang="en-US" sz="900" kern="0" dirty="0">
-                    <a:ea typeface="Arial Unicode MS" pitchFamily="34" charset="-128"/>
-                    <a:cs typeface="Arial Unicode MS" pitchFamily="34" charset="-128"/>
-                  </a:rPr>
-                  <a:t> </a:t>
-                </a:r>
-                <a14:m>
-                  <m:oMath xmlns:m="http://schemas.openxmlformats.org/officeDocument/2006/math">
-                    <m:r>
-                      <a:rPr lang="en-US" sz="1800" b="0" i="1" kern="0" dirty="0">
-                        <a:latin typeface="Cambria Math" panose="02040503050406030204" pitchFamily="18" charset="0"/>
-                        <a:ea typeface="Arial Unicode MS" pitchFamily="34" charset="-128"/>
-                        <a:cs typeface="Arial Unicode MS" pitchFamily="34" charset="-128"/>
-                      </a:rPr>
-                      <m:t>𝜃</m:t>
-                    </m:r>
-                    <m:r>
-                      <a:rPr lang="en-US" sz="1800" b="0" i="1" kern="0" baseline="-25000" dirty="0" smtClean="0">
-                        <a:latin typeface="Cambria Math" panose="02040503050406030204" pitchFamily="18" charset="0"/>
-                        <a:ea typeface="Arial Unicode MS" pitchFamily="34" charset="-128"/>
-                        <a:cs typeface="Arial Unicode MS" pitchFamily="34" charset="-128"/>
-                      </a:rPr>
-                      <m:t>0</m:t>
-                    </m:r>
-                    <m:r>
-                      <a:rPr lang="en-US" sz="1800" b="0" i="1" kern="0" dirty="0">
-                        <a:latin typeface="Cambria Math" panose="02040503050406030204" pitchFamily="18" charset="0"/>
-                        <a:ea typeface="Arial Unicode MS" pitchFamily="34" charset="-128"/>
-                        <a:cs typeface="Arial Unicode MS" pitchFamily="34" charset="-128"/>
-                      </a:rPr>
-                      <m:t> =</m:t>
-                    </m:r>
-                    <m:r>
-                      <a:rPr lang="en-US" sz="1800" b="0" i="1" kern="0" dirty="0">
-                        <a:latin typeface="Cambria Math" panose="02040503050406030204" pitchFamily="18" charset="0"/>
-                        <a:ea typeface="Arial Unicode MS" pitchFamily="34" charset="-128"/>
-                        <a:cs typeface="Arial Unicode MS" pitchFamily="34" charset="-128"/>
-                      </a:rPr>
-                      <m:t>𝜃</m:t>
-                    </m:r>
-                    <m:r>
-                      <a:rPr lang="en-US" sz="1800" b="0" i="1" kern="0" baseline="-25000" dirty="0" smtClean="0">
-                        <a:latin typeface="Cambria Math" panose="02040503050406030204" pitchFamily="18" charset="0"/>
-                        <a:ea typeface="Arial Unicode MS" pitchFamily="34" charset="-128"/>
-                        <a:cs typeface="Arial Unicode MS" pitchFamily="34" charset="-128"/>
-                      </a:rPr>
-                      <m:t>0</m:t>
-                    </m:r>
-                    <m:r>
-                      <a:rPr lang="en-US" sz="1800" b="0" i="1" kern="0" dirty="0">
-                        <a:latin typeface="Cambria Math" panose="02040503050406030204" pitchFamily="18" charset="0"/>
-                        <a:ea typeface="Arial Unicode MS" pitchFamily="34" charset="-128"/>
-                        <a:cs typeface="Arial Unicode MS" pitchFamily="34" charset="-128"/>
-                      </a:rPr>
-                      <m:t>−</m:t>
-                    </m:r>
-                    <m:f>
-                      <m:fPr>
-                        <m:ctrlPr>
-                          <a:rPr lang="en-US" sz="1800" i="1" kern="0" dirty="0">
-                            <a:latin typeface="Cambria Math" panose="02040503050406030204" pitchFamily="18" charset="0"/>
-                            <a:ea typeface="Cambria Math" panose="02040503050406030204" pitchFamily="18" charset="0"/>
-                            <a:cs typeface="Arial Unicode MS" pitchFamily="34" charset="-128"/>
-                          </a:rPr>
-                        </m:ctrlPr>
-                      </m:fPr>
-                      <m:num>
-                        <m:r>
-                          <a:rPr lang="el-GR" sz="1800" b="0" i="1" kern="0" dirty="0">
-                            <a:latin typeface="Cambria Math" panose="02040503050406030204" pitchFamily="18" charset="0"/>
-                            <a:ea typeface="Arial Unicode MS" pitchFamily="34" charset="-128"/>
-                            <a:cs typeface="Arial Unicode MS" pitchFamily="34" charset="-128"/>
-                          </a:rPr>
-                          <m:t>𝛼</m:t>
-                        </m:r>
-                      </m:num>
-                      <m:den>
-                        <m:r>
-                          <a:rPr lang="en-US" sz="1800" b="0" i="1" kern="0" dirty="0" smtClean="0">
-                            <a:latin typeface="Cambria Math" panose="02040503050406030204" pitchFamily="18" charset="0"/>
-                            <a:ea typeface="Cambria Math" panose="02040503050406030204" pitchFamily="18" charset="0"/>
-                            <a:cs typeface="Arial Unicode MS" pitchFamily="34" charset="-128"/>
-                          </a:rPr>
-                          <m:t>𝑚</m:t>
-                        </m:r>
-                      </m:den>
-                    </m:f>
-                    <m:r>
-                      <a:rPr lang="en-US" sz="1800" b="0" i="1" kern="0" dirty="0" smtClean="0">
-                        <a:latin typeface="Cambria Math" panose="02040503050406030204" pitchFamily="18" charset="0"/>
-                        <a:ea typeface="Arial Unicode MS" pitchFamily="34" charset="-128"/>
-                        <a:cs typeface="Arial Unicode MS" pitchFamily="34" charset="-128"/>
-                      </a:rPr>
-                      <m:t>∗</m:t>
-                    </m:r>
-                    <m:nary>
-                      <m:naryPr>
-                        <m:chr m:val="∑"/>
-                        <m:ctrlPr>
-                          <a:rPr lang="pt-BR" sz="1800" i="1" kern="0">
-                            <a:latin typeface="Cambria Math" panose="02040503050406030204" pitchFamily="18" charset="0"/>
-                            <a:ea typeface="Arial Unicode MS" pitchFamily="34" charset="-128"/>
-                            <a:cs typeface="Arial Unicode MS" pitchFamily="34" charset="-128"/>
-                          </a:rPr>
-                        </m:ctrlPr>
-                      </m:naryPr>
-                      <m:sub>
-                        <m:r>
-                          <a:rPr lang="en-US" sz="1800" b="0" i="1" kern="0">
-                            <a:latin typeface="Cambria Math" panose="02040503050406030204" pitchFamily="18" charset="0"/>
-                            <a:ea typeface="Arial Unicode MS" pitchFamily="34" charset="-128"/>
-                            <a:cs typeface="Arial Unicode MS" pitchFamily="34" charset="-128"/>
-                          </a:rPr>
-                          <m:t>𝑖</m:t>
-                        </m:r>
-                        <m:r>
-                          <a:rPr lang="pt-BR" sz="1800" b="0" i="1" kern="0">
-                            <a:latin typeface="Cambria Math" panose="02040503050406030204" pitchFamily="18" charset="0"/>
-                            <a:ea typeface="Arial Unicode MS" pitchFamily="34" charset="-128"/>
-                            <a:cs typeface="Arial Unicode MS" pitchFamily="34" charset="-128"/>
-                          </a:rPr>
-                          <m:t>=1</m:t>
-                        </m:r>
-                      </m:sub>
-                      <m:sup>
-                        <m:r>
-                          <a:rPr lang="en-US" sz="1800" b="0" i="1" kern="0">
-                            <a:latin typeface="Cambria Math" panose="02040503050406030204" pitchFamily="18" charset="0"/>
-                            <a:ea typeface="Arial Unicode MS" pitchFamily="34" charset="-128"/>
-                            <a:cs typeface="Arial Unicode MS" pitchFamily="34" charset="-128"/>
-                          </a:rPr>
-                          <m:t>𝑚</m:t>
-                        </m:r>
-                      </m:sup>
-                      <m:e>
-                        <m:d>
-                          <m:dPr>
-                            <m:ctrlPr>
-                              <a:rPr lang="pt-BR" sz="1800" i="1" kern="0">
-                                <a:latin typeface="Cambria Math" panose="02040503050406030204" pitchFamily="18" charset="0"/>
-                                <a:ea typeface="Arial Unicode MS" pitchFamily="34" charset="-128"/>
-                                <a:cs typeface="Arial Unicode MS" pitchFamily="34" charset="-128"/>
-                              </a:rPr>
-                            </m:ctrlPr>
-                          </m:dPr>
-                          <m:e>
-                            <m:r>
-                              <a:rPr lang="en-US" sz="1800" b="0" i="1" kern="0">
-                                <a:latin typeface="Cambria Math" panose="02040503050406030204" pitchFamily="18" charset="0"/>
-                                <a:ea typeface="Arial Unicode MS" pitchFamily="34" charset="-128"/>
-                                <a:cs typeface="Arial Unicode MS" pitchFamily="34" charset="-128"/>
-                              </a:rPr>
-                              <m:t> </m:t>
-                            </m:r>
-                            <m:r>
-                              <a:rPr lang="en-US" sz="1800" b="0" i="1" kern="0">
-                                <a:latin typeface="Cambria Math" panose="02040503050406030204" pitchFamily="18" charset="0"/>
-                                <a:ea typeface="Arial Unicode MS" pitchFamily="34" charset="-128"/>
-                                <a:cs typeface="Arial Unicode MS" pitchFamily="34" charset="-128"/>
-                              </a:rPr>
-                              <m:t>h</m:t>
-                            </m:r>
-                            <m:r>
-                              <a:rPr lang="en-US" sz="1800" b="0" i="1" kern="0" baseline="-25000" dirty="0">
-                                <a:latin typeface="Cambria Math" panose="02040503050406030204" pitchFamily="18" charset="0"/>
-                                <a:ea typeface="Arial Unicode MS" pitchFamily="34" charset="-128"/>
-                                <a:cs typeface="Arial Unicode MS" pitchFamily="34" charset="-128"/>
-                              </a:rPr>
-                              <m:t>𝜃</m:t>
-                            </m:r>
-                            <m:d>
-                              <m:dPr>
-                                <m:ctrlPr>
-                                  <a:rPr lang="en-US" sz="1800" i="1" kern="0">
-                                    <a:latin typeface="Cambria Math" panose="02040503050406030204" pitchFamily="18" charset="0"/>
-                                    <a:ea typeface="Arial Unicode MS" pitchFamily="34" charset="-128"/>
-                                    <a:cs typeface="Arial Unicode MS" pitchFamily="34" charset="-128"/>
-                                  </a:rPr>
-                                </m:ctrlPr>
-                              </m:dPr>
-                              <m:e>
-                                <m:r>
-                                  <a:rPr lang="en-US" sz="1800" b="0" i="1" kern="0">
-                                    <a:latin typeface="Cambria Math" panose="02040503050406030204" pitchFamily="18" charset="0"/>
-                                    <a:ea typeface="Arial Unicode MS" pitchFamily="34" charset="-128"/>
-                                    <a:cs typeface="Arial Unicode MS" pitchFamily="34" charset="-128"/>
-                                  </a:rPr>
-                                  <m:t>𝑥</m:t>
-                                </m:r>
-                                <m:d>
-                                  <m:dPr>
-                                    <m:ctrlPr>
-                                      <a:rPr lang="en-US" sz="1800" i="1" kern="0" baseline="30000">
-                                        <a:latin typeface="Cambria Math" panose="02040503050406030204" pitchFamily="18" charset="0"/>
-                                        <a:ea typeface="Arial Unicode MS" pitchFamily="34" charset="-128"/>
-                                        <a:cs typeface="Arial Unicode MS" pitchFamily="34" charset="-128"/>
-                                      </a:rPr>
-                                    </m:ctrlPr>
-                                  </m:dPr>
-                                  <m:e>
-                                    <m:r>
-                                      <a:rPr lang="en-US" sz="1800" b="0" i="1" kern="0" baseline="30000">
-                                        <a:latin typeface="Cambria Math" panose="02040503050406030204" pitchFamily="18" charset="0"/>
-                                        <a:ea typeface="Arial Unicode MS" pitchFamily="34" charset="-128"/>
-                                        <a:cs typeface="Arial Unicode MS" pitchFamily="34" charset="-128"/>
-                                      </a:rPr>
-                                      <m:t>𝑖</m:t>
-                                    </m:r>
-                                  </m:e>
-                                </m:d>
-                              </m:e>
-                            </m:d>
-                            <m:r>
-                              <a:rPr lang="en-US" sz="1800" b="0" i="1" kern="0">
-                                <a:latin typeface="Cambria Math" panose="02040503050406030204" pitchFamily="18" charset="0"/>
-                                <a:ea typeface="Arial Unicode MS" pitchFamily="34" charset="-128"/>
-                                <a:cs typeface="Arial Unicode MS" pitchFamily="34" charset="-128"/>
-                              </a:rPr>
-                              <m:t>−</m:t>
-                            </m:r>
-                            <m:r>
-                              <a:rPr lang="en-US" sz="1800" b="0" i="1" kern="0">
-                                <a:latin typeface="Cambria Math" panose="02040503050406030204" pitchFamily="18" charset="0"/>
-                                <a:ea typeface="Arial Unicode MS" pitchFamily="34" charset="-128"/>
-                                <a:cs typeface="Arial Unicode MS" pitchFamily="34" charset="-128"/>
-                              </a:rPr>
-                              <m:t>𝑦</m:t>
-                            </m:r>
-                            <m:d>
-                              <m:dPr>
-                                <m:ctrlPr>
-                                  <a:rPr lang="en-US" sz="1800" i="1" kern="0" baseline="30000">
-                                    <a:latin typeface="Cambria Math" panose="02040503050406030204" pitchFamily="18" charset="0"/>
-                                    <a:ea typeface="Arial Unicode MS" pitchFamily="34" charset="-128"/>
-                                    <a:cs typeface="Arial Unicode MS" pitchFamily="34" charset="-128"/>
-                                  </a:rPr>
-                                </m:ctrlPr>
-                              </m:dPr>
-                              <m:e>
-                                <m:r>
-                                  <a:rPr lang="en-US" sz="1800" b="0" i="1" kern="0" baseline="30000">
-                                    <a:latin typeface="Cambria Math" panose="02040503050406030204" pitchFamily="18" charset="0"/>
-                                    <a:ea typeface="Arial Unicode MS" pitchFamily="34" charset="-128"/>
-                                    <a:cs typeface="Arial Unicode MS" pitchFamily="34" charset="-128"/>
-                                  </a:rPr>
-                                  <m:t>𝑖</m:t>
-                                </m:r>
-                              </m:e>
-                            </m:d>
-                            <m:r>
-                              <a:rPr lang="en-US" sz="1800" b="0" i="1" kern="0" baseline="30000">
-                                <a:latin typeface="Cambria Math" panose="02040503050406030204" pitchFamily="18" charset="0"/>
-                                <a:ea typeface="Arial Unicode MS" pitchFamily="34" charset="-128"/>
-                                <a:cs typeface="Arial Unicode MS" pitchFamily="34" charset="-128"/>
-                              </a:rPr>
-                              <m:t> </m:t>
-                            </m:r>
-                          </m:e>
-                        </m:d>
-                        <m:r>
-                          <a:rPr lang="en-US" sz="1800" b="0" i="1" kern="0" baseline="30000">
-                            <a:latin typeface="Cambria Math" panose="02040503050406030204" pitchFamily="18" charset="0"/>
-                            <a:ea typeface="Arial Unicode MS" pitchFamily="34" charset="-128"/>
-                            <a:cs typeface="Arial Unicode MS" pitchFamily="34" charset="-128"/>
-                          </a:rPr>
-                          <m:t> </m:t>
-                        </m:r>
-                      </m:e>
-                    </m:nary>
-                  </m:oMath>
-                </a14:m>
-                <a:endParaRPr lang="en-US" sz="1800" i="1" kern="0" dirty="0">
-                  <a:latin typeface="Cambria Math" panose="02040503050406030204" pitchFamily="18" charset="0"/>
-                  <a:ea typeface="Arial Unicode MS" pitchFamily="34" charset="-128"/>
-                  <a:cs typeface="Arial Unicode MS" pitchFamily="34" charset="-128"/>
-                </a:endParaRPr>
-              </a:p>
-              <a:p>
-                <a:pPr lvl="1" fontAlgn="base">
-                  <a:spcBef>
-                    <a:spcPts val="600"/>
-                  </a:spcBef>
-                  <a:spcAft>
-                    <a:spcPct val="0"/>
-                  </a:spcAft>
-                  <a:buClr>
-                    <a:srgbClr val="F0AB00"/>
-                  </a:buClr>
-                  <a:buSzPct val="80000"/>
-                  <a:buNone/>
-                </a:pPr>
-                <a:r>
-                  <a:rPr lang="en-US" sz="1800" kern="0" dirty="0">
-                    <a:ea typeface="Arial Unicode MS" pitchFamily="34" charset="-128"/>
-                    <a:cs typeface="Arial Unicode MS" pitchFamily="34" charset="-128"/>
-                  </a:rPr>
-                  <a:t>		 </a:t>
-                </a:r>
-                <a14:m>
-                  <m:oMath xmlns:m="http://schemas.openxmlformats.org/officeDocument/2006/math">
-                    <m:r>
-                      <a:rPr lang="en-US" sz="1800" b="0" i="1" kern="0" dirty="0">
-                        <a:latin typeface="Cambria Math" panose="02040503050406030204" pitchFamily="18" charset="0"/>
-                        <a:ea typeface="Arial Unicode MS" pitchFamily="34" charset="-128"/>
-                        <a:cs typeface="Arial Unicode MS" pitchFamily="34" charset="-128"/>
-                      </a:rPr>
-                      <m:t>𝜃</m:t>
-                    </m:r>
-                    <m:r>
-                      <a:rPr lang="en-US" sz="1800" b="0" i="1" kern="0" baseline="-25000" dirty="0">
-                        <a:latin typeface="Cambria Math" panose="02040503050406030204" pitchFamily="18" charset="0"/>
-                        <a:ea typeface="Arial Unicode MS" pitchFamily="34" charset="-128"/>
-                        <a:cs typeface="Arial Unicode MS" pitchFamily="34" charset="-128"/>
-                      </a:rPr>
-                      <m:t>𝑗</m:t>
-                    </m:r>
-                    <m:r>
-                      <a:rPr lang="en-US" sz="1800" b="0" i="1" kern="0" baseline="-25000" dirty="0">
-                        <a:latin typeface="Cambria Math" panose="02040503050406030204" pitchFamily="18" charset="0"/>
-                        <a:ea typeface="Arial Unicode MS" pitchFamily="34" charset="-128"/>
-                        <a:cs typeface="Arial Unicode MS" pitchFamily="34" charset="-128"/>
-                      </a:rPr>
-                      <m:t> =</m:t>
-                    </m:r>
-                    <m:r>
-                      <a:rPr lang="en-US" sz="1800" b="0" i="1" kern="0" dirty="0">
-                        <a:latin typeface="Cambria Math" panose="02040503050406030204" pitchFamily="18" charset="0"/>
-                        <a:ea typeface="Arial Unicode MS" pitchFamily="34" charset="-128"/>
-                        <a:cs typeface="Arial Unicode MS" pitchFamily="34" charset="-128"/>
-                      </a:rPr>
-                      <m:t>𝜃</m:t>
-                    </m:r>
-                    <m:r>
-                      <a:rPr lang="en-US" sz="1800" b="0" i="1" kern="0" baseline="-25000" dirty="0">
-                        <a:latin typeface="Cambria Math" panose="02040503050406030204" pitchFamily="18" charset="0"/>
-                        <a:ea typeface="Arial Unicode MS" pitchFamily="34" charset="-128"/>
-                        <a:cs typeface="Arial Unicode MS" pitchFamily="34" charset="-128"/>
-                      </a:rPr>
-                      <m:t>𝑗</m:t>
-                    </m:r>
-                    <m:r>
-                      <a:rPr lang="en-US" sz="1800" b="0" i="1" kern="0" dirty="0">
-                        <a:latin typeface="Cambria Math" panose="02040503050406030204" pitchFamily="18" charset="0"/>
-                        <a:ea typeface="Arial Unicode MS" pitchFamily="34" charset="-128"/>
-                        <a:cs typeface="Arial Unicode MS" pitchFamily="34" charset="-128"/>
-                      </a:rPr>
-                      <m:t>−</m:t>
-                    </m:r>
-                    <m:f>
-                      <m:fPr>
-                        <m:ctrlPr>
-                          <a:rPr lang="en-US" sz="1800" i="1" kern="0" dirty="0">
-                            <a:latin typeface="Cambria Math" panose="02040503050406030204" pitchFamily="18" charset="0"/>
-                            <a:ea typeface="Cambria Math" panose="02040503050406030204" pitchFamily="18" charset="0"/>
-                            <a:cs typeface="Arial Unicode MS" pitchFamily="34" charset="-128"/>
-                          </a:rPr>
-                        </m:ctrlPr>
-                      </m:fPr>
-                      <m:num>
-                        <m:r>
-                          <a:rPr lang="el-GR" sz="1800" b="0" i="1" kern="0" dirty="0">
-                            <a:latin typeface="Cambria Math" panose="02040503050406030204" pitchFamily="18" charset="0"/>
-                            <a:ea typeface="Arial Unicode MS" pitchFamily="34" charset="-128"/>
-                            <a:cs typeface="Arial Unicode MS" pitchFamily="34" charset="-128"/>
-                          </a:rPr>
-                          <m:t>𝛼</m:t>
-                        </m:r>
-                      </m:num>
-                      <m:den>
-                        <m:r>
-                          <a:rPr lang="en-US" sz="1800" b="0" i="1" kern="0" dirty="0">
-                            <a:latin typeface="Cambria Math" panose="02040503050406030204" pitchFamily="18" charset="0"/>
-                            <a:ea typeface="Cambria Math" panose="02040503050406030204" pitchFamily="18" charset="0"/>
-                            <a:cs typeface="Arial Unicode MS" pitchFamily="34" charset="-128"/>
-                          </a:rPr>
-                          <m:t>𝑚</m:t>
-                        </m:r>
-                      </m:den>
-                    </m:f>
-                  </m:oMath>
-                </a14:m>
-                <a:r>
-                  <a:rPr lang="en-US" sz="1800" kern="0" dirty="0">
-                    <a:ea typeface="Arial Unicode MS" pitchFamily="34" charset="-128"/>
-                    <a:cs typeface="Arial Unicode MS" pitchFamily="34" charset="-128"/>
-                  </a:rPr>
-                  <a:t> </a:t>
-                </a:r>
-                <a14:m>
-                  <m:oMath xmlns:m="http://schemas.openxmlformats.org/officeDocument/2006/math">
-                    <m:r>
-                      <a:rPr lang="en-US" sz="1800" b="0" i="1" kern="0" dirty="0">
-                        <a:latin typeface="Cambria Math" panose="02040503050406030204" pitchFamily="18" charset="0"/>
-                        <a:ea typeface="Arial Unicode MS" pitchFamily="34" charset="-128"/>
-                        <a:cs typeface="Arial Unicode MS" pitchFamily="34" charset="-128"/>
-                      </a:rPr>
-                      <m:t>∗</m:t>
-                    </m:r>
-                    <m:r>
-                      <a:rPr lang="en-US" sz="1800" b="0" i="1" kern="0" dirty="0" smtClean="0">
-                        <a:latin typeface="Cambria Math" panose="02040503050406030204" pitchFamily="18" charset="0"/>
-                        <a:ea typeface="Arial Unicode MS" pitchFamily="34" charset="-128"/>
-                        <a:cs typeface="Arial Unicode MS" pitchFamily="34" charset="-128"/>
-                      </a:rPr>
-                      <m:t>[ </m:t>
-                    </m:r>
-                    <m:nary>
-                      <m:naryPr>
-                        <m:chr m:val="∑"/>
-                        <m:ctrlPr>
-                          <a:rPr lang="pt-BR" sz="1800" i="1" kern="0">
-                            <a:latin typeface="Cambria Math" panose="02040503050406030204" pitchFamily="18" charset="0"/>
-                            <a:ea typeface="Arial Unicode MS" pitchFamily="34" charset="-128"/>
-                            <a:cs typeface="Arial Unicode MS" pitchFamily="34" charset="-128"/>
-                          </a:rPr>
-                        </m:ctrlPr>
-                      </m:naryPr>
-                      <m:sub>
-                        <m:r>
-                          <a:rPr lang="en-US" sz="1800" b="0" i="1" kern="0">
-                            <a:latin typeface="Cambria Math" panose="02040503050406030204" pitchFamily="18" charset="0"/>
-                            <a:ea typeface="Arial Unicode MS" pitchFamily="34" charset="-128"/>
-                            <a:cs typeface="Arial Unicode MS" pitchFamily="34" charset="-128"/>
-                          </a:rPr>
-                          <m:t>𝑖</m:t>
-                        </m:r>
-                        <m:r>
-                          <a:rPr lang="pt-BR" sz="1800" b="0" i="1" kern="0">
-                            <a:latin typeface="Cambria Math" panose="02040503050406030204" pitchFamily="18" charset="0"/>
-                            <a:ea typeface="Arial Unicode MS" pitchFamily="34" charset="-128"/>
-                            <a:cs typeface="Arial Unicode MS" pitchFamily="34" charset="-128"/>
-                          </a:rPr>
-                          <m:t>=1</m:t>
-                        </m:r>
-                      </m:sub>
-                      <m:sup>
-                        <m:r>
-                          <a:rPr lang="en-US" sz="1800" b="0" i="1" kern="0">
-                            <a:latin typeface="Cambria Math" panose="02040503050406030204" pitchFamily="18" charset="0"/>
-                            <a:ea typeface="Arial Unicode MS" pitchFamily="34" charset="-128"/>
-                            <a:cs typeface="Arial Unicode MS" pitchFamily="34" charset="-128"/>
-                          </a:rPr>
-                          <m:t>𝑚</m:t>
-                        </m:r>
-                      </m:sup>
-                      <m:e>
-                        <m:d>
-                          <m:dPr>
-                            <m:ctrlPr>
-                              <a:rPr lang="pt-BR" sz="1800" i="1" kern="0">
-                                <a:latin typeface="Cambria Math" panose="02040503050406030204" pitchFamily="18" charset="0"/>
-                                <a:ea typeface="Arial Unicode MS" pitchFamily="34" charset="-128"/>
-                                <a:cs typeface="Arial Unicode MS" pitchFamily="34" charset="-128"/>
-                              </a:rPr>
-                            </m:ctrlPr>
-                          </m:dPr>
-                          <m:e>
-                            <m:r>
-                              <a:rPr lang="en-US" sz="1800" b="0" i="1" kern="0">
-                                <a:latin typeface="Cambria Math" panose="02040503050406030204" pitchFamily="18" charset="0"/>
-                                <a:ea typeface="Arial Unicode MS" pitchFamily="34" charset="-128"/>
-                                <a:cs typeface="Arial Unicode MS" pitchFamily="34" charset="-128"/>
-                              </a:rPr>
-                              <m:t> </m:t>
-                            </m:r>
-                            <m:r>
-                              <a:rPr lang="en-US" sz="1800" b="0" i="1" kern="0">
-                                <a:latin typeface="Cambria Math" panose="02040503050406030204" pitchFamily="18" charset="0"/>
-                                <a:ea typeface="Arial Unicode MS" pitchFamily="34" charset="-128"/>
-                                <a:cs typeface="Arial Unicode MS" pitchFamily="34" charset="-128"/>
-                              </a:rPr>
-                              <m:t>h</m:t>
-                            </m:r>
-                            <m:r>
-                              <a:rPr lang="en-US" sz="1800" b="0" i="1" kern="0" baseline="-25000" dirty="0">
-                                <a:latin typeface="Cambria Math" panose="02040503050406030204" pitchFamily="18" charset="0"/>
-                                <a:ea typeface="Arial Unicode MS" pitchFamily="34" charset="-128"/>
-                                <a:cs typeface="Arial Unicode MS" pitchFamily="34" charset="-128"/>
-                              </a:rPr>
-                              <m:t>𝜃</m:t>
-                            </m:r>
-                            <m:d>
-                              <m:dPr>
-                                <m:ctrlPr>
-                                  <a:rPr lang="en-US" sz="1800" i="1" kern="0">
-                                    <a:latin typeface="Cambria Math" panose="02040503050406030204" pitchFamily="18" charset="0"/>
-                                    <a:ea typeface="Arial Unicode MS" pitchFamily="34" charset="-128"/>
-                                    <a:cs typeface="Arial Unicode MS" pitchFamily="34" charset="-128"/>
-                                  </a:rPr>
-                                </m:ctrlPr>
-                              </m:dPr>
-                              <m:e>
-                                <m:r>
-                                  <a:rPr lang="en-US" sz="1800" b="0" i="1" kern="0">
-                                    <a:latin typeface="Cambria Math" panose="02040503050406030204" pitchFamily="18" charset="0"/>
-                                    <a:ea typeface="Arial Unicode MS" pitchFamily="34" charset="-128"/>
-                                    <a:cs typeface="Arial Unicode MS" pitchFamily="34" charset="-128"/>
-                                  </a:rPr>
-                                  <m:t>𝑥</m:t>
-                                </m:r>
-                                <m:d>
-                                  <m:dPr>
-                                    <m:ctrlPr>
-                                      <a:rPr lang="en-US" sz="1800" i="1" kern="0" baseline="30000">
-                                        <a:latin typeface="Cambria Math" panose="02040503050406030204" pitchFamily="18" charset="0"/>
-                                        <a:ea typeface="Arial Unicode MS" pitchFamily="34" charset="-128"/>
-                                        <a:cs typeface="Arial Unicode MS" pitchFamily="34" charset="-128"/>
-                                      </a:rPr>
-                                    </m:ctrlPr>
-                                  </m:dPr>
-                                  <m:e>
-                                    <m:r>
-                                      <a:rPr lang="en-US" sz="1800" b="0" i="1" kern="0" baseline="30000">
-                                        <a:latin typeface="Cambria Math" panose="02040503050406030204" pitchFamily="18" charset="0"/>
-                                        <a:ea typeface="Arial Unicode MS" pitchFamily="34" charset="-128"/>
-                                        <a:cs typeface="Arial Unicode MS" pitchFamily="34" charset="-128"/>
-                                      </a:rPr>
-                                      <m:t>𝑖</m:t>
-                                    </m:r>
-                                  </m:e>
-                                </m:d>
-                              </m:e>
-                            </m:d>
-                            <m:r>
-                              <a:rPr lang="en-US" sz="1800" b="0" i="1" kern="0">
-                                <a:latin typeface="Cambria Math" panose="02040503050406030204" pitchFamily="18" charset="0"/>
-                                <a:ea typeface="Arial Unicode MS" pitchFamily="34" charset="-128"/>
-                                <a:cs typeface="Arial Unicode MS" pitchFamily="34" charset="-128"/>
-                              </a:rPr>
-                              <m:t>−</m:t>
-                            </m:r>
-                            <m:r>
-                              <a:rPr lang="en-US" sz="1800" b="0" i="1" kern="0">
-                                <a:latin typeface="Cambria Math" panose="02040503050406030204" pitchFamily="18" charset="0"/>
-                                <a:ea typeface="Arial Unicode MS" pitchFamily="34" charset="-128"/>
-                                <a:cs typeface="Arial Unicode MS" pitchFamily="34" charset="-128"/>
-                              </a:rPr>
-                              <m:t>𝑦</m:t>
-                            </m:r>
-                            <m:d>
-                              <m:dPr>
-                                <m:ctrlPr>
-                                  <a:rPr lang="en-US" sz="1800" i="1" kern="0" baseline="30000">
-                                    <a:latin typeface="Cambria Math" panose="02040503050406030204" pitchFamily="18" charset="0"/>
-                                    <a:ea typeface="Arial Unicode MS" pitchFamily="34" charset="-128"/>
-                                    <a:cs typeface="Arial Unicode MS" pitchFamily="34" charset="-128"/>
-                                  </a:rPr>
-                                </m:ctrlPr>
-                              </m:dPr>
-                              <m:e>
-                                <m:r>
-                                  <a:rPr lang="en-US" sz="1800" b="0" i="1" kern="0" baseline="30000">
-                                    <a:latin typeface="Cambria Math" panose="02040503050406030204" pitchFamily="18" charset="0"/>
-                                    <a:ea typeface="Arial Unicode MS" pitchFamily="34" charset="-128"/>
-                                    <a:cs typeface="Arial Unicode MS" pitchFamily="34" charset="-128"/>
-                                  </a:rPr>
-                                  <m:t>𝑖</m:t>
-                                </m:r>
-                              </m:e>
-                            </m:d>
-                            <m:r>
-                              <a:rPr lang="en-US" sz="1800" b="0" i="1" kern="0" baseline="30000">
-                                <a:latin typeface="Cambria Math" panose="02040503050406030204" pitchFamily="18" charset="0"/>
-                                <a:ea typeface="Arial Unicode MS" pitchFamily="34" charset="-128"/>
-                                <a:cs typeface="Arial Unicode MS" pitchFamily="34" charset="-128"/>
-                              </a:rPr>
-                              <m:t> </m:t>
-                            </m:r>
-                          </m:e>
-                        </m:d>
-                        <m:r>
-                          <a:rPr lang="en-US" sz="1800" b="0" i="1" kern="0" baseline="30000">
-                            <a:latin typeface="Cambria Math" panose="02040503050406030204" pitchFamily="18" charset="0"/>
-                            <a:ea typeface="Arial Unicode MS" pitchFamily="34" charset="-128"/>
-                            <a:cs typeface="Arial Unicode MS" pitchFamily="34" charset="-128"/>
-                          </a:rPr>
-                          <m:t> </m:t>
-                        </m:r>
-                      </m:e>
-                    </m:nary>
-                    <m:r>
-                      <a:rPr lang="en-US" sz="1800" b="0" i="1" kern="0" smtClean="0">
-                        <a:latin typeface="Cambria Math" panose="02040503050406030204" pitchFamily="18" charset="0"/>
-                        <a:ea typeface="Arial Unicode MS" pitchFamily="34" charset="-128"/>
-                        <a:cs typeface="Arial Unicode MS" pitchFamily="34" charset="-128"/>
-                      </a:rPr>
-                      <m:t>+</m:t>
-                    </m:r>
-                    <m:r>
-                      <a:rPr lang="en-US" sz="1800" b="0" i="1" kern="0" baseline="30000" smtClean="0">
-                        <a:latin typeface="Cambria Math" panose="02040503050406030204" pitchFamily="18" charset="0"/>
-                        <a:ea typeface="Arial Unicode MS" pitchFamily="34" charset="-128"/>
-                        <a:cs typeface="Arial Unicode MS" pitchFamily="34" charset="-128"/>
-                      </a:rPr>
-                      <m:t> </m:t>
-                    </m:r>
-                    <m:r>
-                      <a:rPr lang="en-US" sz="1800" b="0" i="1" kern="0" dirty="0">
-                        <a:latin typeface="Cambria Math" panose="02040503050406030204" pitchFamily="18" charset="0"/>
-                        <a:ea typeface="Cambria Math" panose="02040503050406030204" pitchFamily="18" charset="0"/>
-                        <a:cs typeface="Arial Unicode MS" pitchFamily="34" charset="-128"/>
-                      </a:rPr>
-                      <m:t>𝜆</m:t>
-                    </m:r>
-                    <m:r>
-                      <a:rPr lang="en-US" sz="1800" b="0" i="1" kern="0" dirty="0">
-                        <a:latin typeface="Cambria Math" panose="02040503050406030204" pitchFamily="18" charset="0"/>
-                        <a:ea typeface="Cambria Math" panose="02040503050406030204" pitchFamily="18" charset="0"/>
-                        <a:cs typeface="Arial Unicode MS" pitchFamily="34" charset="-128"/>
-                      </a:rPr>
-                      <m:t>∗</m:t>
-                    </m:r>
-                    <m:r>
-                      <a:rPr lang="en-US" sz="1800" b="0" i="1" kern="0" dirty="0">
-                        <a:latin typeface="Cambria Math" panose="02040503050406030204" pitchFamily="18" charset="0"/>
-                        <a:ea typeface="Arial Unicode MS" pitchFamily="34" charset="-128"/>
-                        <a:cs typeface="Arial Unicode MS" pitchFamily="34" charset="-128"/>
-                      </a:rPr>
-                      <m:t>𝜃</m:t>
-                    </m:r>
-                    <m:r>
-                      <a:rPr lang="en-US" sz="1800" b="0" i="1" kern="0" baseline="-25000" dirty="0">
-                        <a:latin typeface="Cambria Math" panose="02040503050406030204" pitchFamily="18" charset="0"/>
-                        <a:ea typeface="Arial Unicode MS" pitchFamily="34" charset="-128"/>
-                        <a:cs typeface="Arial Unicode MS" pitchFamily="34" charset="-128"/>
-                      </a:rPr>
-                      <m:t>𝑗</m:t>
-                    </m:r>
-                    <m:r>
-                      <a:rPr lang="en-US" sz="1800" b="0" i="1" kern="0" baseline="-25000" dirty="0">
-                        <a:latin typeface="Cambria Math" panose="02040503050406030204" pitchFamily="18" charset="0"/>
-                        <a:ea typeface="Arial Unicode MS" pitchFamily="34" charset="-128"/>
-                        <a:cs typeface="Arial Unicode MS" pitchFamily="34" charset="-128"/>
-                      </a:rPr>
-                      <m:t> </m:t>
-                    </m:r>
-                  </m:oMath>
-                </a14:m>
-                <a:r>
-                  <a:rPr lang="en-US" sz="1800" kern="0" dirty="0">
-                    <a:ea typeface="Arial Unicode MS" pitchFamily="34" charset="-128"/>
-                    <a:cs typeface="Arial Unicode MS" pitchFamily="34" charset="-128"/>
-                  </a:rPr>
-                  <a:t>]	</a:t>
-                </a:r>
-              </a:p>
-              <a:p>
-                <a:pPr lvl="1" fontAlgn="base">
-                  <a:spcBef>
-                    <a:spcPts val="600"/>
-                  </a:spcBef>
-                  <a:spcAft>
-                    <a:spcPct val="0"/>
-                  </a:spcAft>
-                  <a:buClr>
-                    <a:srgbClr val="F0AB00"/>
-                  </a:buClr>
-                  <a:buSzPct val="80000"/>
-                  <a:buNone/>
-                </a:pPr>
-                <a:r>
-                  <a:rPr lang="en-US" sz="1800" kern="0" dirty="0">
-                    <a:ea typeface="Arial Unicode MS" pitchFamily="34" charset="-128"/>
-                    <a:cs typeface="Arial Unicode MS" pitchFamily="34" charset="-128"/>
-                  </a:rPr>
-                  <a:t>	     }</a:t>
-                </a:r>
-              </a:p>
-              <a:p>
-                <a:pPr fontAlgn="base">
-                  <a:spcBef>
-                    <a:spcPts val="600"/>
-                  </a:spcBef>
-                  <a:spcAft>
-                    <a:spcPct val="0"/>
-                  </a:spcAft>
-                  <a:buClr>
-                    <a:srgbClr val="F0AB00"/>
-                  </a:buClr>
-                  <a:buSzPct val="80000"/>
-                </a:pPr>
-                <a:endParaRPr lang="en-US" sz="1800" kern="0" dirty="0" err="1">
-                  <a:ea typeface="Arial Unicode MS" pitchFamily="34" charset="-128"/>
-                  <a:cs typeface="Arial Unicode MS" pitchFamily="34" charset="-128"/>
-                </a:endParaRPr>
-              </a:p>
-            </p:txBody>
-          </p:sp>
-        </mc:Choice>
-        <mc:Fallback xmlns="">
-          <p:sp>
-            <p:nvSpPr>
-              <p:cNvPr id="7" name="TextBox 6"/>
-              <p:cNvSpPr txBox="1">
-                <a:spLocks noRot="1" noChangeAspect="1" noMove="1" noResize="1" noEditPoints="1" noAdjustHandles="1" noChangeArrowheads="1" noChangeShapeType="1" noTextEdit="1"/>
-              </p:cNvSpPr>
-              <p:nvPr/>
-            </p:nvSpPr>
-            <p:spPr>
-              <a:xfrm>
-                <a:off x="324000" y="2463050"/>
-                <a:ext cx="10742543" cy="2585451"/>
-              </a:xfrm>
-              <a:prstGeom prst="rect">
-                <a:avLst/>
-              </a:prstGeom>
-              <a:blipFill>
-                <a:blip r:embed="rId4"/>
-                <a:stretch>
-                  <a:fillRect l="-1305" t="-3066"/>
-                </a:stretch>
-              </a:blipFill>
-            </p:spPr>
-            <p:txBody>
-              <a:bodyPr/>
-              <a:lstStyle/>
-              <a:p>
-                <a:r>
-                  <a:rPr lang="en-US">
-                    <a:noFill/>
-                  </a:rPr>
-                  <a:t> </a:t>
-                </a:r>
-              </a:p>
-            </p:txBody>
-          </p:sp>
-        </mc:Fallback>
-      </mc:AlternateContent>
-      <p:pic>
-        <p:nvPicPr>
-          <p:cNvPr id="8" name="Picture 7"/>
-          <p:cNvPicPr>
-            <a:picLocks noChangeAspect="1"/>
-          </p:cNvPicPr>
-          <p:nvPr/>
-        </p:nvPicPr>
-        <p:blipFill>
-          <a:blip r:embed="rId5"/>
-          <a:stretch>
-            <a:fillRect/>
-          </a:stretch>
-        </p:blipFill>
-        <p:spPr>
-          <a:xfrm>
-            <a:off x="7694693" y="1800476"/>
-            <a:ext cx="3371850" cy="3248025"/>
-          </a:xfrm>
-          <a:prstGeom prst="rect">
-            <a:avLst/>
-          </a:prstGeom>
-        </p:spPr>
-      </p:pic>
-    </p:spTree>
-    <p:extLst>
-      <p:ext uri="{BB962C8B-B14F-4D97-AF65-F5344CB8AC3E}">
-        <p14:creationId xmlns:p14="http://schemas.microsoft.com/office/powerpoint/2010/main" val="4111737313"/>
-      </p:ext>
-    </p:extLst>
-  </p:cSld>
-  <p:clrMapOvr>
-    <a:masterClrMapping/>
-  </p:clrMapOvr>
-</p:sld>
-</file>
-
-<file path=ppt/slides/slide6.xml><?xml version="1.0" encoding="utf-8"?>
 <p:sld xmlns:a="http://schemas.openxmlformats.org/drawingml/2006/main" xmlns:r="http://schemas.openxmlformats.org/officeDocument/2006/relationships" xmlns:p="http://schemas.openxmlformats.org/presentationml/2006/main">
   <p:cSld>
     <p:spTree>
@@ -13721,7 +13508,7 @@
 </p:sld>
 </file>
 
-<file path=ppt/slides/slide7.xml><?xml version="1.0" encoding="utf-8"?>
+<file path=ppt/slides/slide6.xml><?xml version="1.0" encoding="utf-8"?>
 <p:sld xmlns:a="http://schemas.openxmlformats.org/drawingml/2006/main" xmlns:r="http://schemas.openxmlformats.org/officeDocument/2006/relationships" xmlns:p="http://schemas.openxmlformats.org/presentationml/2006/main">
   <p:cSld>
     <p:spTree>
@@ -15722,6 +15509,168 @@
 </p:sld>
 </file>
 
+<file path=ppt/slides/slide7.xml><?xml version="1.0" encoding="utf-8"?>
+<p:sld xmlns:a="http://schemas.openxmlformats.org/drawingml/2006/main" xmlns:r="http://schemas.openxmlformats.org/officeDocument/2006/relationships" xmlns:p="http://schemas.openxmlformats.org/presentationml/2006/main">
+  <p:cSld>
+    <p:spTree>
+      <p:nvGrpSpPr>
+        <p:cNvPr id="1" name=""/>
+        <p:cNvGrpSpPr/>
+        <p:nvPr/>
+      </p:nvGrpSpPr>
+      <p:grpSpPr>
+        <a:xfrm>
+          <a:off x="0" y="0"/>
+          <a:ext cx="0" cy="0"/>
+          <a:chOff x="0" y="0"/>
+          <a:chExt cx="0" cy="0"/>
+        </a:xfrm>
+      </p:grpSpPr>
+      <p:sp>
+        <p:nvSpPr>
+          <p:cNvPr id="6" name="Rectangle 5">
+            <a:extLst>
+              <a:ext uri="{FF2B5EF4-FFF2-40B4-BE49-F238E27FC236}">
+                <a16:creationId xmlns:a16="http://schemas.microsoft.com/office/drawing/2014/main" id="{9BAEAA9D-2759-4B58-8977-018974BF20D8}"/>
+              </a:ext>
+            </a:extLst>
+          </p:cNvPr>
+          <p:cNvSpPr/>
+          <p:nvPr/>
+        </p:nvSpPr>
+        <p:spPr>
+          <a:xfrm>
+            <a:off x="461472" y="1837346"/>
+            <a:ext cx="10947163" cy="3970318"/>
+          </a:xfrm>
+          <a:prstGeom prst="rect">
+            <a:avLst/>
+          </a:prstGeom>
+        </p:spPr>
+        <p:txBody>
+          <a:bodyPr wrap="square">
+            <a:spAutoFit/>
+          </a:bodyPr>
+          <a:lstStyle/>
+          <a:p>
+            <a:r>
+              <a:rPr lang="en-US" dirty="0">
+                <a:solidFill>
+                  <a:srgbClr val="212121"/>
+                </a:solidFill>
+                <a:latin typeface="Roboto"/>
+              </a:rPr>
+              <a:t>Logistic regression returns a probability. You can use the returned probability "as is" (for example, the probability that the user will click on this ad is 0.00023) or convert the returned probability to a binary value (for example, this email is spam).</a:t>
+            </a:r>
+          </a:p>
+          <a:p>
+            <a:r>
+              <a:rPr lang="en-US" dirty="0">
+                <a:solidFill>
+                  <a:srgbClr val="212121"/>
+                </a:solidFill>
+                <a:latin typeface="Roboto"/>
+              </a:rPr>
+              <a:t>A logistic regression model that returns 0.9995 for a particular email message is predicting that it is very likely to be spam. Conversely, another email message with a prediction score of 0.0003 on that same logistic regression model is very likely not spam. However, what about an email message with a prediction score of 0.6? In order to map a logistic regression value to a binary category, you must define a </a:t>
+            </a:r>
+            <a:r>
+              <a:rPr lang="en-US" b="1" dirty="0">
+                <a:solidFill>
+                  <a:srgbClr val="212121"/>
+                </a:solidFill>
+                <a:latin typeface="Roboto"/>
+              </a:rPr>
+              <a:t>classification threshold</a:t>
+            </a:r>
+            <a:r>
+              <a:rPr lang="en-US" dirty="0">
+                <a:solidFill>
+                  <a:srgbClr val="212121"/>
+                </a:solidFill>
+                <a:latin typeface="Roboto"/>
+              </a:rPr>
+              <a:t> (also called the </a:t>
+            </a:r>
+            <a:r>
+              <a:rPr lang="en-US" b="1" dirty="0">
+                <a:solidFill>
+                  <a:srgbClr val="212121"/>
+                </a:solidFill>
+                <a:latin typeface="Roboto"/>
+              </a:rPr>
+              <a:t>decision threshold</a:t>
+            </a:r>
+            <a:r>
+              <a:rPr lang="en-US" dirty="0">
+                <a:solidFill>
+                  <a:srgbClr val="212121"/>
+                </a:solidFill>
+                <a:latin typeface="Roboto"/>
+              </a:rPr>
+              <a:t>). A value above that threshold indicates "spam"; a value below indicates "not spam." It is tempting to assume that the classification threshold should always be 0.5, but thresholds are problem-dependent, and are therefore values that you must tune.</a:t>
+            </a:r>
+          </a:p>
+        </p:txBody>
+      </p:sp>
+      <p:sp>
+        <p:nvSpPr>
+          <p:cNvPr id="7" name="Rectangle 6">
+            <a:extLst>
+              <a:ext uri="{FF2B5EF4-FFF2-40B4-BE49-F238E27FC236}">
+                <a16:creationId xmlns:a16="http://schemas.microsoft.com/office/drawing/2014/main" id="{750A54E4-8522-40E7-A8E4-433689DCB6EA}"/>
+              </a:ext>
+            </a:extLst>
+          </p:cNvPr>
+          <p:cNvSpPr/>
+          <p:nvPr/>
+        </p:nvSpPr>
+        <p:spPr>
+          <a:xfrm>
+            <a:off x="3623417" y="537871"/>
+            <a:ext cx="5657316" cy="646331"/>
+          </a:xfrm>
+          <a:prstGeom prst="rect">
+            <a:avLst/>
+          </a:prstGeom>
+        </p:spPr>
+        <p:txBody>
+          <a:bodyPr wrap="square">
+            <a:spAutoFit/>
+          </a:bodyPr>
+          <a:lstStyle/>
+          <a:p>
+            <a:r>
+              <a:rPr lang="en-US" sz="3600" b="1" dirty="0">
+                <a:solidFill>
+                  <a:srgbClr val="212121"/>
+                </a:solidFill>
+                <a:latin typeface="Google Sans"/>
+              </a:rPr>
+              <a:t>Classification: Thresholding</a:t>
+            </a:r>
+            <a:endParaRPr lang="en-US" sz="3600" b="1" dirty="0">
+              <a:solidFill>
+                <a:srgbClr val="212121"/>
+              </a:solidFill>
+              <a:effectLst/>
+              <a:latin typeface="Google Sans"/>
+            </a:endParaRPr>
+          </a:p>
+        </p:txBody>
+      </p:sp>
+    </p:spTree>
+    <p:extLst>
+      <p:ext uri="{BB962C8B-B14F-4D97-AF65-F5344CB8AC3E}">
+        <p14:creationId xmlns:p14="http://schemas.microsoft.com/office/powerpoint/2010/main" val="2454550100"/>
+      </p:ext>
+    </p:extLst>
+  </p:cSld>
+  <p:clrMapOvr>
+    <a:masterClrMapping/>
+  </p:clrMapOvr>
+</p:sld>
+</file>
+
 <file path=ppt/slides/slide8.xml><?xml version="1.0" encoding="utf-8"?>
 <p:sld xmlns:a="http://schemas.openxmlformats.org/drawingml/2006/main" xmlns:r="http://schemas.openxmlformats.org/officeDocument/2006/relationships" xmlns:p="http://schemas.openxmlformats.org/presentationml/2006/main">
   <p:cSld>
@@ -15741,56 +15690,353 @@
       </p:grpSpPr>
       <p:sp>
         <p:nvSpPr>
-          <p:cNvPr id="2" name="Title 1"/>
-          <p:cNvSpPr>
-            <a:spLocks noGrp="1"/>
-          </p:cNvSpPr>
-          <p:nvPr>
-            <p:ph type="title"/>
-          </p:nvPr>
+          <p:cNvPr id="2" name="Rectangle 1">
+            <a:extLst>
+              <a:ext uri="{FF2B5EF4-FFF2-40B4-BE49-F238E27FC236}">
+                <a16:creationId xmlns:a16="http://schemas.microsoft.com/office/drawing/2014/main" id="{7CE1AC16-F8E9-4503-9235-A067C4247A9E}"/>
+              </a:ext>
+            </a:extLst>
+          </p:cNvPr>
+          <p:cNvSpPr/>
+          <p:nvPr/>
         </p:nvSpPr>
-        <p:spPr/>
-        <p:txBody>
-          <a:bodyPr/>
-          <a:lstStyle/>
-          <a:p>
-            <a:r>
-              <a:rPr lang="en-US" dirty="0"/>
-              <a:t>Logistic Regression Demo + HandsOn</a:t>
-            </a:r>
-          </a:p>
-        </p:txBody>
-      </p:sp>
-      <p:pic>
-        <p:nvPicPr>
-          <p:cNvPr id="4" name="Picture 3"/>
-          <p:cNvPicPr>
-            <a:picLocks noChangeAspect="1"/>
-          </p:cNvPicPr>
-          <p:nvPr/>
-        </p:nvPicPr>
-        <p:blipFill>
-          <a:blip r:embed="rId3"/>
-          <a:stretch>
-            <a:fillRect/>
-          </a:stretch>
-        </p:blipFill>
         <p:spPr>
           <a:xfrm>
-            <a:off x="4033099" y="2130849"/>
-            <a:ext cx="3810000" cy="3810000"/>
+            <a:off x="2522957" y="315680"/>
+            <a:ext cx="6253573" cy="415498"/>
           </a:xfrm>
           <a:prstGeom prst="rect">
             <a:avLst/>
           </a:prstGeom>
         </p:spPr>
-      </p:pic>
+        <p:txBody>
+          <a:bodyPr wrap="square">
+            <a:spAutoFit/>
+          </a:bodyPr>
+          <a:lstStyle/>
+          <a:p>
+            <a:r>
+              <a:rPr lang="en-US" sz="2000" b="1" dirty="0">
+                <a:solidFill>
+                  <a:srgbClr val="212121"/>
+                </a:solidFill>
+                <a:latin typeface="Google Sans"/>
+              </a:rPr>
+              <a:t>Classification: True vs. False and Positive vs. Negative</a:t>
+            </a:r>
+            <a:endParaRPr lang="en-US" sz="2000" b="1" dirty="0">
+              <a:solidFill>
+                <a:srgbClr val="212121"/>
+              </a:solidFill>
+              <a:effectLst/>
+              <a:latin typeface="Google Sans"/>
+            </a:endParaRPr>
+          </a:p>
+        </p:txBody>
+      </p:sp>
+      <p:sp>
+        <p:nvSpPr>
+          <p:cNvPr id="3" name="Rectangle 2">
+            <a:extLst>
+              <a:ext uri="{FF2B5EF4-FFF2-40B4-BE49-F238E27FC236}">
+                <a16:creationId xmlns:a16="http://schemas.microsoft.com/office/drawing/2014/main" id="{715CEB85-5B13-4676-8275-2441881F8E4A}"/>
+              </a:ext>
+            </a:extLst>
+          </p:cNvPr>
+          <p:cNvSpPr/>
+          <p:nvPr/>
+        </p:nvSpPr>
+        <p:spPr>
+          <a:xfrm>
+            <a:off x="256537" y="3840486"/>
+            <a:ext cx="11870107" cy="1708160"/>
+          </a:xfrm>
+          <a:prstGeom prst="rect">
+            <a:avLst/>
+          </a:prstGeom>
+        </p:spPr>
+        <p:txBody>
+          <a:bodyPr wrap="square">
+            <a:spAutoFit/>
+          </a:bodyPr>
+          <a:lstStyle/>
+          <a:p>
+            <a:r>
+              <a:rPr lang="en-US" dirty="0">
+                <a:solidFill>
+                  <a:srgbClr val="212121"/>
+                </a:solidFill>
+                <a:latin typeface="Roboto"/>
+              </a:rPr>
+              <a:t>Let's make the following definitions:</a:t>
+            </a:r>
+          </a:p>
+          <a:p>
+            <a:pPr>
+              <a:buFont typeface="Arial" panose="020B0604020202020204" pitchFamily="34" charset="0"/>
+              <a:buChar char="•"/>
+            </a:pPr>
+            <a:r>
+              <a:rPr lang="en-US" dirty="0">
+                <a:solidFill>
+                  <a:srgbClr val="212121"/>
+                </a:solidFill>
+                <a:latin typeface="Roboto"/>
+              </a:rPr>
+              <a:t>"Wolf" is a </a:t>
+            </a:r>
+            <a:r>
+              <a:rPr lang="en-US" b="1" dirty="0">
+                <a:solidFill>
+                  <a:srgbClr val="212121"/>
+                </a:solidFill>
+                <a:latin typeface="Roboto"/>
+              </a:rPr>
+              <a:t>positive class</a:t>
+            </a:r>
+            <a:r>
+              <a:rPr lang="en-US" dirty="0">
+                <a:solidFill>
+                  <a:srgbClr val="212121"/>
+                </a:solidFill>
+                <a:latin typeface="Roboto"/>
+              </a:rPr>
+              <a:t>.</a:t>
+            </a:r>
+          </a:p>
+          <a:p>
+            <a:pPr>
+              <a:buFont typeface="Arial" panose="020B0604020202020204" pitchFamily="34" charset="0"/>
+              <a:buChar char="•"/>
+            </a:pPr>
+            <a:r>
+              <a:rPr lang="en-US" dirty="0">
+                <a:solidFill>
+                  <a:srgbClr val="212121"/>
+                </a:solidFill>
+                <a:latin typeface="Roboto"/>
+              </a:rPr>
+              <a:t>"No wolf" is a </a:t>
+            </a:r>
+            <a:r>
+              <a:rPr lang="en-US" b="1" dirty="0">
+                <a:solidFill>
+                  <a:srgbClr val="212121"/>
+                </a:solidFill>
+                <a:latin typeface="Roboto"/>
+              </a:rPr>
+              <a:t>negative class</a:t>
+            </a:r>
+            <a:r>
+              <a:rPr lang="en-US" dirty="0">
+                <a:solidFill>
+                  <a:srgbClr val="212121"/>
+                </a:solidFill>
+                <a:latin typeface="Roboto"/>
+              </a:rPr>
+              <a:t>.</a:t>
+            </a:r>
+          </a:p>
+          <a:p>
+            <a:r>
+              <a:rPr lang="en-US" dirty="0">
+                <a:solidFill>
+                  <a:srgbClr val="212121"/>
+                </a:solidFill>
+                <a:latin typeface="Roboto"/>
+              </a:rPr>
+              <a:t>We can summarize our "wolf-prediction" model using a 2x2 </a:t>
+            </a:r>
+            <a:r>
+              <a:rPr lang="en-US" dirty="0">
+                <a:solidFill>
+                  <a:srgbClr val="039BE5"/>
+                </a:solidFill>
+                <a:latin typeface="Roboto"/>
+                <a:hlinkClick r:id="rId2"/>
+              </a:rPr>
+              <a:t>confusion matrix</a:t>
+            </a:r>
+            <a:r>
+              <a:rPr lang="en-US" dirty="0">
+                <a:solidFill>
+                  <a:srgbClr val="212121"/>
+                </a:solidFill>
+                <a:latin typeface="Roboto"/>
+              </a:rPr>
+              <a:t> that depicts all four possible outcomes:</a:t>
+            </a:r>
+            <a:endParaRPr lang="en-US" b="0" i="0" dirty="0">
+              <a:solidFill>
+                <a:srgbClr val="212121"/>
+              </a:solidFill>
+              <a:effectLst/>
+              <a:latin typeface="Roboto"/>
+            </a:endParaRPr>
+          </a:p>
+        </p:txBody>
+      </p:sp>
+      <p:sp>
+        <p:nvSpPr>
+          <p:cNvPr id="4" name="Rectangle 3">
+            <a:extLst>
+              <a:ext uri="{FF2B5EF4-FFF2-40B4-BE49-F238E27FC236}">
+                <a16:creationId xmlns:a16="http://schemas.microsoft.com/office/drawing/2014/main" id="{36CDFFFA-82F1-4FC6-93D2-88226C1D0A90}"/>
+              </a:ext>
+            </a:extLst>
+          </p:cNvPr>
+          <p:cNvSpPr/>
+          <p:nvPr/>
+        </p:nvSpPr>
+        <p:spPr>
+          <a:xfrm>
+            <a:off x="391846" y="1035218"/>
+            <a:ext cx="11315892" cy="2677656"/>
+          </a:xfrm>
+          <a:prstGeom prst="rect">
+            <a:avLst/>
+          </a:prstGeom>
+        </p:spPr>
+        <p:txBody>
+          <a:bodyPr wrap="square">
+            <a:spAutoFit/>
+          </a:bodyPr>
+          <a:lstStyle/>
+          <a:p>
+            <a:r>
+              <a:rPr lang="en-US" b="1" dirty="0">
+                <a:solidFill>
+                  <a:srgbClr val="212121"/>
+                </a:solidFill>
+                <a:highlight>
+                  <a:srgbClr val="00FFFF"/>
+                </a:highlight>
+                <a:latin typeface="Roboto"/>
+              </a:rPr>
+              <a:t>An Aesop's Fable: The Boy Who Cried Wolf (</a:t>
+            </a:r>
+            <a:r>
+              <a:rPr lang="en-US" b="1" i="1" dirty="0">
+                <a:solidFill>
+                  <a:srgbClr val="212121"/>
+                </a:solidFill>
+                <a:highlight>
+                  <a:srgbClr val="00FFFF"/>
+                </a:highlight>
+                <a:latin typeface="Roboto"/>
+              </a:rPr>
+              <a:t>compressed</a:t>
+            </a:r>
+            <a:r>
+              <a:rPr lang="en-US" b="1" dirty="0">
+                <a:solidFill>
+                  <a:srgbClr val="212121"/>
+                </a:solidFill>
+                <a:highlight>
+                  <a:srgbClr val="00FFFF"/>
+                </a:highlight>
+                <a:latin typeface="Roboto"/>
+              </a:rPr>
+              <a:t>)</a:t>
+            </a:r>
+            <a:endParaRPr lang="en-US" dirty="0">
+              <a:solidFill>
+                <a:srgbClr val="212121"/>
+              </a:solidFill>
+              <a:highlight>
+                <a:srgbClr val="00FFFF"/>
+              </a:highlight>
+              <a:latin typeface="Roboto"/>
+            </a:endParaRPr>
+          </a:p>
+          <a:p>
+            <a:r>
+              <a:rPr lang="en-US" dirty="0">
+                <a:solidFill>
+                  <a:srgbClr val="212121"/>
+                </a:solidFill>
+                <a:highlight>
+                  <a:srgbClr val="00FFFF"/>
+                </a:highlight>
+                <a:latin typeface="Roboto"/>
+              </a:rPr>
+              <a:t>A shepherd boy gets bored tending the town's flock. To have some fun, he cries out, "Wolf!" even though no wolf is in sight. The villagers run to protect the flock, but then get really mad when they realize the boy was playing a joke on them.</a:t>
+            </a:r>
+          </a:p>
+          <a:p>
+            <a:r>
+              <a:rPr lang="en-US" dirty="0">
+                <a:solidFill>
+                  <a:srgbClr val="212121"/>
+                </a:solidFill>
+                <a:highlight>
+                  <a:srgbClr val="00FFFF"/>
+                </a:highlight>
+                <a:latin typeface="Roboto"/>
+              </a:rPr>
+              <a:t>[Iterate previous paragraph </a:t>
+            </a:r>
+            <a:r>
+              <a:rPr lang="en-US" i="1" dirty="0">
+                <a:solidFill>
+                  <a:srgbClr val="212121"/>
+                </a:solidFill>
+                <a:highlight>
+                  <a:srgbClr val="00FFFF"/>
+                </a:highlight>
+                <a:latin typeface="Roboto"/>
+              </a:rPr>
+              <a:t>N</a:t>
+            </a:r>
+            <a:r>
+              <a:rPr lang="en-US" dirty="0">
+                <a:solidFill>
+                  <a:srgbClr val="212121"/>
+                </a:solidFill>
+                <a:highlight>
+                  <a:srgbClr val="00FFFF"/>
+                </a:highlight>
+                <a:latin typeface="Roboto"/>
+              </a:rPr>
+              <a:t> times.]</a:t>
+            </a:r>
+          </a:p>
+          <a:p>
+            <a:r>
+              <a:rPr lang="en-US" dirty="0">
+                <a:solidFill>
+                  <a:srgbClr val="212121"/>
+                </a:solidFill>
+                <a:highlight>
+                  <a:srgbClr val="00FFFF"/>
+                </a:highlight>
+                <a:latin typeface="Roboto"/>
+              </a:rPr>
+              <a:t>One night, the shepherd boy sees a real wolf approaching the flock and calls out, "Wolf!" The villagers refuse to be fooled again and stay in their houses. The hungry wolf turns the flock into lamb chops. The town goes hungry. Panic ensues.</a:t>
+            </a:r>
+            <a:endParaRPr lang="en-US" b="0" i="0" dirty="0">
+              <a:solidFill>
+                <a:srgbClr val="212121"/>
+              </a:solidFill>
+              <a:effectLst/>
+              <a:highlight>
+                <a:srgbClr val="00FFFF"/>
+              </a:highlight>
+              <a:latin typeface="Roboto"/>
+            </a:endParaRPr>
+          </a:p>
+        </p:txBody>
+      </p:sp>
     </p:spTree>
+    <p:extLst>
+      <p:ext uri="{BB962C8B-B14F-4D97-AF65-F5344CB8AC3E}">
+        <p14:creationId xmlns:p14="http://schemas.microsoft.com/office/powerpoint/2010/main" val="3435988073"/>
+      </p:ext>
+    </p:extLst>
   </p:cSld>
   <p:clrMapOvr>
     <a:masterClrMapping/>
   </p:clrMapOvr>
-  <p:transition spd="med"/>
 </p:sld>
 </file>
 
@@ -15811,55 +16057,15 @@
           <a:chExt cx="0" cy="0"/>
         </a:xfrm>
       </p:grpSpPr>
-      <p:sp>
-        <p:nvSpPr>
-          <p:cNvPr id="2" name="Title 1"/>
-          <p:cNvSpPr>
-            <a:spLocks noGrp="1"/>
-          </p:cNvSpPr>
-          <p:nvPr>
-            <p:ph type="title"/>
-          </p:nvPr>
-        </p:nvSpPr>
-        <p:spPr/>
-        <p:txBody>
-          <a:bodyPr/>
-          <a:lstStyle/>
-          <a:p>
-            <a:r>
-              <a:rPr lang="en-US" dirty="0"/>
-              <a:t>Naïve Bayes</a:t>
-            </a:r>
-          </a:p>
-        </p:txBody>
-      </p:sp>
       <p:pic>
         <p:nvPicPr>
-          <p:cNvPr id="4" name="Picture 3"/>
-          <p:cNvPicPr>
-            <a:picLocks noChangeAspect="1"/>
-          </p:cNvPicPr>
-          <p:nvPr/>
-        </p:nvPicPr>
-        <p:blipFill>
-          <a:blip r:embed="rId2"/>
-          <a:stretch>
-            <a:fillRect/>
-          </a:stretch>
-        </p:blipFill>
-        <p:spPr>
-          <a:xfrm>
-            <a:off x="6933121" y="1380835"/>
-            <a:ext cx="4421730" cy="2779373"/>
-          </a:xfrm>
-          <a:prstGeom prst="rect">
-            <a:avLst/>
-          </a:prstGeom>
-        </p:spPr>
-      </p:pic>
-      <p:pic>
-        <p:nvPicPr>
-          <p:cNvPr id="5" name="Picture 4"/>
+          <p:cNvPr id="2" name="Picture 1">
+            <a:extLst>
+              <a:ext uri="{FF2B5EF4-FFF2-40B4-BE49-F238E27FC236}">
+                <a16:creationId xmlns:a16="http://schemas.microsoft.com/office/drawing/2014/main" id="{114BA3FF-2ED9-4C95-90C0-C552DFD48237}"/>
+              </a:ext>
+            </a:extLst>
+          </p:cNvPr>
           <p:cNvPicPr>
             <a:picLocks noChangeAspect="1"/>
           </p:cNvPicPr>
@@ -15873,217 +16079,18 @@
         </p:blipFill>
         <p:spPr>
           <a:xfrm>
-            <a:off x="740379" y="1380835"/>
-            <a:ext cx="4958292" cy="2702329"/>
+            <a:off x="0" y="1375873"/>
+            <a:ext cx="12114817" cy="3501562"/>
           </a:xfrm>
           <a:prstGeom prst="rect">
             <a:avLst/>
           </a:prstGeom>
         </p:spPr>
       </p:pic>
-      <p:sp>
-        <p:nvSpPr>
-          <p:cNvPr id="6" name="TextBox 5"/>
-          <p:cNvSpPr txBox="1"/>
-          <p:nvPr/>
-        </p:nvSpPr>
-        <p:spPr>
-          <a:xfrm>
-            <a:off x="740379" y="4460793"/>
-            <a:ext cx="10505761" cy="1969770"/>
-          </a:xfrm>
-          <a:prstGeom prst="rect">
-            <a:avLst/>
-          </a:prstGeom>
-          <a:noFill/>
-        </p:spPr>
-        <p:txBody>
-          <a:bodyPr wrap="none" lIns="0" tIns="0" rIns="0" bIns="0" rtlCol="0">
-            <a:spAutoFit/>
-          </a:bodyPr>
-          <a:lstStyle/>
-          <a:p>
-            <a:r>
-              <a:rPr lang="en-US" dirty="0"/>
-              <a:t>Above,</a:t>
-            </a:r>
-          </a:p>
-          <a:p>
-            <a:pPr marL="887288" lvl="1" indent="-342900">
-              <a:buFont typeface="Arial" panose="020B0604020202020204" pitchFamily="34" charset="0"/>
-              <a:buChar char="•"/>
-            </a:pPr>
-            <a:r>
-              <a:rPr lang="en-US" i="1" dirty="0"/>
-              <a:t>P</a:t>
-            </a:r>
-            <a:r>
-              <a:rPr lang="en-US" dirty="0"/>
-              <a:t>(</a:t>
-            </a:r>
-            <a:r>
-              <a:rPr lang="en-US" i="1" dirty="0" err="1"/>
-              <a:t>c|x</a:t>
-            </a:r>
-            <a:r>
-              <a:rPr lang="en-US" dirty="0"/>
-              <a:t>) is the posterior probability of </a:t>
-            </a:r>
-            <a:r>
-              <a:rPr lang="en-US" i="1" dirty="0"/>
-              <a:t>class</a:t>
-            </a:r>
-            <a:r>
-              <a:rPr lang="en-US" dirty="0"/>
-              <a:t> (c, </a:t>
-            </a:r>
-            <a:r>
-              <a:rPr lang="en-US" i="1" dirty="0"/>
-              <a:t>target</a:t>
-            </a:r>
-            <a:r>
-              <a:rPr lang="en-US" dirty="0"/>
-              <a:t>) given </a:t>
-            </a:r>
-            <a:r>
-              <a:rPr lang="en-US" i="1" dirty="0"/>
-              <a:t>predictor</a:t>
-            </a:r>
-            <a:r>
-              <a:rPr lang="en-US" dirty="0"/>
-              <a:t> (x, </a:t>
-            </a:r>
-            <a:r>
-              <a:rPr lang="en-US" i="1" dirty="0"/>
-              <a:t>attributes</a:t>
-            </a:r>
-            <a:r>
-              <a:rPr lang="en-US" dirty="0"/>
-              <a:t>).</a:t>
-            </a:r>
-          </a:p>
-          <a:p>
-            <a:pPr marL="887288" lvl="1" indent="-342900">
-              <a:buFont typeface="Arial" panose="020B0604020202020204" pitchFamily="34" charset="0"/>
-              <a:buChar char="•"/>
-            </a:pPr>
-            <a:r>
-              <a:rPr lang="en-US" i="1" dirty="0"/>
-              <a:t>P</a:t>
-            </a:r>
-            <a:r>
-              <a:rPr lang="en-US" dirty="0"/>
-              <a:t>(</a:t>
-            </a:r>
-            <a:r>
-              <a:rPr lang="en-US" i="1" dirty="0"/>
-              <a:t>c</a:t>
-            </a:r>
-            <a:r>
-              <a:rPr lang="en-US" dirty="0"/>
-              <a:t>) is the prior probability of </a:t>
-            </a:r>
-            <a:r>
-              <a:rPr lang="en-US" i="1" dirty="0"/>
-              <a:t>class</a:t>
-            </a:r>
-            <a:r>
-              <a:rPr lang="en-US" dirty="0"/>
-              <a:t>.</a:t>
-            </a:r>
-          </a:p>
-          <a:p>
-            <a:pPr marL="887288" lvl="1" indent="-342900">
-              <a:buFont typeface="Arial" panose="020B0604020202020204" pitchFamily="34" charset="0"/>
-              <a:buChar char="•"/>
-            </a:pPr>
-            <a:r>
-              <a:rPr lang="en-US" i="1" dirty="0"/>
-              <a:t>P</a:t>
-            </a:r>
-            <a:r>
-              <a:rPr lang="en-US" dirty="0"/>
-              <a:t>(</a:t>
-            </a:r>
-            <a:r>
-              <a:rPr lang="en-US" i="1" dirty="0" err="1"/>
-              <a:t>x|c</a:t>
-            </a:r>
-            <a:r>
-              <a:rPr lang="en-US" dirty="0"/>
-              <a:t>) is the likelihood which is the probability of </a:t>
-            </a:r>
-            <a:r>
-              <a:rPr lang="en-US" i="1" dirty="0"/>
-              <a:t>predictor</a:t>
-            </a:r>
-            <a:r>
-              <a:rPr lang="en-US" dirty="0"/>
-              <a:t> given </a:t>
-            </a:r>
-            <a:r>
-              <a:rPr lang="en-US" i="1" dirty="0"/>
-              <a:t>class</a:t>
-            </a:r>
-            <a:r>
-              <a:rPr lang="en-US" dirty="0"/>
-              <a:t>.</a:t>
-            </a:r>
-          </a:p>
-          <a:p>
-            <a:pPr marL="887288" lvl="1" indent="-342900">
-              <a:buFont typeface="Arial" panose="020B0604020202020204" pitchFamily="34" charset="0"/>
-              <a:buChar char="•"/>
-            </a:pPr>
-            <a:r>
-              <a:rPr lang="en-US" i="1" dirty="0"/>
-              <a:t>P</a:t>
-            </a:r>
-            <a:r>
-              <a:rPr lang="en-US" dirty="0"/>
-              <a:t>(</a:t>
-            </a:r>
-            <a:r>
-              <a:rPr lang="en-US" i="1" dirty="0"/>
-              <a:t>x</a:t>
-            </a:r>
-            <a:r>
-              <a:rPr lang="en-US" dirty="0"/>
-              <a:t>) is the prior probability of </a:t>
-            </a:r>
-            <a:r>
-              <a:rPr lang="en-US" i="1" dirty="0"/>
-              <a:t>predictor</a:t>
-            </a:r>
-            <a:r>
-              <a:rPr lang="en-US" dirty="0"/>
-              <a:t>.</a:t>
-            </a:r>
-          </a:p>
-          <a:p>
-            <a:pPr fontAlgn="base">
-              <a:spcBef>
-                <a:spcPts val="600"/>
-              </a:spcBef>
-              <a:spcAft>
-                <a:spcPct val="0"/>
-              </a:spcAft>
-              <a:buClr>
-                <a:srgbClr val="F0AB00"/>
-              </a:buClr>
-              <a:buSzPct val="80000"/>
-            </a:pPr>
-            <a:endParaRPr lang="en-US" sz="1800" kern="0" dirty="0" err="1">
-              <a:ea typeface="Arial Unicode MS" pitchFamily="34" charset="-128"/>
-              <a:cs typeface="Arial Unicode MS" pitchFamily="34" charset="-128"/>
-            </a:endParaRPr>
-          </a:p>
-        </p:txBody>
-      </p:sp>
     </p:spTree>
     <p:extLst>
       <p:ext uri="{BB962C8B-B14F-4D97-AF65-F5344CB8AC3E}">
-        <p14:creationId xmlns:p14="http://schemas.microsoft.com/office/powerpoint/2010/main" val="1942528542"/>
+        <p14:creationId xmlns:p14="http://schemas.microsoft.com/office/powerpoint/2010/main" val="3133815683"/>
       </p:ext>
     </p:extLst>
   </p:cSld>

--- a/modules/4. ML Algorithms/2. Classification/Classification_LR_DT.pptx
+++ b/modules/4. ML Algorithms/2. Classification/Classification_LR_DT.pptx
@@ -5,10 +5,10 @@
     <p:sldMasterId id="2147483738" r:id="rId1"/>
   </p:sldMasterIdLst>
   <p:notesMasterIdLst>
-    <p:notesMasterId r:id="rId18"/>
+    <p:notesMasterId r:id="rId29"/>
   </p:notesMasterIdLst>
   <p:handoutMasterIdLst>
-    <p:handoutMasterId r:id="rId19"/>
+    <p:handoutMasterId r:id="rId30"/>
   </p:handoutMasterIdLst>
   <p:sldIdLst>
     <p:sldId id="362" r:id="rId2"/>
@@ -17,27 +17,42 @@
     <p:sldId id="374" r:id="rId5"/>
     <p:sldId id="377" r:id="rId6"/>
     <p:sldId id="378" r:id="rId7"/>
-    <p:sldId id="382" r:id="rId8"/>
-    <p:sldId id="385" r:id="rId9"/>
-    <p:sldId id="383" r:id="rId10"/>
-    <p:sldId id="384" r:id="rId11"/>
-    <p:sldId id="386" r:id="rId12"/>
-    <p:sldId id="387" r:id="rId13"/>
-    <p:sldId id="284" r:id="rId14"/>
-    <p:sldId id="365" r:id="rId15"/>
-    <p:sldId id="265" r:id="rId16"/>
-    <p:sldId id="339" r:id="rId17"/>
+    <p:sldId id="390" r:id="rId8"/>
+    <p:sldId id="389" r:id="rId9"/>
+    <p:sldId id="392" r:id="rId10"/>
+    <p:sldId id="388" r:id="rId11"/>
+    <p:sldId id="391" r:id="rId12"/>
+    <p:sldId id="382" r:id="rId13"/>
+    <p:sldId id="385" r:id="rId14"/>
+    <p:sldId id="383" r:id="rId15"/>
+    <p:sldId id="384" r:id="rId16"/>
+    <p:sldId id="386" r:id="rId17"/>
+    <p:sldId id="387" r:id="rId18"/>
+    <p:sldId id="396" r:id="rId19"/>
+    <p:sldId id="398" r:id="rId20"/>
+    <p:sldId id="397" r:id="rId21"/>
+    <p:sldId id="395" r:id="rId22"/>
+    <p:sldId id="394" r:id="rId23"/>
+    <p:sldId id="393" r:id="rId24"/>
+    <p:sldId id="284" r:id="rId25"/>
+    <p:sldId id="365" r:id="rId26"/>
+    <p:sldId id="265" r:id="rId27"/>
+    <p:sldId id="339" r:id="rId28"/>
   </p:sldIdLst>
   <p:sldSz cx="12195175" cy="6859588"/>
   <p:notesSz cx="6797675" cy="9874250"/>
   <p:embeddedFontLst>
     <p:embeddedFont>
       <p:font typeface="Arial Unicode MS" panose="020B0604020202020204" charset="-128"/>
-      <p:regular r:id="rId20"/>
+      <p:regular r:id="rId31"/>
+    </p:embeddedFont>
+    <p:embeddedFont>
+      <p:font typeface="MS PGothic" panose="020B0600070205080204" pitchFamily="34" charset="-128"/>
+      <p:regular r:id="rId32"/>
     </p:embeddedFont>
     <p:embeddedFont>
       <p:font typeface="Cambria Math" panose="02040503050406030204" pitchFamily="18" charset="0"/>
-      <p:regular r:id="rId21"/>
+      <p:regular r:id="rId33"/>
     </p:embeddedFont>
   </p:embeddedFontLst>
   <p:defaultTextStyle>
@@ -664,31 +679,7 @@
       </p:grpSpPr>
       <p:sp>
         <p:nvSpPr>
-          <p:cNvPr id="4" name="Slide Number Placeholder 3"/>
-          <p:cNvSpPr>
-            <a:spLocks noGrp="1"/>
-          </p:cNvSpPr>
-          <p:nvPr>
-            <p:ph type="sldNum" sz="quarter" idx="10"/>
-          </p:nvPr>
-        </p:nvSpPr>
-        <p:spPr/>
-        <p:txBody>
-          <a:bodyPr/>
-          <a:lstStyle/>
-          <a:p>
-            <a:fld id="{7D8C2C35-2B8A-446E-BEC0-FD36716C29AC}" type="slidenum">
-              <a:rPr lang="en-US" smtClean="0"/>
-              <a:pPr/>
-              <a:t>14</a:t>
-            </a:fld>
-            <a:endParaRPr lang="en-US" dirty="0"/>
-          </a:p>
-        </p:txBody>
-      </p:sp>
-      <p:sp>
-        <p:nvSpPr>
-          <p:cNvPr id="3" name="Slide Image Placeholder 2"/>
+          <p:cNvPr id="2" name="Slide Image Placeholder 1"/>
           <p:cNvSpPr>
             <a:spLocks noGrp="1" noRot="1" noChangeAspect="1"/>
           </p:cNvSpPr>
@@ -700,7 +691,7 @@
       </p:sp>
       <p:sp>
         <p:nvSpPr>
-          <p:cNvPr id="5" name="Notes Placeholder 4"/>
+          <p:cNvPr id="3" name="Notes Placeholder 2"/>
           <p:cNvSpPr>
             <a:spLocks noGrp="1"/>
           </p:cNvSpPr>
@@ -713,14 +704,44 @@
           <a:bodyPr/>
           <a:lstStyle/>
           <a:p>
+            <a:r>
+              <a:rPr lang="en-US" dirty="0">
+                <a:hlinkClick r:id="rId3"/>
+              </a:rPr>
+              <a:t>https://victorzhou.com/blog/gini-impurity/</a:t>
+            </a:r>
             <a:endParaRPr lang="en-US" dirty="0"/>
+          </a:p>
+        </p:txBody>
+      </p:sp>
+      <p:sp>
+        <p:nvSpPr>
+          <p:cNvPr id="4" name="Slide Number Placeholder 3"/>
+          <p:cNvSpPr>
+            <a:spLocks noGrp="1"/>
+          </p:cNvSpPr>
+          <p:nvPr>
+            <p:ph type="sldNum" sz="quarter" idx="5"/>
+          </p:nvPr>
+        </p:nvSpPr>
+        <p:spPr/>
+        <p:txBody>
+          <a:bodyPr/>
+          <a:lstStyle/>
+          <a:p>
+            <a:fld id="{7D8C2C35-2B8A-446E-BEC0-FD36716C29AC}" type="slidenum">
+              <a:rPr lang="de-DE" smtClean="0"/>
+              <a:pPr/>
+              <a:t>19</a:t>
+            </a:fld>
+            <a:endParaRPr lang="de-DE" dirty="0"/>
           </a:p>
         </p:txBody>
       </p:sp>
     </p:spTree>
     <p:extLst>
       <p:ext uri="{BB962C8B-B14F-4D97-AF65-F5344CB8AC3E}">
-        <p14:creationId xmlns:p14="http://schemas.microsoft.com/office/powerpoint/2010/main" val="4291615762"/>
+        <p14:creationId xmlns:p14="http://schemas.microsoft.com/office/powerpoint/2010/main" val="1637257711"/>
       </p:ext>
     </p:extLst>
   </p:cSld>
@@ -731,6 +752,230 @@
 </file>
 
 <file path=ppt/notesSlides/notesSlide11.xml><?xml version="1.0" encoding="utf-8"?>
+<p:notes xmlns:a="http://schemas.openxmlformats.org/drawingml/2006/main" xmlns:r="http://schemas.openxmlformats.org/officeDocument/2006/relationships" xmlns:p="http://schemas.openxmlformats.org/presentationml/2006/main">
+  <p:cSld>
+    <p:spTree>
+      <p:nvGrpSpPr>
+        <p:cNvPr id="1" name=""/>
+        <p:cNvGrpSpPr/>
+        <p:nvPr/>
+      </p:nvGrpSpPr>
+      <p:grpSpPr>
+        <a:xfrm>
+          <a:off x="0" y="0"/>
+          <a:ext cx="0" cy="0"/>
+          <a:chOff x="0" y="0"/>
+          <a:chExt cx="0" cy="0"/>
+        </a:xfrm>
+      </p:grpSpPr>
+      <p:sp>
+        <p:nvSpPr>
+          <p:cNvPr id="2" name="Slide Image Placeholder 1"/>
+          <p:cNvSpPr>
+            <a:spLocks noGrp="1" noRot="1" noChangeAspect="1"/>
+          </p:cNvSpPr>
+          <p:nvPr>
+            <p:ph type="sldImg"/>
+          </p:nvPr>
+        </p:nvSpPr>
+        <p:spPr/>
+      </p:sp>
+      <p:sp>
+        <p:nvSpPr>
+          <p:cNvPr id="3" name="Notes Placeholder 2"/>
+          <p:cNvSpPr>
+            <a:spLocks noGrp="1"/>
+          </p:cNvSpPr>
+          <p:nvPr>
+            <p:ph type="body" idx="1"/>
+          </p:nvPr>
+        </p:nvSpPr>
+        <p:spPr/>
+        <p:txBody>
+          <a:bodyPr/>
+          <a:lstStyle/>
+          <a:p>
+            <a:pPr algn="l"/>
+            <a:r>
+              <a:rPr lang="en-US" b="1" i="0" dirty="0">
+                <a:effectLst/>
+                <a:latin typeface="medium-content-sans-serif-font"/>
+              </a:rPr>
+              <a:t>Real Life Analogy:</a:t>
+            </a:r>
+          </a:p>
+          <a:p>
+            <a:pPr algn="l"/>
+            <a:r>
+              <a:rPr lang="en-US" b="0" i="0" dirty="0">
+                <a:effectLst/>
+                <a:latin typeface="medium-content-serif-font"/>
+              </a:rPr>
+              <a:t>Imagine a guy named Andrew, that want’s to decide, to which places he should travel during a one-year vacation trip. He asks people who know him for advice. First, he goes to a friend, </a:t>
+            </a:r>
+            <a:r>
+              <a:rPr lang="en-US" b="0" i="0" dirty="0" err="1">
+                <a:effectLst/>
+                <a:latin typeface="medium-content-serif-font"/>
+              </a:rPr>
+              <a:t>tha</a:t>
+            </a:r>
+            <a:r>
+              <a:rPr lang="en-US" b="0" i="0" dirty="0">
+                <a:effectLst/>
+                <a:latin typeface="medium-content-serif-font"/>
+              </a:rPr>
+              <a:t> asks Andrew where he traveled to in the past and if he liked it or not. Based on the answers, he will give Andrew some advice.</a:t>
+            </a:r>
+          </a:p>
+          <a:p>
+            <a:pPr algn="l"/>
+            <a:r>
+              <a:rPr lang="en-US" b="0" i="0" dirty="0">
+                <a:effectLst/>
+                <a:latin typeface="medium-content-serif-font"/>
+              </a:rPr>
+              <a:t>This is a typical decision tree algorithm approach. Andrews friend created rules to guide his decision about what he should recommend, by using the answers of Andrew.</a:t>
+            </a:r>
+          </a:p>
+          <a:p>
+            <a:pPr algn="l"/>
+            <a:r>
+              <a:rPr lang="en-US" b="0" i="0" dirty="0">
+                <a:effectLst/>
+                <a:latin typeface="medium-content-serif-font"/>
+              </a:rPr>
+              <a:t>Afterwards, Andrew starts asking more and more of his friends to advise him and they again ask him different questions, where they can derive some recommendations from. Then he chooses the places that where recommend the most to him, which is the typical Random Forest algorithm approach.</a:t>
+            </a:r>
+          </a:p>
+          <a:p>
+            <a:endParaRPr lang="en-US" dirty="0"/>
+          </a:p>
+        </p:txBody>
+      </p:sp>
+      <p:sp>
+        <p:nvSpPr>
+          <p:cNvPr id="4" name="Slide Number Placeholder 3"/>
+          <p:cNvSpPr>
+            <a:spLocks noGrp="1"/>
+          </p:cNvSpPr>
+          <p:nvPr>
+            <p:ph type="sldNum" sz="quarter" idx="5"/>
+          </p:nvPr>
+        </p:nvSpPr>
+        <p:spPr/>
+        <p:txBody>
+          <a:bodyPr/>
+          <a:lstStyle/>
+          <a:p>
+            <a:fld id="{7D8C2C35-2B8A-446E-BEC0-FD36716C29AC}" type="slidenum">
+              <a:rPr lang="de-DE" smtClean="0"/>
+              <a:pPr/>
+              <a:t>20</a:t>
+            </a:fld>
+            <a:endParaRPr lang="de-DE" dirty="0"/>
+          </a:p>
+        </p:txBody>
+      </p:sp>
+    </p:spTree>
+    <p:extLst>
+      <p:ext uri="{BB962C8B-B14F-4D97-AF65-F5344CB8AC3E}">
+        <p14:creationId xmlns:p14="http://schemas.microsoft.com/office/powerpoint/2010/main" val="3483042748"/>
+      </p:ext>
+    </p:extLst>
+  </p:cSld>
+  <p:clrMapOvr>
+    <a:masterClrMapping/>
+  </p:clrMapOvr>
+</p:notes>
+</file>
+
+<file path=ppt/notesSlides/notesSlide12.xml><?xml version="1.0" encoding="utf-8"?>
+<p:notes xmlns:a="http://schemas.openxmlformats.org/drawingml/2006/main" xmlns:r="http://schemas.openxmlformats.org/officeDocument/2006/relationships" xmlns:p="http://schemas.openxmlformats.org/presentationml/2006/main">
+  <p:cSld>
+    <p:spTree>
+      <p:nvGrpSpPr>
+        <p:cNvPr id="1" name=""/>
+        <p:cNvGrpSpPr/>
+        <p:nvPr/>
+      </p:nvGrpSpPr>
+      <p:grpSpPr>
+        <a:xfrm>
+          <a:off x="0" y="0"/>
+          <a:ext cx="0" cy="0"/>
+          <a:chOff x="0" y="0"/>
+          <a:chExt cx="0" cy="0"/>
+        </a:xfrm>
+      </p:grpSpPr>
+      <p:sp>
+        <p:nvSpPr>
+          <p:cNvPr id="2" name="Slide Image Placeholder 1"/>
+          <p:cNvSpPr>
+            <a:spLocks noGrp="1" noRot="1" noChangeAspect="1"/>
+          </p:cNvSpPr>
+          <p:nvPr>
+            <p:ph type="sldImg"/>
+          </p:nvPr>
+        </p:nvSpPr>
+        <p:spPr/>
+      </p:sp>
+      <p:sp>
+        <p:nvSpPr>
+          <p:cNvPr id="3" name="Notes Placeholder 2"/>
+          <p:cNvSpPr>
+            <a:spLocks noGrp="1"/>
+          </p:cNvSpPr>
+          <p:nvPr>
+            <p:ph type="body" idx="1"/>
+          </p:nvPr>
+        </p:nvSpPr>
+        <p:spPr/>
+        <p:txBody>
+          <a:bodyPr/>
+          <a:lstStyle/>
+          <a:p>
+            <a:endParaRPr lang="en-US" dirty="0"/>
+          </a:p>
+        </p:txBody>
+      </p:sp>
+      <p:sp>
+        <p:nvSpPr>
+          <p:cNvPr id="4" name="Slide Number Placeholder 3"/>
+          <p:cNvSpPr>
+            <a:spLocks noGrp="1"/>
+          </p:cNvSpPr>
+          <p:nvPr>
+            <p:ph type="sldNum" sz="quarter" idx="5"/>
+          </p:nvPr>
+        </p:nvSpPr>
+        <p:spPr/>
+        <p:txBody>
+          <a:bodyPr/>
+          <a:lstStyle/>
+          <a:p>
+            <a:fld id="{7D8C2C35-2B8A-446E-BEC0-FD36716C29AC}" type="slidenum">
+              <a:rPr lang="de-DE" smtClean="0"/>
+              <a:pPr/>
+              <a:t>21</a:t>
+            </a:fld>
+            <a:endParaRPr lang="de-DE" dirty="0"/>
+          </a:p>
+        </p:txBody>
+      </p:sp>
+    </p:spTree>
+    <p:extLst>
+      <p:ext uri="{BB962C8B-B14F-4D97-AF65-F5344CB8AC3E}">
+        <p14:creationId xmlns:p14="http://schemas.microsoft.com/office/powerpoint/2010/main" val="1427410555"/>
+      </p:ext>
+    </p:extLst>
+  </p:cSld>
+  <p:clrMapOvr>
+    <a:masterClrMapping/>
+  </p:clrMapOvr>
+</p:notes>
+</file>
+
+<file path=ppt/notesSlides/notesSlide13.xml><?xml version="1.0" encoding="utf-8"?>
 <p:notes xmlns:a="http://schemas.openxmlformats.org/drawingml/2006/main" xmlns:r="http://schemas.openxmlformats.org/officeDocument/2006/relationships" xmlns:p="http://schemas.openxmlformats.org/presentationml/2006/main">
   <p:cSld>
     <p:spTree>
@@ -765,7 +1010,7 @@
             <a:fld id="{7D8C2C35-2B8A-446E-BEC0-FD36716C29AC}" type="slidenum">
               <a:rPr lang="en-US" smtClean="0"/>
               <a:pPr/>
-              <a:t>15</a:t>
+              <a:t>24</a:t>
             </a:fld>
             <a:endParaRPr lang="en-US" dirty="0"/>
           </a:p>
@@ -805,7 +1050,7 @@
     </p:spTree>
     <p:extLst>
       <p:ext uri="{BB962C8B-B14F-4D97-AF65-F5344CB8AC3E}">
-        <p14:creationId xmlns:p14="http://schemas.microsoft.com/office/powerpoint/2010/main" val="1186774464"/>
+        <p14:creationId xmlns:p14="http://schemas.microsoft.com/office/powerpoint/2010/main" val="2360736114"/>
       </p:ext>
     </p:extLst>
   </p:cSld>
@@ -815,7 +1060,7 @@
 </p:notes>
 </file>
 
-<file path=ppt/notesSlides/notesSlide12.xml><?xml version="1.0" encoding="utf-8"?>
+<file path=ppt/notesSlides/notesSlide14.xml><?xml version="1.0" encoding="utf-8"?>
 <p:notes xmlns:a="http://schemas.openxmlformats.org/drawingml/2006/main" xmlns:r="http://schemas.openxmlformats.org/officeDocument/2006/relationships" xmlns:p="http://schemas.openxmlformats.org/presentationml/2006/main">
   <p:cSld>
     <p:spTree>
@@ -850,7 +1095,177 @@
             <a:fld id="{7D8C2C35-2B8A-446E-BEC0-FD36716C29AC}" type="slidenum">
               <a:rPr lang="en-US" smtClean="0"/>
               <a:pPr/>
-              <a:t>16</a:t>
+              <a:t>25</a:t>
+            </a:fld>
+            <a:endParaRPr lang="en-US" dirty="0"/>
+          </a:p>
+        </p:txBody>
+      </p:sp>
+      <p:sp>
+        <p:nvSpPr>
+          <p:cNvPr id="3" name="Slide Image Placeholder 2"/>
+          <p:cNvSpPr>
+            <a:spLocks noGrp="1" noRot="1" noChangeAspect="1"/>
+          </p:cNvSpPr>
+          <p:nvPr>
+            <p:ph type="sldImg"/>
+          </p:nvPr>
+        </p:nvSpPr>
+        <p:spPr/>
+      </p:sp>
+      <p:sp>
+        <p:nvSpPr>
+          <p:cNvPr id="5" name="Notes Placeholder 4"/>
+          <p:cNvSpPr>
+            <a:spLocks noGrp="1"/>
+          </p:cNvSpPr>
+          <p:nvPr>
+            <p:ph type="body" idx="1"/>
+          </p:nvPr>
+        </p:nvSpPr>
+        <p:spPr/>
+        <p:txBody>
+          <a:bodyPr/>
+          <a:lstStyle/>
+          <a:p>
+            <a:endParaRPr lang="en-US" dirty="0"/>
+          </a:p>
+        </p:txBody>
+      </p:sp>
+    </p:spTree>
+    <p:extLst>
+      <p:ext uri="{BB962C8B-B14F-4D97-AF65-F5344CB8AC3E}">
+        <p14:creationId xmlns:p14="http://schemas.microsoft.com/office/powerpoint/2010/main" val="4291615762"/>
+      </p:ext>
+    </p:extLst>
+  </p:cSld>
+  <p:clrMapOvr>
+    <a:masterClrMapping/>
+  </p:clrMapOvr>
+</p:notes>
+</file>
+
+<file path=ppt/notesSlides/notesSlide15.xml><?xml version="1.0" encoding="utf-8"?>
+<p:notes xmlns:a="http://schemas.openxmlformats.org/drawingml/2006/main" xmlns:r="http://schemas.openxmlformats.org/officeDocument/2006/relationships" xmlns:p="http://schemas.openxmlformats.org/presentationml/2006/main">
+  <p:cSld>
+    <p:spTree>
+      <p:nvGrpSpPr>
+        <p:cNvPr id="1" name=""/>
+        <p:cNvGrpSpPr/>
+        <p:nvPr/>
+      </p:nvGrpSpPr>
+      <p:grpSpPr>
+        <a:xfrm>
+          <a:off x="0" y="0"/>
+          <a:ext cx="0" cy="0"/>
+          <a:chOff x="0" y="0"/>
+          <a:chExt cx="0" cy="0"/>
+        </a:xfrm>
+      </p:grpSpPr>
+      <p:sp>
+        <p:nvSpPr>
+          <p:cNvPr id="4" name="Slide Number Placeholder 3"/>
+          <p:cNvSpPr>
+            <a:spLocks noGrp="1"/>
+          </p:cNvSpPr>
+          <p:nvPr>
+            <p:ph type="sldNum" sz="quarter" idx="10"/>
+          </p:nvPr>
+        </p:nvSpPr>
+        <p:spPr/>
+        <p:txBody>
+          <a:bodyPr/>
+          <a:lstStyle/>
+          <a:p>
+            <a:fld id="{7D8C2C35-2B8A-446E-BEC0-FD36716C29AC}" type="slidenum">
+              <a:rPr lang="en-US" smtClean="0"/>
+              <a:pPr/>
+              <a:t>26</a:t>
+            </a:fld>
+            <a:endParaRPr lang="en-US" dirty="0"/>
+          </a:p>
+        </p:txBody>
+      </p:sp>
+      <p:sp>
+        <p:nvSpPr>
+          <p:cNvPr id="3" name="Slide Image Placeholder 2"/>
+          <p:cNvSpPr>
+            <a:spLocks noGrp="1" noRot="1" noChangeAspect="1"/>
+          </p:cNvSpPr>
+          <p:nvPr>
+            <p:ph type="sldImg"/>
+          </p:nvPr>
+        </p:nvSpPr>
+        <p:spPr/>
+      </p:sp>
+      <p:sp>
+        <p:nvSpPr>
+          <p:cNvPr id="5" name="Notes Placeholder 4"/>
+          <p:cNvSpPr>
+            <a:spLocks noGrp="1"/>
+          </p:cNvSpPr>
+          <p:nvPr>
+            <p:ph type="body" idx="1"/>
+          </p:nvPr>
+        </p:nvSpPr>
+        <p:spPr/>
+        <p:txBody>
+          <a:bodyPr/>
+          <a:lstStyle/>
+          <a:p>
+            <a:endParaRPr lang="en-US"/>
+          </a:p>
+        </p:txBody>
+      </p:sp>
+    </p:spTree>
+    <p:extLst>
+      <p:ext uri="{BB962C8B-B14F-4D97-AF65-F5344CB8AC3E}">
+        <p14:creationId xmlns:p14="http://schemas.microsoft.com/office/powerpoint/2010/main" val="1186774464"/>
+      </p:ext>
+    </p:extLst>
+  </p:cSld>
+  <p:clrMapOvr>
+    <a:masterClrMapping/>
+  </p:clrMapOvr>
+</p:notes>
+</file>
+
+<file path=ppt/notesSlides/notesSlide16.xml><?xml version="1.0" encoding="utf-8"?>
+<p:notes xmlns:a="http://schemas.openxmlformats.org/drawingml/2006/main" xmlns:r="http://schemas.openxmlformats.org/officeDocument/2006/relationships" xmlns:p="http://schemas.openxmlformats.org/presentationml/2006/main">
+  <p:cSld>
+    <p:spTree>
+      <p:nvGrpSpPr>
+        <p:cNvPr id="1" name=""/>
+        <p:cNvGrpSpPr/>
+        <p:nvPr/>
+      </p:nvGrpSpPr>
+      <p:grpSpPr>
+        <a:xfrm>
+          <a:off x="0" y="0"/>
+          <a:ext cx="0" cy="0"/>
+          <a:chOff x="0" y="0"/>
+          <a:chExt cx="0" cy="0"/>
+        </a:xfrm>
+      </p:grpSpPr>
+      <p:sp>
+        <p:nvSpPr>
+          <p:cNvPr id="4" name="Slide Number Placeholder 3"/>
+          <p:cNvSpPr>
+            <a:spLocks noGrp="1"/>
+          </p:cNvSpPr>
+          <p:nvPr>
+            <p:ph type="sldNum" sz="quarter" idx="10"/>
+          </p:nvPr>
+        </p:nvSpPr>
+        <p:spPr/>
+        <p:txBody>
+          <a:bodyPr/>
+          <a:lstStyle/>
+          <a:p>
+            <a:fld id="{7D8C2C35-2B8A-446E-BEC0-FD36716C29AC}" type="slidenum">
+              <a:rPr lang="en-US" smtClean="0"/>
+              <a:pPr/>
+              <a:t>27</a:t>
             </a:fld>
             <a:endParaRPr lang="en-US" dirty="0"/>
           </a:p>
@@ -1712,7 +2127,7 @@
             <a:fld id="{7D8C2C35-2B8A-446E-BEC0-FD36716C29AC}" type="slidenum">
               <a:rPr lang="de-DE" smtClean="0"/>
               <a:pPr/>
-              <a:t>9</a:t>
+              <a:t>14</a:t>
             </a:fld>
             <a:endParaRPr lang="de-DE" dirty="0"/>
           </a:p>
@@ -1905,7 +2320,7 @@
             <a:fld id="{7D8C2C35-2B8A-446E-BEC0-FD36716C29AC}" type="slidenum">
               <a:rPr lang="de-DE" smtClean="0"/>
               <a:pPr/>
-              <a:t>11</a:t>
+              <a:t>16</a:t>
             </a:fld>
             <a:endParaRPr lang="de-DE" dirty="0"/>
           </a:p>
@@ -2016,6 +2431,42 @@
               </a:rPr>
               <a:t>Our model has a recall of 0.11—in other words, it correctly identifies 11% of all malignant tumors.</a:t>
             </a:r>
+          </a:p>
+          <a:p>
+            <a:endParaRPr lang="en-US" sz="1400" b="0" i="0" kern="1200" dirty="0">
+              <a:solidFill>
+                <a:schemeClr val="tx1"/>
+              </a:solidFill>
+              <a:effectLst/>
+              <a:latin typeface="+mn-lt"/>
+              <a:ea typeface="+mn-ea"/>
+              <a:cs typeface="+mn-cs"/>
+            </a:endParaRPr>
+          </a:p>
+          <a:p>
+            <a:endParaRPr lang="en-US" sz="1400" b="0" i="0" kern="1200" dirty="0">
+              <a:solidFill>
+                <a:schemeClr val="tx1"/>
+              </a:solidFill>
+              <a:effectLst/>
+              <a:latin typeface="+mn-lt"/>
+              <a:ea typeface="+mn-ea"/>
+              <a:cs typeface="+mn-cs"/>
+            </a:endParaRPr>
+          </a:p>
+          <a:p>
+            <a:r>
+              <a:rPr lang="en-US" sz="1400" b="0" i="0" kern="1200" dirty="0">
+                <a:solidFill>
+                  <a:schemeClr val="tx1"/>
+                </a:solidFill>
+                <a:effectLst/>
+                <a:latin typeface="+mn-lt"/>
+                <a:ea typeface="+mn-ea"/>
+                <a:cs typeface="+mn-cs"/>
+              </a:rPr>
+              <a:t>Homework Roc and AUC</a:t>
+            </a:r>
             <a:endParaRPr lang="en-US" dirty="0"/>
           </a:p>
         </p:txBody>
@@ -2038,7 +2489,7 @@
             <a:fld id="{7D8C2C35-2B8A-446E-BEC0-FD36716C29AC}" type="slidenum">
               <a:rPr lang="de-DE" smtClean="0"/>
               <a:pPr/>
-              <a:t>12</a:t>
+              <a:t>17</a:t>
             </a:fld>
             <a:endParaRPr lang="de-DE" dirty="0"/>
           </a:p>
@@ -2076,31 +2527,7 @@
       </p:grpSpPr>
       <p:sp>
         <p:nvSpPr>
-          <p:cNvPr id="4" name="Slide Number Placeholder 3"/>
-          <p:cNvSpPr>
-            <a:spLocks noGrp="1"/>
-          </p:cNvSpPr>
-          <p:nvPr>
-            <p:ph type="sldNum" sz="quarter" idx="10"/>
-          </p:nvPr>
-        </p:nvSpPr>
-        <p:spPr/>
-        <p:txBody>
-          <a:bodyPr/>
-          <a:lstStyle/>
-          <a:p>
-            <a:fld id="{7D8C2C35-2B8A-446E-BEC0-FD36716C29AC}" type="slidenum">
-              <a:rPr lang="en-US" smtClean="0"/>
-              <a:pPr/>
-              <a:t>13</a:t>
-            </a:fld>
-            <a:endParaRPr lang="en-US" dirty="0"/>
-          </a:p>
-        </p:txBody>
-      </p:sp>
-      <p:sp>
-        <p:nvSpPr>
-          <p:cNvPr id="3" name="Slide Image Placeholder 2"/>
+          <p:cNvPr id="2" name="Slide Image Placeholder 1"/>
           <p:cNvSpPr>
             <a:spLocks noGrp="1" noRot="1" noChangeAspect="1"/>
           </p:cNvSpPr>
@@ -2112,7 +2539,7 @@
       </p:sp>
       <p:sp>
         <p:nvSpPr>
-          <p:cNvPr id="5" name="Notes Placeholder 4"/>
+          <p:cNvPr id="3" name="Notes Placeholder 2"/>
           <p:cNvSpPr>
             <a:spLocks noGrp="1"/>
           </p:cNvSpPr>
@@ -2125,14 +2552,183 @@
           <a:bodyPr/>
           <a:lstStyle/>
           <a:p>
-            <a:endParaRPr lang="en-US"/>
+            <a:pPr algn="l"/>
+            <a:r>
+              <a:rPr lang="en-US" b="0" i="0" dirty="0">
+                <a:effectLst/>
+                <a:latin typeface="medium-content-serif-font"/>
+              </a:rPr>
+              <a:t>if we are classifying </a:t>
+            </a:r>
+            <a:r>
+              <a:rPr lang="en-US" b="0" i="1" dirty="0">
+                <a:effectLst/>
+                <a:latin typeface="medium-content-serif-font"/>
+              </a:rPr>
+              <a:t>bank loan </a:t>
+            </a:r>
+            <a:r>
+              <a:rPr lang="en-US" b="0" i="0" dirty="0">
+                <a:effectLst/>
+                <a:latin typeface="medium-content-serif-font"/>
+              </a:rPr>
+              <a:t>application for a customer, the decision tree may look like this</a:t>
+            </a:r>
+          </a:p>
+          <a:p>
+            <a:pPr algn="l"/>
+            <a:r>
+              <a:rPr lang="en-US" b="0" i="0" dirty="0">
+                <a:effectLst/>
+                <a:latin typeface="medium-content-serif-font"/>
+              </a:rPr>
+              <a:t>Here we can see the logic how it is making the decision.</a:t>
+            </a:r>
+          </a:p>
+          <a:p>
+            <a:pPr algn="l"/>
+            <a:r>
+              <a:rPr lang="en-US" b="0" i="0" dirty="0">
+                <a:effectLst/>
+                <a:latin typeface="medium-content-serif-font"/>
+              </a:rPr>
+              <a:t>It’s simple and clear.</a:t>
+            </a:r>
+          </a:p>
+          <a:p>
+            <a:pPr algn="l"/>
+            <a:endParaRPr lang="en-US" b="0" i="0" dirty="0">
+              <a:effectLst/>
+              <a:latin typeface="medium-content-serif-font"/>
+            </a:endParaRPr>
+          </a:p>
+          <a:p>
+            <a:pPr algn="l"/>
+            <a:r>
+              <a:rPr lang="en-US" b="0" i="0" dirty="0">
+                <a:effectLst/>
+                <a:latin typeface="medium-content-serif-font"/>
+              </a:rPr>
+              <a:t>Why Decision trees:- </a:t>
+            </a:r>
+          </a:p>
+          <a:p>
+            <a:pPr algn="l"/>
+            <a:endParaRPr lang="en-US" b="0" i="0" dirty="0">
+              <a:effectLst/>
+              <a:latin typeface="medium-content-serif-font"/>
+            </a:endParaRPr>
+          </a:p>
+          <a:p>
+            <a:r>
+              <a:rPr lang="en-US" sz="1400" b="0" i="0" kern="1200" dirty="0">
+                <a:solidFill>
+                  <a:schemeClr val="tx1"/>
+                </a:solidFill>
+                <a:effectLst/>
+                <a:latin typeface="+mn-lt"/>
+                <a:ea typeface="+mn-ea"/>
+                <a:cs typeface="+mn-cs"/>
+              </a:rPr>
+              <a:t>Decision tress often mimic the human level thinking so its so simple to understand the data and make some good interpretations.</a:t>
+            </a:r>
+          </a:p>
+          <a:p>
+            <a:r>
+              <a:rPr lang="en-US" sz="1400" b="0" i="0" kern="1200" dirty="0">
+                <a:solidFill>
+                  <a:schemeClr val="tx1"/>
+                </a:solidFill>
+                <a:effectLst/>
+                <a:latin typeface="+mn-lt"/>
+                <a:ea typeface="+mn-ea"/>
+                <a:cs typeface="+mn-cs"/>
+              </a:rPr>
+              <a:t>Decision trees actually make you see the logic for the data to interpret(not like black box algorithms like </a:t>
+            </a:r>
+            <a:r>
+              <a:rPr lang="en-US" sz="1400" b="0" i="0" kern="1200" dirty="0" err="1">
+                <a:solidFill>
+                  <a:schemeClr val="tx1"/>
+                </a:solidFill>
+                <a:effectLst/>
+                <a:latin typeface="+mn-lt"/>
+                <a:ea typeface="+mn-ea"/>
+                <a:cs typeface="+mn-cs"/>
+              </a:rPr>
+              <a:t>SVM,NN,etc</a:t>
+            </a:r>
+            <a:r>
+              <a:rPr lang="en-US" sz="1400" b="0" i="0" kern="1200" dirty="0">
+                <a:solidFill>
+                  <a:schemeClr val="tx1"/>
+                </a:solidFill>
+                <a:effectLst/>
+                <a:latin typeface="+mn-lt"/>
+                <a:ea typeface="+mn-ea"/>
+                <a:cs typeface="+mn-cs"/>
+              </a:rPr>
+              <a:t>..)</a:t>
+            </a:r>
+          </a:p>
+          <a:p>
+            <a:pPr algn="l"/>
+            <a:endParaRPr lang="en-US" b="0" i="0" dirty="0">
+              <a:effectLst/>
+              <a:latin typeface="medium-content-serif-font"/>
+            </a:endParaRPr>
+          </a:p>
+          <a:p>
+            <a:endParaRPr lang="en-US" dirty="0"/>
+          </a:p>
+          <a:p>
+            <a:endParaRPr lang="en-US" dirty="0"/>
+          </a:p>
+          <a:p>
+            <a:r>
+              <a:rPr lang="en-US" dirty="0">
+                <a:hlinkClick r:id="rId3"/>
+              </a:rPr>
+              <a:t>https://medium.com/deep-math-machine-learning-ai/chapter-4-decision-trees-algorithms-b93975f7a1f1</a:t>
+            </a:r>
+            <a:endParaRPr lang="en-US" dirty="0"/>
+          </a:p>
+          <a:p>
+            <a:endParaRPr lang="en-US" dirty="0"/>
+          </a:p>
+          <a:p>
+            <a:endParaRPr lang="en-US" dirty="0"/>
+          </a:p>
+        </p:txBody>
+      </p:sp>
+      <p:sp>
+        <p:nvSpPr>
+          <p:cNvPr id="4" name="Slide Number Placeholder 3"/>
+          <p:cNvSpPr>
+            <a:spLocks noGrp="1"/>
+          </p:cNvSpPr>
+          <p:nvPr>
+            <p:ph type="sldNum" sz="quarter" idx="5"/>
+          </p:nvPr>
+        </p:nvSpPr>
+        <p:spPr/>
+        <p:txBody>
+          <a:bodyPr/>
+          <a:lstStyle/>
+          <a:p>
+            <a:fld id="{7D8C2C35-2B8A-446E-BEC0-FD36716C29AC}" type="slidenum">
+              <a:rPr lang="de-DE" smtClean="0"/>
+              <a:pPr/>
+              <a:t>18</a:t>
+            </a:fld>
+            <a:endParaRPr lang="de-DE" dirty="0"/>
           </a:p>
         </p:txBody>
       </p:sp>
     </p:spTree>
     <p:extLst>
       <p:ext uri="{BB962C8B-B14F-4D97-AF65-F5344CB8AC3E}">
-        <p14:creationId xmlns:p14="http://schemas.microsoft.com/office/powerpoint/2010/main" val="2360736114"/>
+        <p14:creationId xmlns:p14="http://schemas.microsoft.com/office/powerpoint/2010/main" val="3350689027"/>
       </p:ext>
     </p:extLst>
   </p:cSld>
@@ -8562,6 +9158,794 @@
       </p:grpSpPr>
       <p:sp>
         <p:nvSpPr>
+          <p:cNvPr id="2" name="Title 1">
+            <a:extLst>
+              <a:ext uri="{FF2B5EF4-FFF2-40B4-BE49-F238E27FC236}">
+                <a16:creationId xmlns:a16="http://schemas.microsoft.com/office/drawing/2014/main" id="{9C7FAAED-6695-4588-8A93-347A6B850822}"/>
+              </a:ext>
+            </a:extLst>
+          </p:cNvPr>
+          <p:cNvSpPr>
+            <a:spLocks noGrp="1"/>
+          </p:cNvSpPr>
+          <p:nvPr>
+            <p:ph type="title"/>
+          </p:nvPr>
+        </p:nvSpPr>
+        <p:spPr/>
+        <p:txBody>
+          <a:bodyPr/>
+          <a:lstStyle/>
+          <a:p>
+            <a:r>
+              <a:rPr lang="en-US" dirty="0"/>
+              <a:t>Question:-</a:t>
+            </a:r>
+          </a:p>
+        </p:txBody>
+      </p:sp>
+      <p:pic>
+        <p:nvPicPr>
+          <p:cNvPr id="4" name="Picture 3">
+            <a:extLst>
+              <a:ext uri="{FF2B5EF4-FFF2-40B4-BE49-F238E27FC236}">
+                <a16:creationId xmlns:a16="http://schemas.microsoft.com/office/drawing/2014/main" id="{5420CB34-1604-4AFC-98AB-0E0AD44C06E1}"/>
+              </a:ext>
+            </a:extLst>
+          </p:cNvPr>
+          <p:cNvPicPr>
+            <a:picLocks noChangeAspect="1"/>
+          </p:cNvPicPr>
+          <p:nvPr/>
+        </p:nvPicPr>
+        <p:blipFill>
+          <a:blip r:embed="rId2"/>
+          <a:stretch>
+            <a:fillRect/>
+          </a:stretch>
+        </p:blipFill>
+        <p:spPr>
+          <a:xfrm>
+            <a:off x="2347307" y="1243843"/>
+            <a:ext cx="6096302" cy="5028620"/>
+          </a:xfrm>
+          <a:prstGeom prst="rect">
+            <a:avLst/>
+          </a:prstGeom>
+        </p:spPr>
+      </p:pic>
+    </p:spTree>
+    <p:extLst>
+      <p:ext uri="{BB962C8B-B14F-4D97-AF65-F5344CB8AC3E}">
+        <p14:creationId xmlns:p14="http://schemas.microsoft.com/office/powerpoint/2010/main" val="74287949"/>
+      </p:ext>
+    </p:extLst>
+  </p:cSld>
+  <p:clrMapOvr>
+    <a:masterClrMapping/>
+  </p:clrMapOvr>
+</p:sld>
+</file>
+
+<file path=ppt/slides/slide11.xml><?xml version="1.0" encoding="utf-8"?>
+<p:sld xmlns:a="http://schemas.openxmlformats.org/drawingml/2006/main" xmlns:r="http://schemas.openxmlformats.org/officeDocument/2006/relationships" xmlns:p="http://schemas.openxmlformats.org/presentationml/2006/main">
+  <p:cSld>
+    <p:spTree>
+      <p:nvGrpSpPr>
+        <p:cNvPr id="1" name=""/>
+        <p:cNvGrpSpPr/>
+        <p:nvPr/>
+      </p:nvGrpSpPr>
+      <p:grpSpPr>
+        <a:xfrm>
+          <a:off x="0" y="0"/>
+          <a:ext cx="0" cy="0"/>
+          <a:chOff x="0" y="0"/>
+          <a:chExt cx="0" cy="0"/>
+        </a:xfrm>
+      </p:grpSpPr>
+      <p:pic>
+        <p:nvPicPr>
+          <p:cNvPr id="4" name="Picture 3">
+            <a:extLst>
+              <a:ext uri="{FF2B5EF4-FFF2-40B4-BE49-F238E27FC236}">
+                <a16:creationId xmlns:a16="http://schemas.microsoft.com/office/drawing/2014/main" id="{D4AE1ECF-FDD6-4CA8-82B8-0EA803FCA97E}"/>
+              </a:ext>
+            </a:extLst>
+          </p:cNvPr>
+          <p:cNvPicPr>
+            <a:picLocks noChangeAspect="1"/>
+          </p:cNvPicPr>
+          <p:nvPr/>
+        </p:nvPicPr>
+        <p:blipFill>
+          <a:blip r:embed="rId2"/>
+          <a:stretch>
+            <a:fillRect/>
+          </a:stretch>
+        </p:blipFill>
+        <p:spPr>
+          <a:xfrm>
+            <a:off x="-1" y="476884"/>
+            <a:ext cx="12195175" cy="5633448"/>
+          </a:xfrm>
+          <a:prstGeom prst="rect">
+            <a:avLst/>
+          </a:prstGeom>
+        </p:spPr>
+      </p:pic>
+    </p:spTree>
+    <p:extLst>
+      <p:ext uri="{BB962C8B-B14F-4D97-AF65-F5344CB8AC3E}">
+        <p14:creationId xmlns:p14="http://schemas.microsoft.com/office/powerpoint/2010/main" val="3864317740"/>
+      </p:ext>
+    </p:extLst>
+  </p:cSld>
+  <p:clrMapOvr>
+    <a:masterClrMapping/>
+  </p:clrMapOvr>
+</p:sld>
+</file>
+
+<file path=ppt/slides/slide12.xml><?xml version="1.0" encoding="utf-8"?>
+<p:sld xmlns:a="http://schemas.openxmlformats.org/drawingml/2006/main" xmlns:r="http://schemas.openxmlformats.org/officeDocument/2006/relationships" xmlns:p="http://schemas.openxmlformats.org/presentationml/2006/main">
+  <p:cSld>
+    <p:spTree>
+      <p:nvGrpSpPr>
+        <p:cNvPr id="1" name=""/>
+        <p:cNvGrpSpPr/>
+        <p:nvPr/>
+      </p:nvGrpSpPr>
+      <p:grpSpPr>
+        <a:xfrm>
+          <a:off x="0" y="0"/>
+          <a:ext cx="0" cy="0"/>
+          <a:chOff x="0" y="0"/>
+          <a:chExt cx="0" cy="0"/>
+        </a:xfrm>
+      </p:grpSpPr>
+      <p:sp>
+        <p:nvSpPr>
+          <p:cNvPr id="6" name="Rectangle 5">
+            <a:extLst>
+              <a:ext uri="{FF2B5EF4-FFF2-40B4-BE49-F238E27FC236}">
+                <a16:creationId xmlns:a16="http://schemas.microsoft.com/office/drawing/2014/main" id="{9BAEAA9D-2759-4B58-8977-018974BF20D8}"/>
+              </a:ext>
+            </a:extLst>
+          </p:cNvPr>
+          <p:cNvSpPr/>
+          <p:nvPr/>
+        </p:nvSpPr>
+        <p:spPr>
+          <a:xfrm>
+            <a:off x="624005" y="1058738"/>
+            <a:ext cx="10947163" cy="5262979"/>
+          </a:xfrm>
+          <a:prstGeom prst="rect">
+            <a:avLst/>
+          </a:prstGeom>
+        </p:spPr>
+        <p:txBody>
+          <a:bodyPr wrap="square">
+            <a:spAutoFit/>
+          </a:bodyPr>
+          <a:lstStyle/>
+          <a:p>
+            <a:r>
+              <a:rPr lang="en-US" dirty="0">
+                <a:solidFill>
+                  <a:srgbClr val="212121"/>
+                </a:solidFill>
+                <a:latin typeface="Roboto"/>
+              </a:rPr>
+              <a:t>Logistic regression returns a probability. </a:t>
+            </a:r>
+          </a:p>
+          <a:p>
+            <a:r>
+              <a:rPr lang="en-US" dirty="0">
+                <a:solidFill>
+                  <a:srgbClr val="212121"/>
+                </a:solidFill>
+                <a:latin typeface="Roboto"/>
+              </a:rPr>
+              <a:t>You can use the returned probability "as is" (for example, the probability that the user will click on this ad is 0.00023) or convert the returned probability to a binary value (for example, this email is spam).</a:t>
+            </a:r>
+          </a:p>
+          <a:p>
+            <a:endParaRPr lang="en-US" dirty="0">
+              <a:solidFill>
+                <a:srgbClr val="212121"/>
+              </a:solidFill>
+              <a:latin typeface="Roboto"/>
+            </a:endParaRPr>
+          </a:p>
+          <a:p>
+            <a:r>
+              <a:rPr lang="en-US" dirty="0">
+                <a:solidFill>
+                  <a:srgbClr val="212121"/>
+                </a:solidFill>
+                <a:latin typeface="Roboto"/>
+              </a:rPr>
+              <a:t>A logistic regression model that returns 0.9995 for a particular email message is predicting that it is very likely to be spam. </a:t>
+            </a:r>
+          </a:p>
+          <a:p>
+            <a:endParaRPr lang="en-US" dirty="0">
+              <a:solidFill>
+                <a:srgbClr val="212121"/>
+              </a:solidFill>
+              <a:latin typeface="Roboto"/>
+            </a:endParaRPr>
+          </a:p>
+          <a:p>
+            <a:r>
+              <a:rPr lang="en-US" dirty="0">
+                <a:solidFill>
+                  <a:srgbClr val="212121"/>
+                </a:solidFill>
+                <a:latin typeface="Roboto"/>
+              </a:rPr>
+              <a:t>Conversely, another email message with a prediction score of 0.0003 on that same logistic regression model is very likely not spam. </a:t>
+            </a:r>
+          </a:p>
+          <a:p>
+            <a:r>
+              <a:rPr lang="en-US" dirty="0">
+                <a:solidFill>
+                  <a:srgbClr val="212121"/>
+                </a:solidFill>
+                <a:latin typeface="Roboto"/>
+              </a:rPr>
+              <a:t>However, what about an email message with a prediction score of 0.6? In order to map a logistic regression value to a binary category, you must define a </a:t>
+            </a:r>
+            <a:r>
+              <a:rPr lang="en-US" b="1" dirty="0">
+                <a:solidFill>
+                  <a:srgbClr val="212121"/>
+                </a:solidFill>
+                <a:latin typeface="Roboto"/>
+              </a:rPr>
+              <a:t>classification threshold</a:t>
+            </a:r>
+            <a:r>
+              <a:rPr lang="en-US" dirty="0">
+                <a:solidFill>
+                  <a:srgbClr val="212121"/>
+                </a:solidFill>
+                <a:latin typeface="Roboto"/>
+              </a:rPr>
+              <a:t> (also called the </a:t>
+            </a:r>
+            <a:r>
+              <a:rPr lang="en-US" b="1" dirty="0">
+                <a:solidFill>
+                  <a:srgbClr val="212121"/>
+                </a:solidFill>
+                <a:latin typeface="Roboto"/>
+              </a:rPr>
+              <a:t>decision threshold</a:t>
+            </a:r>
+            <a:r>
+              <a:rPr lang="en-US" dirty="0">
+                <a:solidFill>
+                  <a:srgbClr val="212121"/>
+                </a:solidFill>
+                <a:latin typeface="Roboto"/>
+              </a:rPr>
+              <a:t>). A value above that threshold indicates "spam"; a value below indicates "not spam." It is tempting to assume that the classification threshold should always be 0.5, but thresholds are problem-dependent, and are therefore values that you must tune.</a:t>
+            </a:r>
+          </a:p>
+        </p:txBody>
+      </p:sp>
+      <p:sp>
+        <p:nvSpPr>
+          <p:cNvPr id="7" name="Rectangle 6">
+            <a:extLst>
+              <a:ext uri="{FF2B5EF4-FFF2-40B4-BE49-F238E27FC236}">
+                <a16:creationId xmlns:a16="http://schemas.microsoft.com/office/drawing/2014/main" id="{750A54E4-8522-40E7-A8E4-433689DCB6EA}"/>
+              </a:ext>
+            </a:extLst>
+          </p:cNvPr>
+          <p:cNvSpPr/>
+          <p:nvPr/>
+        </p:nvSpPr>
+        <p:spPr>
+          <a:xfrm>
+            <a:off x="3538073" y="214705"/>
+            <a:ext cx="5657316" cy="646331"/>
+          </a:xfrm>
+          <a:prstGeom prst="rect">
+            <a:avLst/>
+          </a:prstGeom>
+        </p:spPr>
+        <p:txBody>
+          <a:bodyPr wrap="square">
+            <a:spAutoFit/>
+          </a:bodyPr>
+          <a:lstStyle/>
+          <a:p>
+            <a:r>
+              <a:rPr lang="en-US" sz="3600" b="1" dirty="0">
+                <a:solidFill>
+                  <a:srgbClr val="212121"/>
+                </a:solidFill>
+                <a:latin typeface="Google Sans"/>
+              </a:rPr>
+              <a:t>Classification: Thresholding</a:t>
+            </a:r>
+            <a:endParaRPr lang="en-US" sz="3600" b="1" dirty="0">
+              <a:solidFill>
+                <a:srgbClr val="212121"/>
+              </a:solidFill>
+              <a:effectLst/>
+              <a:latin typeface="Google Sans"/>
+            </a:endParaRPr>
+          </a:p>
+        </p:txBody>
+      </p:sp>
+    </p:spTree>
+    <p:extLst>
+      <p:ext uri="{BB962C8B-B14F-4D97-AF65-F5344CB8AC3E}">
+        <p14:creationId xmlns:p14="http://schemas.microsoft.com/office/powerpoint/2010/main" val="2454550100"/>
+      </p:ext>
+    </p:extLst>
+  </p:cSld>
+  <p:clrMapOvr>
+    <a:masterClrMapping/>
+  </p:clrMapOvr>
+</p:sld>
+</file>
+
+<file path=ppt/slides/slide13.xml><?xml version="1.0" encoding="utf-8"?>
+<p:sld xmlns:a="http://schemas.openxmlformats.org/drawingml/2006/main" xmlns:r="http://schemas.openxmlformats.org/officeDocument/2006/relationships" xmlns:p="http://schemas.openxmlformats.org/presentationml/2006/main">
+  <p:cSld>
+    <p:spTree>
+      <p:nvGrpSpPr>
+        <p:cNvPr id="1" name=""/>
+        <p:cNvGrpSpPr/>
+        <p:nvPr/>
+      </p:nvGrpSpPr>
+      <p:grpSpPr>
+        <a:xfrm>
+          <a:off x="0" y="0"/>
+          <a:ext cx="0" cy="0"/>
+          <a:chOff x="0" y="0"/>
+          <a:chExt cx="0" cy="0"/>
+        </a:xfrm>
+      </p:grpSpPr>
+      <p:sp>
+        <p:nvSpPr>
+          <p:cNvPr id="2" name="Rectangle 1">
+            <a:extLst>
+              <a:ext uri="{FF2B5EF4-FFF2-40B4-BE49-F238E27FC236}">
+                <a16:creationId xmlns:a16="http://schemas.microsoft.com/office/drawing/2014/main" id="{7CE1AC16-F8E9-4503-9235-A067C4247A9E}"/>
+              </a:ext>
+            </a:extLst>
+          </p:cNvPr>
+          <p:cNvSpPr/>
+          <p:nvPr/>
+        </p:nvSpPr>
+        <p:spPr>
+          <a:xfrm>
+            <a:off x="2522957" y="315680"/>
+            <a:ext cx="6253573" cy="415498"/>
+          </a:xfrm>
+          <a:prstGeom prst="rect">
+            <a:avLst/>
+          </a:prstGeom>
+        </p:spPr>
+        <p:txBody>
+          <a:bodyPr wrap="square">
+            <a:spAutoFit/>
+          </a:bodyPr>
+          <a:lstStyle/>
+          <a:p>
+            <a:r>
+              <a:rPr lang="en-US" sz="2000" b="1" dirty="0">
+                <a:solidFill>
+                  <a:srgbClr val="212121"/>
+                </a:solidFill>
+                <a:latin typeface="Google Sans"/>
+              </a:rPr>
+              <a:t>Classification: True vs. False and Positive vs. Negative</a:t>
+            </a:r>
+            <a:endParaRPr lang="en-US" sz="2000" b="1" dirty="0">
+              <a:solidFill>
+                <a:srgbClr val="212121"/>
+              </a:solidFill>
+              <a:effectLst/>
+              <a:latin typeface="Google Sans"/>
+            </a:endParaRPr>
+          </a:p>
+        </p:txBody>
+      </p:sp>
+      <p:sp>
+        <p:nvSpPr>
+          <p:cNvPr id="3" name="Rectangle 2">
+            <a:extLst>
+              <a:ext uri="{FF2B5EF4-FFF2-40B4-BE49-F238E27FC236}">
+                <a16:creationId xmlns:a16="http://schemas.microsoft.com/office/drawing/2014/main" id="{715CEB85-5B13-4676-8275-2441881F8E4A}"/>
+              </a:ext>
+            </a:extLst>
+          </p:cNvPr>
+          <p:cNvSpPr/>
+          <p:nvPr/>
+        </p:nvSpPr>
+        <p:spPr>
+          <a:xfrm>
+            <a:off x="256537" y="3840486"/>
+            <a:ext cx="11870107" cy="1708160"/>
+          </a:xfrm>
+          <a:prstGeom prst="rect">
+            <a:avLst/>
+          </a:prstGeom>
+        </p:spPr>
+        <p:txBody>
+          <a:bodyPr wrap="square">
+            <a:spAutoFit/>
+          </a:bodyPr>
+          <a:lstStyle/>
+          <a:p>
+            <a:r>
+              <a:rPr lang="en-US" dirty="0">
+                <a:solidFill>
+                  <a:srgbClr val="212121"/>
+                </a:solidFill>
+                <a:latin typeface="Roboto"/>
+              </a:rPr>
+              <a:t>Let's make the following definitions:</a:t>
+            </a:r>
+          </a:p>
+          <a:p>
+            <a:pPr>
+              <a:buFont typeface="Arial" panose="020B0604020202020204" pitchFamily="34" charset="0"/>
+              <a:buChar char="•"/>
+            </a:pPr>
+            <a:r>
+              <a:rPr lang="en-US" dirty="0">
+                <a:solidFill>
+                  <a:srgbClr val="212121"/>
+                </a:solidFill>
+                <a:latin typeface="Roboto"/>
+              </a:rPr>
+              <a:t>"Wolf" is a </a:t>
+            </a:r>
+            <a:r>
+              <a:rPr lang="en-US" b="1" dirty="0">
+                <a:solidFill>
+                  <a:srgbClr val="212121"/>
+                </a:solidFill>
+                <a:latin typeface="Roboto"/>
+              </a:rPr>
+              <a:t>positive class</a:t>
+            </a:r>
+            <a:r>
+              <a:rPr lang="en-US" dirty="0">
+                <a:solidFill>
+                  <a:srgbClr val="212121"/>
+                </a:solidFill>
+                <a:latin typeface="Roboto"/>
+              </a:rPr>
+              <a:t>.</a:t>
+            </a:r>
+          </a:p>
+          <a:p>
+            <a:pPr>
+              <a:buFont typeface="Arial" panose="020B0604020202020204" pitchFamily="34" charset="0"/>
+              <a:buChar char="•"/>
+            </a:pPr>
+            <a:r>
+              <a:rPr lang="en-US" dirty="0">
+                <a:solidFill>
+                  <a:srgbClr val="212121"/>
+                </a:solidFill>
+                <a:latin typeface="Roboto"/>
+              </a:rPr>
+              <a:t>"No wolf" is a </a:t>
+            </a:r>
+            <a:r>
+              <a:rPr lang="en-US" b="1" dirty="0">
+                <a:solidFill>
+                  <a:srgbClr val="212121"/>
+                </a:solidFill>
+                <a:latin typeface="Roboto"/>
+              </a:rPr>
+              <a:t>negative class</a:t>
+            </a:r>
+            <a:r>
+              <a:rPr lang="en-US" dirty="0">
+                <a:solidFill>
+                  <a:srgbClr val="212121"/>
+                </a:solidFill>
+                <a:latin typeface="Roboto"/>
+              </a:rPr>
+              <a:t>.</a:t>
+            </a:r>
+          </a:p>
+          <a:p>
+            <a:r>
+              <a:rPr lang="en-US" dirty="0">
+                <a:solidFill>
+                  <a:srgbClr val="212121"/>
+                </a:solidFill>
+                <a:latin typeface="Roboto"/>
+              </a:rPr>
+              <a:t>We can summarize our "wolf-prediction" model using a 2x2 </a:t>
+            </a:r>
+            <a:r>
+              <a:rPr lang="en-US" dirty="0">
+                <a:solidFill>
+                  <a:srgbClr val="039BE5"/>
+                </a:solidFill>
+                <a:latin typeface="Roboto"/>
+                <a:hlinkClick r:id="rId2"/>
+              </a:rPr>
+              <a:t>confusion matrix</a:t>
+            </a:r>
+            <a:r>
+              <a:rPr lang="en-US" dirty="0">
+                <a:solidFill>
+                  <a:srgbClr val="212121"/>
+                </a:solidFill>
+                <a:latin typeface="Roboto"/>
+              </a:rPr>
+              <a:t> that depicts all four possible outcomes:</a:t>
+            </a:r>
+            <a:endParaRPr lang="en-US" b="0" i="0" dirty="0">
+              <a:solidFill>
+                <a:srgbClr val="212121"/>
+              </a:solidFill>
+              <a:effectLst/>
+              <a:latin typeface="Roboto"/>
+            </a:endParaRPr>
+          </a:p>
+        </p:txBody>
+      </p:sp>
+      <p:sp>
+        <p:nvSpPr>
+          <p:cNvPr id="4" name="Rectangle 3">
+            <a:extLst>
+              <a:ext uri="{FF2B5EF4-FFF2-40B4-BE49-F238E27FC236}">
+                <a16:creationId xmlns:a16="http://schemas.microsoft.com/office/drawing/2014/main" id="{36CDFFFA-82F1-4FC6-93D2-88226C1D0A90}"/>
+              </a:ext>
+            </a:extLst>
+          </p:cNvPr>
+          <p:cNvSpPr/>
+          <p:nvPr/>
+        </p:nvSpPr>
+        <p:spPr>
+          <a:xfrm>
+            <a:off x="391846" y="1035218"/>
+            <a:ext cx="11315892" cy="2677656"/>
+          </a:xfrm>
+          <a:prstGeom prst="rect">
+            <a:avLst/>
+          </a:prstGeom>
+        </p:spPr>
+        <p:txBody>
+          <a:bodyPr wrap="square">
+            <a:spAutoFit/>
+          </a:bodyPr>
+          <a:lstStyle/>
+          <a:p>
+            <a:r>
+              <a:rPr lang="en-US" b="1" dirty="0">
+                <a:solidFill>
+                  <a:srgbClr val="212121"/>
+                </a:solidFill>
+                <a:highlight>
+                  <a:srgbClr val="00FFFF"/>
+                </a:highlight>
+                <a:latin typeface="Roboto"/>
+              </a:rPr>
+              <a:t>An Aesop's Fable: The Boy Who Cried Wolf (</a:t>
+            </a:r>
+            <a:r>
+              <a:rPr lang="en-US" b="1" i="1" dirty="0">
+                <a:solidFill>
+                  <a:srgbClr val="212121"/>
+                </a:solidFill>
+                <a:highlight>
+                  <a:srgbClr val="00FFFF"/>
+                </a:highlight>
+                <a:latin typeface="Roboto"/>
+              </a:rPr>
+              <a:t>compressed</a:t>
+            </a:r>
+            <a:r>
+              <a:rPr lang="en-US" b="1" dirty="0">
+                <a:solidFill>
+                  <a:srgbClr val="212121"/>
+                </a:solidFill>
+                <a:highlight>
+                  <a:srgbClr val="00FFFF"/>
+                </a:highlight>
+                <a:latin typeface="Roboto"/>
+              </a:rPr>
+              <a:t>)</a:t>
+            </a:r>
+            <a:endParaRPr lang="en-US" dirty="0">
+              <a:solidFill>
+                <a:srgbClr val="212121"/>
+              </a:solidFill>
+              <a:highlight>
+                <a:srgbClr val="00FFFF"/>
+              </a:highlight>
+              <a:latin typeface="Roboto"/>
+            </a:endParaRPr>
+          </a:p>
+          <a:p>
+            <a:r>
+              <a:rPr lang="en-US" dirty="0">
+                <a:solidFill>
+                  <a:srgbClr val="212121"/>
+                </a:solidFill>
+                <a:highlight>
+                  <a:srgbClr val="00FFFF"/>
+                </a:highlight>
+                <a:latin typeface="Roboto"/>
+              </a:rPr>
+              <a:t>A shepherd boy gets bored tending the town's flock. To have some fun, he cries out, "Wolf!" even though no wolf is in sight. The villagers run to protect the flock, but then get really mad when they realize the boy was playing a joke on them.</a:t>
+            </a:r>
+          </a:p>
+          <a:p>
+            <a:r>
+              <a:rPr lang="en-US" dirty="0">
+                <a:solidFill>
+                  <a:srgbClr val="212121"/>
+                </a:solidFill>
+                <a:highlight>
+                  <a:srgbClr val="00FFFF"/>
+                </a:highlight>
+                <a:latin typeface="Roboto"/>
+              </a:rPr>
+              <a:t>[Iterate previous paragraph </a:t>
+            </a:r>
+            <a:r>
+              <a:rPr lang="en-US" i="1" dirty="0">
+                <a:solidFill>
+                  <a:srgbClr val="212121"/>
+                </a:solidFill>
+                <a:highlight>
+                  <a:srgbClr val="00FFFF"/>
+                </a:highlight>
+                <a:latin typeface="Roboto"/>
+              </a:rPr>
+              <a:t>N</a:t>
+            </a:r>
+            <a:r>
+              <a:rPr lang="en-US" dirty="0">
+                <a:solidFill>
+                  <a:srgbClr val="212121"/>
+                </a:solidFill>
+                <a:highlight>
+                  <a:srgbClr val="00FFFF"/>
+                </a:highlight>
+                <a:latin typeface="Roboto"/>
+              </a:rPr>
+              <a:t> times.]</a:t>
+            </a:r>
+          </a:p>
+          <a:p>
+            <a:r>
+              <a:rPr lang="en-US" dirty="0">
+                <a:solidFill>
+                  <a:srgbClr val="212121"/>
+                </a:solidFill>
+                <a:highlight>
+                  <a:srgbClr val="00FFFF"/>
+                </a:highlight>
+                <a:latin typeface="Roboto"/>
+              </a:rPr>
+              <a:t>One night, the shepherd boy sees a real wolf approaching the flock and calls out, "Wolf!" The villagers refuse to be fooled again and stay in their houses. The hungry wolf turns the flock into lamb chops. The town goes hungry. Panic ensues.</a:t>
+            </a:r>
+            <a:endParaRPr lang="en-US" b="0" i="0" dirty="0">
+              <a:solidFill>
+                <a:srgbClr val="212121"/>
+              </a:solidFill>
+              <a:effectLst/>
+              <a:highlight>
+                <a:srgbClr val="00FFFF"/>
+              </a:highlight>
+              <a:latin typeface="Roboto"/>
+            </a:endParaRPr>
+          </a:p>
+        </p:txBody>
+      </p:sp>
+    </p:spTree>
+    <p:extLst>
+      <p:ext uri="{BB962C8B-B14F-4D97-AF65-F5344CB8AC3E}">
+        <p14:creationId xmlns:p14="http://schemas.microsoft.com/office/powerpoint/2010/main" val="3435988073"/>
+      </p:ext>
+    </p:extLst>
+  </p:cSld>
+  <p:clrMapOvr>
+    <a:masterClrMapping/>
+  </p:clrMapOvr>
+</p:sld>
+</file>
+
+<file path=ppt/slides/slide14.xml><?xml version="1.0" encoding="utf-8"?>
+<p:sld xmlns:a="http://schemas.openxmlformats.org/drawingml/2006/main" xmlns:r="http://schemas.openxmlformats.org/officeDocument/2006/relationships" xmlns:p="http://schemas.openxmlformats.org/presentationml/2006/main">
+  <p:cSld>
+    <p:spTree>
+      <p:nvGrpSpPr>
+        <p:cNvPr id="1" name=""/>
+        <p:cNvGrpSpPr/>
+        <p:nvPr/>
+      </p:nvGrpSpPr>
+      <p:grpSpPr>
+        <a:xfrm>
+          <a:off x="0" y="0"/>
+          <a:ext cx="0" cy="0"/>
+          <a:chOff x="0" y="0"/>
+          <a:chExt cx="0" cy="0"/>
+        </a:xfrm>
+      </p:grpSpPr>
+      <p:pic>
+        <p:nvPicPr>
+          <p:cNvPr id="2" name="Picture 1">
+            <a:extLst>
+              <a:ext uri="{FF2B5EF4-FFF2-40B4-BE49-F238E27FC236}">
+                <a16:creationId xmlns:a16="http://schemas.microsoft.com/office/drawing/2014/main" id="{114BA3FF-2ED9-4C95-90C0-C552DFD48237}"/>
+              </a:ext>
+            </a:extLst>
+          </p:cNvPr>
+          <p:cNvPicPr>
+            <a:picLocks noChangeAspect="1"/>
+          </p:cNvPicPr>
+          <p:nvPr/>
+        </p:nvPicPr>
+        <p:blipFill>
+          <a:blip r:embed="rId3"/>
+          <a:stretch>
+            <a:fillRect/>
+          </a:stretch>
+        </p:blipFill>
+        <p:spPr>
+          <a:xfrm>
+            <a:off x="0" y="1375873"/>
+            <a:ext cx="12114817" cy="3501562"/>
+          </a:xfrm>
+          <a:prstGeom prst="rect">
+            <a:avLst/>
+          </a:prstGeom>
+        </p:spPr>
+      </p:pic>
+    </p:spTree>
+    <p:extLst>
+      <p:ext uri="{BB962C8B-B14F-4D97-AF65-F5344CB8AC3E}">
+        <p14:creationId xmlns:p14="http://schemas.microsoft.com/office/powerpoint/2010/main" val="3133815683"/>
+      </p:ext>
+    </p:extLst>
+  </p:cSld>
+  <p:clrMapOvr>
+    <a:masterClrMapping/>
+  </p:clrMapOvr>
+</p:sld>
+</file>
+
+<file path=ppt/slides/slide15.xml><?xml version="1.0" encoding="utf-8"?>
+<p:sld xmlns:a="http://schemas.openxmlformats.org/drawingml/2006/main" xmlns:r="http://schemas.openxmlformats.org/officeDocument/2006/relationships" xmlns:p="http://schemas.openxmlformats.org/presentationml/2006/main">
+  <p:cSld>
+    <p:spTree>
+      <p:nvGrpSpPr>
+        <p:cNvPr id="1" name=""/>
+        <p:cNvGrpSpPr/>
+        <p:nvPr/>
+      </p:nvGrpSpPr>
+      <p:grpSpPr>
+        <a:xfrm>
+          <a:off x="0" y="0"/>
+          <a:ext cx="0" cy="0"/>
+          <a:chOff x="0" y="0"/>
+          <a:chExt cx="0" cy="0"/>
+        </a:xfrm>
+      </p:grpSpPr>
+      <p:sp>
+        <p:nvSpPr>
           <p:cNvPr id="2" name="Rectangle 1">
             <a:extLst>
               <a:ext uri="{FF2B5EF4-FFF2-40B4-BE49-F238E27FC236}">
@@ -8879,7 +10263,7 @@
 </p:sld>
 </file>
 
-<file path=ppt/slides/slide11.xml><?xml version="1.0" encoding="utf-8"?>
+<file path=ppt/slides/slide16.xml><?xml version="1.0" encoding="utf-8"?>
 <p:sld xmlns:a="http://schemas.openxmlformats.org/drawingml/2006/main" xmlns:r="http://schemas.openxmlformats.org/officeDocument/2006/relationships" xmlns:p="http://schemas.openxmlformats.org/presentationml/2006/main">
   <p:cSld>
     <p:spTree>
@@ -9017,7 +10401,7 @@
 </p:sld>
 </file>
 
-<file path=ppt/slides/slide12.xml><?xml version="1.0" encoding="utf-8"?>
+<file path=ppt/slides/slide17.xml><?xml version="1.0" encoding="utf-8"?>
 <p:sld xmlns:a="http://schemas.openxmlformats.org/drawingml/2006/main" xmlns:r="http://schemas.openxmlformats.org/officeDocument/2006/relationships" xmlns:p="http://schemas.openxmlformats.org/presentationml/2006/main">
   <p:cSld>
     <p:spTree>
@@ -9891,6 +11275,159 @@
           </a:prstGeom>
         </p:spPr>
       </p:pic>
+      <p:sp>
+        <p:nvSpPr>
+          <p:cNvPr id="8" name="Rectangle 7">
+            <a:extLst>
+              <a:ext uri="{FF2B5EF4-FFF2-40B4-BE49-F238E27FC236}">
+                <a16:creationId xmlns:a16="http://schemas.microsoft.com/office/drawing/2014/main" id="{7792F6ED-7BB7-4E7F-BE7A-B7F72826C5B6}"/>
+              </a:ext>
+            </a:extLst>
+          </p:cNvPr>
+          <p:cNvSpPr/>
+          <p:nvPr/>
+        </p:nvSpPr>
+        <p:spPr>
+          <a:xfrm>
+            <a:off x="203265" y="4837667"/>
+            <a:ext cx="7760087" cy="1415772"/>
+          </a:xfrm>
+          <a:prstGeom prst="rect">
+            <a:avLst/>
+          </a:prstGeom>
+        </p:spPr>
+        <p:txBody>
+          <a:bodyPr wrap="square">
+            <a:spAutoFit/>
+          </a:bodyPr>
+          <a:lstStyle/>
+          <a:p>
+            <a:r>
+              <a:rPr lang="en-US" sz="4400" dirty="0">
+                <a:solidFill>
+                  <a:srgbClr val="222222"/>
+                </a:solidFill>
+                <a:latin typeface="Arial" panose="020B0604020202020204" pitchFamily="34" charset="0"/>
+              </a:rPr>
+              <a:t>The F</a:t>
+            </a:r>
+            <a:r>
+              <a:rPr lang="en-US" sz="4400" baseline="-25000" dirty="0">
+                <a:solidFill>
+                  <a:srgbClr val="222222"/>
+                </a:solidFill>
+                <a:latin typeface="Arial" panose="020B0604020202020204" pitchFamily="34" charset="0"/>
+              </a:rPr>
+              <a:t>1</a:t>
+            </a:r>
+            <a:r>
+              <a:rPr lang="en-US" sz="4400" dirty="0">
+                <a:solidFill>
+                  <a:srgbClr val="222222"/>
+                </a:solidFill>
+                <a:latin typeface="Arial" panose="020B0604020202020204" pitchFamily="34" charset="0"/>
+              </a:rPr>
+              <a:t> </a:t>
+            </a:r>
+            <a:r>
+              <a:rPr lang="en-US" dirty="0">
+                <a:solidFill>
+                  <a:srgbClr val="222222"/>
+                </a:solidFill>
+                <a:latin typeface="Arial" panose="020B0604020202020204" pitchFamily="34" charset="0"/>
+              </a:rPr>
+              <a:t>score is the </a:t>
+            </a:r>
+            <a:r>
+              <a:rPr lang="en-US" dirty="0">
+                <a:solidFill>
+                  <a:srgbClr val="0B0080"/>
+                </a:solidFill>
+                <a:latin typeface="Arial" panose="020B0604020202020204" pitchFamily="34" charset="0"/>
+                <a:hlinkClick r:id="rId6" tooltip="Harmonic mean"/>
+              </a:rPr>
+              <a:t>harmonic average</a:t>
+            </a:r>
+            <a:r>
+              <a:rPr lang="en-US" dirty="0">
+                <a:solidFill>
+                  <a:srgbClr val="222222"/>
+                </a:solidFill>
+                <a:latin typeface="Arial" panose="020B0604020202020204" pitchFamily="34" charset="0"/>
+              </a:rPr>
+              <a:t> of the </a:t>
+            </a:r>
+            <a:r>
+              <a:rPr lang="en-US" dirty="0">
+                <a:solidFill>
+                  <a:srgbClr val="0B0080"/>
+                </a:solidFill>
+                <a:latin typeface="Arial" panose="020B0604020202020204" pitchFamily="34" charset="0"/>
+                <a:hlinkClick r:id="rId7" tooltip="Precision and recall"/>
+              </a:rPr>
+              <a:t>precision and recall</a:t>
+            </a:r>
+            <a:r>
+              <a:rPr lang="en-US" dirty="0">
+                <a:solidFill>
+                  <a:srgbClr val="222222"/>
+                </a:solidFill>
+                <a:latin typeface="Arial" panose="020B0604020202020204" pitchFamily="34" charset="0"/>
+              </a:rPr>
+              <a:t>, where an F</a:t>
+            </a:r>
+            <a:r>
+              <a:rPr lang="en-US" baseline="-25000" dirty="0">
+                <a:solidFill>
+                  <a:srgbClr val="222222"/>
+                </a:solidFill>
+                <a:latin typeface="Arial" panose="020B0604020202020204" pitchFamily="34" charset="0"/>
+              </a:rPr>
+              <a:t>1</a:t>
+            </a:r>
+            <a:r>
+              <a:rPr lang="en-US" dirty="0">
+                <a:solidFill>
+                  <a:srgbClr val="222222"/>
+                </a:solidFill>
+                <a:latin typeface="Arial" panose="020B0604020202020204" pitchFamily="34" charset="0"/>
+              </a:rPr>
+              <a:t>score reaches its best value at 1 (perfect precision and recall) and worst at 0.</a:t>
+            </a:r>
+            <a:endParaRPr lang="en-US" dirty="0"/>
+          </a:p>
+        </p:txBody>
+      </p:sp>
+      <p:pic>
+        <p:nvPicPr>
+          <p:cNvPr id="9" name="Picture 8">
+            <a:extLst>
+              <a:ext uri="{FF2B5EF4-FFF2-40B4-BE49-F238E27FC236}">
+                <a16:creationId xmlns:a16="http://schemas.microsoft.com/office/drawing/2014/main" id="{C3907443-B2AB-4F50-8A04-60306D5ABAA5}"/>
+              </a:ext>
+            </a:extLst>
+          </p:cNvPr>
+          <p:cNvPicPr>
+            <a:picLocks noChangeAspect="1"/>
+          </p:cNvPicPr>
+          <p:nvPr/>
+        </p:nvPicPr>
+        <p:blipFill>
+          <a:blip r:embed="rId8"/>
+          <a:stretch>
+            <a:fillRect/>
+          </a:stretch>
+        </p:blipFill>
+        <p:spPr>
+          <a:xfrm>
+            <a:off x="8094966" y="4940641"/>
+            <a:ext cx="3490676" cy="995149"/>
+          </a:xfrm>
+          <a:prstGeom prst="rect">
+            <a:avLst/>
+          </a:prstGeom>
+        </p:spPr>
+      </p:pic>
     </p:spTree>
     <p:extLst>
       <p:ext uri="{BB962C8B-B14F-4D97-AF65-F5344CB8AC3E}">
@@ -9904,7 +11441,1243 @@
 </p:sld>
 </file>
 
-<file path=ppt/slides/slide13.xml><?xml version="1.0" encoding="utf-8"?>
+<file path=ppt/slides/slide18.xml><?xml version="1.0" encoding="utf-8"?>
+<p:sld xmlns:a="http://schemas.openxmlformats.org/drawingml/2006/main" xmlns:r="http://schemas.openxmlformats.org/officeDocument/2006/relationships" xmlns:p="http://schemas.openxmlformats.org/presentationml/2006/main">
+  <p:cSld>
+    <p:spTree>
+      <p:nvGrpSpPr>
+        <p:cNvPr id="1" name=""/>
+        <p:cNvGrpSpPr/>
+        <p:nvPr/>
+      </p:nvGrpSpPr>
+      <p:grpSpPr>
+        <a:xfrm>
+          <a:off x="0" y="0"/>
+          <a:ext cx="0" cy="0"/>
+          <a:chOff x="0" y="0"/>
+          <a:chExt cx="0" cy="0"/>
+        </a:xfrm>
+      </p:grpSpPr>
+      <p:sp>
+        <p:nvSpPr>
+          <p:cNvPr id="2" name="Rectangle 1">
+            <a:extLst>
+              <a:ext uri="{FF2B5EF4-FFF2-40B4-BE49-F238E27FC236}">
+                <a16:creationId xmlns:a16="http://schemas.microsoft.com/office/drawing/2014/main" id="{F278AC33-041A-4FD7-A351-642A99B5E1B6}"/>
+              </a:ext>
+            </a:extLst>
+          </p:cNvPr>
+          <p:cNvSpPr/>
+          <p:nvPr/>
+        </p:nvSpPr>
+        <p:spPr>
+          <a:xfrm>
+            <a:off x="3686337" y="330438"/>
+            <a:ext cx="4039183" cy="830997"/>
+          </a:xfrm>
+          <a:prstGeom prst="rect">
+            <a:avLst/>
+          </a:prstGeom>
+        </p:spPr>
+        <p:txBody>
+          <a:bodyPr wrap="none">
+            <a:spAutoFit/>
+          </a:bodyPr>
+          <a:lstStyle/>
+          <a:p>
+            <a:r>
+              <a:rPr lang="en-US" sz="4800" dirty="0">
+                <a:solidFill>
+                  <a:srgbClr val="333333"/>
+                </a:solidFill>
+                <a:latin typeface="open sans"/>
+              </a:rPr>
+              <a:t>Decision Trees</a:t>
+            </a:r>
+            <a:endParaRPr lang="en-US" sz="4800" b="0" i="0" u="none" strike="noStrike" dirty="0">
+              <a:solidFill>
+                <a:srgbClr val="333333"/>
+              </a:solidFill>
+              <a:effectLst/>
+              <a:latin typeface="open sans"/>
+            </a:endParaRPr>
+          </a:p>
+        </p:txBody>
+      </p:sp>
+      <p:sp>
+        <p:nvSpPr>
+          <p:cNvPr id="4" name="Rectangle 3">
+            <a:extLst>
+              <a:ext uri="{FF2B5EF4-FFF2-40B4-BE49-F238E27FC236}">
+                <a16:creationId xmlns:a16="http://schemas.microsoft.com/office/drawing/2014/main" id="{201B0E52-2445-459C-A1F1-806E757E6CD1}"/>
+              </a:ext>
+            </a:extLst>
+          </p:cNvPr>
+          <p:cNvSpPr/>
+          <p:nvPr/>
+        </p:nvSpPr>
+        <p:spPr>
+          <a:xfrm>
+            <a:off x="694944" y="1264842"/>
+            <a:ext cx="11067414" cy="3647152"/>
+          </a:xfrm>
+          <a:prstGeom prst="rect">
+            <a:avLst/>
+          </a:prstGeom>
+        </p:spPr>
+        <p:txBody>
+          <a:bodyPr wrap="square">
+            <a:spAutoFit/>
+          </a:bodyPr>
+          <a:lstStyle/>
+          <a:p>
+            <a:pPr marL="342900" indent="-342900">
+              <a:buFont typeface="Arial" panose="020B0604020202020204" pitchFamily="34" charset="0"/>
+              <a:buChar char="•"/>
+            </a:pPr>
+            <a:r>
+              <a:rPr lang="en-US" b="0" i="0" dirty="0">
+                <a:solidFill>
+                  <a:srgbClr val="333333"/>
+                </a:solidFill>
+                <a:effectLst/>
+                <a:latin typeface="Open Sans"/>
+              </a:rPr>
+              <a:t>It is a supervised learning approach</a:t>
+            </a:r>
+          </a:p>
+          <a:p>
+            <a:endParaRPr lang="en-US" dirty="0">
+              <a:solidFill>
+                <a:srgbClr val="333333"/>
+              </a:solidFill>
+              <a:latin typeface="Open Sans"/>
+            </a:endParaRPr>
+          </a:p>
+          <a:p>
+            <a:r>
+              <a:rPr lang="en-US" dirty="0">
+                <a:latin typeface="medium-content-serif-font"/>
+              </a:rPr>
+              <a:t>A decision tree is a tree where each node represents a feature(attribute), each link(branch) represents a decision(rule) and each leaf represents an outcome(categorical or continues value).</a:t>
+            </a:r>
+            <a:endParaRPr lang="en-US" dirty="0">
+              <a:solidFill>
+                <a:srgbClr val="333333"/>
+              </a:solidFill>
+              <a:latin typeface="Open Sans"/>
+            </a:endParaRPr>
+          </a:p>
+          <a:p>
+            <a:endParaRPr lang="en-US" b="0" i="0" dirty="0">
+              <a:solidFill>
+                <a:srgbClr val="333333"/>
+              </a:solidFill>
+              <a:effectLst/>
+              <a:latin typeface="Open Sans"/>
+            </a:endParaRPr>
+          </a:p>
+          <a:p>
+            <a:endParaRPr lang="en-US" dirty="0">
+              <a:solidFill>
+                <a:srgbClr val="333333"/>
+              </a:solidFill>
+              <a:latin typeface="Open Sans"/>
+            </a:endParaRPr>
+          </a:p>
+          <a:p>
+            <a:endParaRPr lang="en-US" b="0" i="0" dirty="0">
+              <a:solidFill>
+                <a:srgbClr val="333333"/>
+              </a:solidFill>
+              <a:effectLst/>
+              <a:latin typeface="Open Sans"/>
+            </a:endParaRPr>
+          </a:p>
+          <a:p>
+            <a:endParaRPr lang="en-US" dirty="0">
+              <a:solidFill>
+                <a:srgbClr val="333333"/>
+              </a:solidFill>
+              <a:latin typeface="Open Sans"/>
+            </a:endParaRPr>
+          </a:p>
+          <a:p>
+            <a:endParaRPr lang="en-US" b="0" i="0" dirty="0">
+              <a:solidFill>
+                <a:srgbClr val="333333"/>
+              </a:solidFill>
+              <a:effectLst/>
+              <a:latin typeface="Open Sans"/>
+            </a:endParaRPr>
+          </a:p>
+          <a:p>
+            <a:endParaRPr lang="en-US" dirty="0">
+              <a:solidFill>
+                <a:srgbClr val="333333"/>
+              </a:solidFill>
+              <a:latin typeface="Open Sans"/>
+            </a:endParaRPr>
+          </a:p>
+          <a:p>
+            <a:endParaRPr lang="en-US" b="0" i="0" dirty="0">
+              <a:solidFill>
+                <a:srgbClr val="333333"/>
+              </a:solidFill>
+              <a:effectLst/>
+              <a:latin typeface="Open Sans"/>
+            </a:endParaRPr>
+          </a:p>
+        </p:txBody>
+      </p:sp>
+      <p:pic>
+        <p:nvPicPr>
+          <p:cNvPr id="5124" name="Picture 4" descr="https://cdn-images-1.medium.com/max/1050/1*2jnsFCe0YmRjb8EvVAo93w.gif">
+            <a:extLst>
+              <a:ext uri="{FF2B5EF4-FFF2-40B4-BE49-F238E27FC236}">
+                <a16:creationId xmlns:a16="http://schemas.microsoft.com/office/drawing/2014/main" id="{B644DFF5-75EB-4216-BD6D-0BFA26317CD2}"/>
+              </a:ext>
+            </a:extLst>
+          </p:cNvPr>
+          <p:cNvPicPr>
+            <a:picLocks noChangeAspect="1" noChangeArrowheads="1"/>
+          </p:cNvPicPr>
+          <p:nvPr/>
+        </p:nvPicPr>
+        <p:blipFill>
+          <a:blip r:embed="rId3">
+            <a:extLst>
+              <a:ext uri="{28A0092B-C50C-407E-A947-70E740481C1C}">
+                <a14:useLocalDpi xmlns:a14="http://schemas.microsoft.com/office/drawing/2010/main" val="0"/>
+              </a:ext>
+            </a:extLst>
+          </a:blip>
+          <a:srcRect/>
+          <a:stretch>
+            <a:fillRect/>
+          </a:stretch>
+        </p:blipFill>
+        <p:spPr bwMode="auto">
+          <a:xfrm>
+            <a:off x="3037396" y="3181731"/>
+            <a:ext cx="4876800" cy="2762250"/>
+          </a:xfrm>
+          <a:prstGeom prst="rect">
+            <a:avLst/>
+          </a:prstGeom>
+          <a:noFill/>
+          <a:extLst>
+            <a:ext uri="{909E8E84-426E-40DD-AFC4-6F175D3DCCD1}">
+              <a14:hiddenFill xmlns:a14="http://schemas.microsoft.com/office/drawing/2010/main">
+                <a:solidFill>
+                  <a:srgbClr val="FFFFFF"/>
+                </a:solidFill>
+              </a14:hiddenFill>
+            </a:ext>
+          </a:extLst>
+        </p:spPr>
+      </p:pic>
+    </p:spTree>
+    <p:extLst>
+      <p:ext uri="{BB962C8B-B14F-4D97-AF65-F5344CB8AC3E}">
+        <p14:creationId xmlns:p14="http://schemas.microsoft.com/office/powerpoint/2010/main" val="3137675158"/>
+      </p:ext>
+    </p:extLst>
+  </p:cSld>
+  <p:clrMapOvr>
+    <a:masterClrMapping/>
+  </p:clrMapOvr>
+</p:sld>
+</file>
+
+<file path=ppt/slides/slide19.xml><?xml version="1.0" encoding="utf-8"?>
+<p:sld xmlns:a="http://schemas.openxmlformats.org/drawingml/2006/main" xmlns:r="http://schemas.openxmlformats.org/officeDocument/2006/relationships" xmlns:p="http://schemas.openxmlformats.org/presentationml/2006/main">
+  <p:cSld>
+    <p:spTree>
+      <p:nvGrpSpPr>
+        <p:cNvPr id="1" name=""/>
+        <p:cNvGrpSpPr/>
+        <p:nvPr/>
+      </p:nvGrpSpPr>
+      <p:grpSpPr>
+        <a:xfrm>
+          <a:off x="0" y="0"/>
+          <a:ext cx="0" cy="0"/>
+          <a:chOff x="0" y="0"/>
+          <a:chExt cx="0" cy="0"/>
+        </a:xfrm>
+      </p:grpSpPr>
+      <p:pic>
+        <p:nvPicPr>
+          <p:cNvPr id="3" name="Picture 2">
+            <a:extLst>
+              <a:ext uri="{FF2B5EF4-FFF2-40B4-BE49-F238E27FC236}">
+                <a16:creationId xmlns:a16="http://schemas.microsoft.com/office/drawing/2014/main" id="{4ABE80C5-83F4-4324-8D1E-BBFD93C6E4BA}"/>
+              </a:ext>
+            </a:extLst>
+          </p:cNvPr>
+          <p:cNvPicPr>
+            <a:picLocks noChangeAspect="1"/>
+          </p:cNvPicPr>
+          <p:nvPr/>
+        </p:nvPicPr>
+        <p:blipFill>
+          <a:blip r:embed="rId3"/>
+          <a:stretch>
+            <a:fillRect/>
+          </a:stretch>
+        </p:blipFill>
+        <p:spPr>
+          <a:xfrm>
+            <a:off x="0" y="311947"/>
+            <a:ext cx="10652363" cy="5784053"/>
+          </a:xfrm>
+          <a:prstGeom prst="rect">
+            <a:avLst/>
+          </a:prstGeom>
+        </p:spPr>
+      </p:pic>
+    </p:spTree>
+    <p:extLst>
+      <p:ext uri="{BB962C8B-B14F-4D97-AF65-F5344CB8AC3E}">
+        <p14:creationId xmlns:p14="http://schemas.microsoft.com/office/powerpoint/2010/main" val="2132424664"/>
+      </p:ext>
+    </p:extLst>
+  </p:cSld>
+  <p:clrMapOvr>
+    <a:masterClrMapping/>
+  </p:clrMapOvr>
+</p:sld>
+</file>
+
+<file path=ppt/slides/slide2.xml><?xml version="1.0" encoding="utf-8"?>
+<p:sld xmlns:a="http://schemas.openxmlformats.org/drawingml/2006/main" xmlns:r="http://schemas.openxmlformats.org/officeDocument/2006/relationships" xmlns:p="http://schemas.openxmlformats.org/presentationml/2006/main">
+  <p:cSld>
+    <p:spTree>
+      <p:nvGrpSpPr>
+        <p:cNvPr id="1" name=""/>
+        <p:cNvGrpSpPr/>
+        <p:nvPr/>
+      </p:nvGrpSpPr>
+      <p:grpSpPr>
+        <a:xfrm>
+          <a:off x="0" y="0"/>
+          <a:ext cx="0" cy="0"/>
+          <a:chOff x="0" y="0"/>
+          <a:chExt cx="0" cy="0"/>
+        </a:xfrm>
+      </p:grpSpPr>
+      <p:sp>
+        <p:nvSpPr>
+          <p:cNvPr id="2" name="Title 1"/>
+          <p:cNvSpPr>
+            <a:spLocks noGrp="1"/>
+          </p:cNvSpPr>
+          <p:nvPr>
+            <p:ph type="title"/>
+          </p:nvPr>
+        </p:nvSpPr>
+        <p:spPr/>
+        <p:txBody>
+          <a:bodyPr/>
+          <a:lstStyle/>
+          <a:p>
+            <a:r>
+              <a:rPr lang="en-US" dirty="0"/>
+              <a:t>Agenda</a:t>
+            </a:r>
+          </a:p>
+        </p:txBody>
+      </p:sp>
+      <p:sp>
+        <p:nvSpPr>
+          <p:cNvPr id="3" name="Text Placeholder 2"/>
+          <p:cNvSpPr>
+            <a:spLocks noGrp="1"/>
+          </p:cNvSpPr>
+          <p:nvPr>
+            <p:ph type="body" sz="quarter" idx="10"/>
+          </p:nvPr>
+        </p:nvSpPr>
+        <p:spPr>
+          <a:xfrm>
+            <a:off x="324000" y="1321331"/>
+            <a:ext cx="5347930" cy="5026459"/>
+          </a:xfrm>
+        </p:spPr>
+        <p:txBody>
+          <a:bodyPr/>
+          <a:lstStyle/>
+          <a:p>
+            <a:pPr marL="342900" indent="-342900">
+              <a:buFont typeface="Arial" panose="020B0604020202020204" pitchFamily="34" charset="0"/>
+              <a:buChar char="•"/>
+            </a:pPr>
+            <a:r>
+              <a:rPr lang="en-US" dirty="0"/>
+              <a:t>Regression</a:t>
+            </a:r>
+          </a:p>
+          <a:p>
+            <a:pPr marL="882900" lvl="3" indent="-342900">
+              <a:buFont typeface="Arial" panose="020B0604020202020204" pitchFamily="34" charset="0"/>
+              <a:buChar char="•"/>
+            </a:pPr>
+            <a:r>
+              <a:rPr lang="en-US" dirty="0"/>
+              <a:t>Recap </a:t>
+            </a:r>
+            <a:r>
+              <a:rPr lang="en-US" dirty="0">
+                <a:sym typeface="Wingdings" panose="05000000000000000000" pitchFamily="2" charset="2"/>
+              </a:rPr>
+              <a:t> of last session</a:t>
+            </a:r>
+            <a:endParaRPr lang="en-US" dirty="0"/>
+          </a:p>
+          <a:p>
+            <a:pPr marL="882900" lvl="3" indent="-342900">
+              <a:buFont typeface="Arial" panose="020B0604020202020204" pitchFamily="34" charset="0"/>
+              <a:buChar char="•"/>
+            </a:pPr>
+            <a:r>
+              <a:rPr lang="en-US" dirty="0"/>
+              <a:t>Linear regression using Regularization</a:t>
+            </a:r>
+          </a:p>
+          <a:p>
+            <a:pPr marL="342900" indent="-342900">
+              <a:buFont typeface="Arial" panose="020B0604020202020204" pitchFamily="34" charset="0"/>
+              <a:buChar char="•"/>
+            </a:pPr>
+            <a:r>
+              <a:rPr lang="en-US" dirty="0"/>
+              <a:t>Classification</a:t>
+            </a:r>
+          </a:p>
+          <a:p>
+            <a:pPr marL="882900" lvl="3" indent="-342900">
+              <a:buFont typeface="Arial" panose="020B0604020202020204" pitchFamily="34" charset="0"/>
+              <a:buChar char="•"/>
+            </a:pPr>
+            <a:r>
+              <a:rPr lang="en-US" dirty="0"/>
+              <a:t>Random Forest</a:t>
+            </a:r>
+          </a:p>
+          <a:p>
+            <a:pPr marL="882900" lvl="3" indent="-342900">
+              <a:buFont typeface="Arial" panose="020B0604020202020204" pitchFamily="34" charset="0"/>
+              <a:buChar char="•"/>
+            </a:pPr>
+            <a:r>
+              <a:rPr lang="en-US" dirty="0"/>
+              <a:t>Decision Trees</a:t>
+            </a:r>
+          </a:p>
+          <a:p>
+            <a:pPr marL="882900" lvl="3" indent="-342900">
+              <a:buFont typeface="Arial" panose="020B0604020202020204" pitchFamily="34" charset="0"/>
+              <a:buChar char="•"/>
+            </a:pPr>
+            <a:r>
+              <a:rPr lang="en-US" dirty="0"/>
+              <a:t>GDT</a:t>
+            </a:r>
+          </a:p>
+          <a:p>
+            <a:pPr marL="342900" indent="-342900">
+              <a:buFont typeface="Arial" panose="020B0604020202020204" pitchFamily="34" charset="0"/>
+              <a:buChar char="•"/>
+            </a:pPr>
+            <a:r>
+              <a:rPr lang="en-US" dirty="0"/>
+              <a:t>Logistic Regression</a:t>
+            </a:r>
+          </a:p>
+          <a:p>
+            <a:pPr marL="882900" lvl="3" indent="-342900">
+              <a:buFont typeface="Arial" panose="020B0604020202020204" pitchFamily="34" charset="0"/>
+              <a:buChar char="•"/>
+            </a:pPr>
+            <a:r>
+              <a:rPr lang="en-US" dirty="0"/>
+              <a:t>Math behind logistic regression</a:t>
+            </a:r>
+          </a:p>
+          <a:p>
+            <a:pPr marL="882900" lvl="3" indent="-342900">
+              <a:buFont typeface="Arial" panose="020B0604020202020204" pitchFamily="34" charset="0"/>
+              <a:buChar char="•"/>
+            </a:pPr>
+            <a:r>
+              <a:rPr lang="en-US" dirty="0"/>
+              <a:t>Multi Class Classification (One-vs-All) </a:t>
+            </a:r>
+          </a:p>
+          <a:p>
+            <a:pPr marL="342900" indent="-342900">
+              <a:buFont typeface="Arial" panose="020B0604020202020204" pitchFamily="34" charset="0"/>
+              <a:buChar char="•"/>
+            </a:pPr>
+            <a:r>
+              <a:rPr lang="en-US" dirty="0"/>
+              <a:t>Demo + Hands On</a:t>
+            </a:r>
+          </a:p>
+          <a:p>
+            <a:pPr marL="342900" indent="-342900">
+              <a:buFont typeface="Arial" panose="020B0604020202020204" pitchFamily="34" charset="0"/>
+              <a:buChar char="•"/>
+            </a:pPr>
+            <a:r>
+              <a:rPr lang="en-US" dirty="0"/>
+              <a:t>Scikit-Learn</a:t>
+            </a:r>
+          </a:p>
+        </p:txBody>
+      </p:sp>
+      <p:sp>
+        <p:nvSpPr>
+          <p:cNvPr id="4" name="TextBox 3"/>
+          <p:cNvSpPr txBox="1"/>
+          <p:nvPr/>
+        </p:nvSpPr>
+        <p:spPr>
+          <a:xfrm>
+            <a:off x="6711041" y="1526721"/>
+            <a:ext cx="3959679" cy="923330"/>
+          </a:xfrm>
+          <a:prstGeom prst="rect">
+            <a:avLst/>
+          </a:prstGeom>
+          <a:noFill/>
+        </p:spPr>
+        <p:txBody>
+          <a:bodyPr wrap="square" lIns="0" tIns="0" rIns="0" bIns="0" rtlCol="0">
+            <a:spAutoFit/>
+          </a:bodyPr>
+          <a:lstStyle/>
+          <a:p>
+            <a:pPr marL="342900" indent="-342900">
+              <a:spcBef>
+                <a:spcPts val="2400"/>
+              </a:spcBef>
+              <a:buClr>
+                <a:schemeClr val="accent1"/>
+              </a:buClr>
+              <a:buSzPct val="80000"/>
+              <a:buFont typeface="Arial" panose="020B0604020202020204" pitchFamily="34" charset="0"/>
+              <a:buChar char="•"/>
+            </a:pPr>
+            <a:r>
+              <a:rPr lang="en-US" sz="2000" dirty="0">
+                <a:latin typeface="+mn-lt"/>
+              </a:rPr>
+              <a:t> </a:t>
+            </a:r>
+            <a:r>
+              <a:rPr lang="en-US" sz="2000" dirty="0" err="1">
+                <a:latin typeface="+mn-lt"/>
+              </a:rPr>
+              <a:t>sklearn</a:t>
+            </a:r>
+            <a:r>
+              <a:rPr lang="en-US" sz="2000" dirty="0">
+                <a:latin typeface="+mn-lt"/>
+              </a:rPr>
+              <a:t> Demo + Hands On</a:t>
+            </a:r>
+          </a:p>
+          <a:p>
+            <a:pPr marL="342900" indent="-342900">
+              <a:spcBef>
+                <a:spcPts val="2400"/>
+              </a:spcBef>
+              <a:buClr>
+                <a:schemeClr val="accent1"/>
+              </a:buClr>
+              <a:buSzPct val="80000"/>
+              <a:buFont typeface="Arial" panose="020B0604020202020204" pitchFamily="34" charset="0"/>
+              <a:buChar char="•"/>
+            </a:pPr>
+            <a:r>
+              <a:rPr lang="en-US" sz="2000" dirty="0">
+                <a:latin typeface="+mn-lt"/>
+              </a:rPr>
+              <a:t>Queries ?</a:t>
+            </a:r>
+          </a:p>
+        </p:txBody>
+      </p:sp>
+    </p:spTree>
+  </p:cSld>
+  <p:clrMapOvr>
+    <a:masterClrMapping/>
+  </p:clrMapOvr>
+</p:sld>
+</file>
+
+<file path=ppt/slides/slide20.xml><?xml version="1.0" encoding="utf-8"?>
+<p:sld xmlns:a="http://schemas.openxmlformats.org/drawingml/2006/main" xmlns:r="http://schemas.openxmlformats.org/officeDocument/2006/relationships" xmlns:p="http://schemas.openxmlformats.org/presentationml/2006/main">
+  <p:cSld>
+    <p:spTree>
+      <p:nvGrpSpPr>
+        <p:cNvPr id="1" name=""/>
+        <p:cNvGrpSpPr/>
+        <p:nvPr/>
+      </p:nvGrpSpPr>
+      <p:grpSpPr>
+        <a:xfrm>
+          <a:off x="0" y="0"/>
+          <a:ext cx="0" cy="0"/>
+          <a:chOff x="0" y="0"/>
+          <a:chExt cx="0" cy="0"/>
+        </a:xfrm>
+      </p:grpSpPr>
+      <p:sp>
+        <p:nvSpPr>
+          <p:cNvPr id="2" name="Rectangle 1">
+            <a:extLst>
+              <a:ext uri="{FF2B5EF4-FFF2-40B4-BE49-F238E27FC236}">
+                <a16:creationId xmlns:a16="http://schemas.microsoft.com/office/drawing/2014/main" id="{6CE292C4-5ADE-4A9B-A690-73A593462C2E}"/>
+              </a:ext>
+            </a:extLst>
+          </p:cNvPr>
+          <p:cNvSpPr/>
+          <p:nvPr/>
+        </p:nvSpPr>
+        <p:spPr>
+          <a:xfrm>
+            <a:off x="1962912" y="1464671"/>
+            <a:ext cx="8645716" cy="738664"/>
+          </a:xfrm>
+          <a:prstGeom prst="rect">
+            <a:avLst/>
+          </a:prstGeom>
+        </p:spPr>
+        <p:txBody>
+          <a:bodyPr wrap="square">
+            <a:spAutoFit/>
+          </a:bodyPr>
+          <a:lstStyle/>
+          <a:p>
+            <a:r>
+              <a:rPr lang="en-US" i="1" dirty="0">
+                <a:latin typeface="medium-content-slab-serif-font"/>
+              </a:rPr>
+              <a:t>To say it in simple words: Random forest builds multiple decision trees and merges them together to get a more accurate and stable prediction.</a:t>
+            </a:r>
+            <a:endParaRPr lang="en-US" dirty="0"/>
+          </a:p>
+        </p:txBody>
+      </p:sp>
+      <p:sp>
+        <p:nvSpPr>
+          <p:cNvPr id="3" name="Rectangle 2">
+            <a:extLst>
+              <a:ext uri="{FF2B5EF4-FFF2-40B4-BE49-F238E27FC236}">
+                <a16:creationId xmlns:a16="http://schemas.microsoft.com/office/drawing/2014/main" id="{741B3027-D81A-43C8-AC2E-4B4A6AB55E57}"/>
+              </a:ext>
+            </a:extLst>
+          </p:cNvPr>
+          <p:cNvSpPr/>
+          <p:nvPr/>
+        </p:nvSpPr>
+        <p:spPr>
+          <a:xfrm>
+            <a:off x="3710721" y="502435"/>
+            <a:ext cx="4296241" cy="830997"/>
+          </a:xfrm>
+          <a:prstGeom prst="rect">
+            <a:avLst/>
+          </a:prstGeom>
+        </p:spPr>
+        <p:txBody>
+          <a:bodyPr wrap="none">
+            <a:spAutoFit/>
+          </a:bodyPr>
+          <a:lstStyle/>
+          <a:p>
+            <a:r>
+              <a:rPr lang="en-US" sz="4800" dirty="0">
+                <a:solidFill>
+                  <a:srgbClr val="333333"/>
+                </a:solidFill>
+                <a:latin typeface="open sans"/>
+              </a:rPr>
+              <a:t>Random Forest</a:t>
+            </a:r>
+            <a:endParaRPr lang="en-US" sz="4800" b="0" i="0" u="none" strike="noStrike" dirty="0">
+              <a:solidFill>
+                <a:srgbClr val="333333"/>
+              </a:solidFill>
+              <a:effectLst/>
+              <a:latin typeface="open sans"/>
+            </a:endParaRPr>
+          </a:p>
+        </p:txBody>
+      </p:sp>
+      <p:pic>
+        <p:nvPicPr>
+          <p:cNvPr id="4098" name="Picture 2" descr="https://cdn-images-1.medium.com/max/2100/1*VazskTxC0XHVavsOJgS0sg.png">
+            <a:extLst>
+              <a:ext uri="{FF2B5EF4-FFF2-40B4-BE49-F238E27FC236}">
+                <a16:creationId xmlns:a16="http://schemas.microsoft.com/office/drawing/2014/main" id="{39F1FB53-149E-41FF-A709-A64B4F3FCA0F}"/>
+              </a:ext>
+            </a:extLst>
+          </p:cNvPr>
+          <p:cNvPicPr>
+            <a:picLocks noChangeAspect="1" noChangeArrowheads="1"/>
+          </p:cNvPicPr>
+          <p:nvPr/>
+        </p:nvPicPr>
+        <p:blipFill>
+          <a:blip r:embed="rId3">
+            <a:extLst>
+              <a:ext uri="{28A0092B-C50C-407E-A947-70E740481C1C}">
+                <a14:useLocalDpi xmlns:a14="http://schemas.microsoft.com/office/drawing/2010/main" val="0"/>
+              </a:ext>
+            </a:extLst>
+          </a:blip>
+          <a:srcRect/>
+          <a:stretch>
+            <a:fillRect/>
+          </a:stretch>
+        </p:blipFill>
+        <p:spPr bwMode="auto">
+          <a:xfrm>
+            <a:off x="3002642" y="2498584"/>
+            <a:ext cx="5712397" cy="3858569"/>
+          </a:xfrm>
+          <a:prstGeom prst="rect">
+            <a:avLst/>
+          </a:prstGeom>
+          <a:noFill/>
+          <a:extLst>
+            <a:ext uri="{909E8E84-426E-40DD-AFC4-6F175D3DCCD1}">
+              <a14:hiddenFill xmlns:a14="http://schemas.microsoft.com/office/drawing/2010/main">
+                <a:solidFill>
+                  <a:srgbClr val="FFFFFF"/>
+                </a:solidFill>
+              </a14:hiddenFill>
+            </a:ext>
+          </a:extLst>
+        </p:spPr>
+      </p:pic>
+    </p:spTree>
+    <p:extLst>
+      <p:ext uri="{BB962C8B-B14F-4D97-AF65-F5344CB8AC3E}">
+        <p14:creationId xmlns:p14="http://schemas.microsoft.com/office/powerpoint/2010/main" val="2671299646"/>
+      </p:ext>
+    </p:extLst>
+  </p:cSld>
+  <p:clrMapOvr>
+    <a:masterClrMapping/>
+  </p:clrMapOvr>
+</p:sld>
+</file>
+
+<file path=ppt/slides/slide21.xml><?xml version="1.0" encoding="utf-8"?>
+<p:sld xmlns:a="http://schemas.openxmlformats.org/drawingml/2006/main" xmlns:r="http://schemas.openxmlformats.org/officeDocument/2006/relationships" xmlns:p="http://schemas.openxmlformats.org/presentationml/2006/main">
+  <p:cSld>
+    <p:spTree>
+      <p:nvGrpSpPr>
+        <p:cNvPr id="1" name=""/>
+        <p:cNvGrpSpPr/>
+        <p:nvPr/>
+      </p:nvGrpSpPr>
+      <p:grpSpPr>
+        <a:xfrm>
+          <a:off x="0" y="0"/>
+          <a:ext cx="0" cy="0"/>
+          <a:chOff x="0" y="0"/>
+          <a:chExt cx="0" cy="0"/>
+        </a:xfrm>
+      </p:grpSpPr>
+      <p:sp>
+        <p:nvSpPr>
+          <p:cNvPr id="2" name="Rectangle 1">
+            <a:extLst>
+              <a:ext uri="{FF2B5EF4-FFF2-40B4-BE49-F238E27FC236}">
+                <a16:creationId xmlns:a16="http://schemas.microsoft.com/office/drawing/2014/main" id="{B703E83A-748A-4BD9-81A0-B146FEB4A7C0}"/>
+              </a:ext>
+            </a:extLst>
+          </p:cNvPr>
+          <p:cNvSpPr/>
+          <p:nvPr/>
+        </p:nvSpPr>
+        <p:spPr>
+          <a:xfrm>
+            <a:off x="633984" y="1928590"/>
+            <a:ext cx="10789920" cy="2031325"/>
+          </a:xfrm>
+          <a:prstGeom prst="rect">
+            <a:avLst/>
+          </a:prstGeom>
+        </p:spPr>
+        <p:txBody>
+          <a:bodyPr wrap="square">
+            <a:spAutoFit/>
+          </a:bodyPr>
+          <a:lstStyle/>
+          <a:p>
+            <a:pPr>
+              <a:buFont typeface="Arial" panose="020B0604020202020204" pitchFamily="34" charset="0"/>
+              <a:buChar char="•"/>
+            </a:pPr>
+            <a:r>
+              <a:rPr lang="en-US" dirty="0">
+                <a:solidFill>
+                  <a:srgbClr val="333333"/>
+                </a:solidFill>
+                <a:latin typeface="Open Sans"/>
+              </a:rPr>
+              <a:t>Gradient Boosting = Gradient descent + Boosting</a:t>
+            </a:r>
+            <a:br>
+              <a:rPr lang="en-US" dirty="0">
+                <a:solidFill>
+                  <a:srgbClr val="333333"/>
+                </a:solidFill>
+                <a:latin typeface="Open Sans"/>
+              </a:rPr>
+            </a:br>
+            <a:endParaRPr lang="en-US" dirty="0">
+              <a:solidFill>
+                <a:srgbClr val="333333"/>
+              </a:solidFill>
+              <a:latin typeface="Open Sans"/>
+            </a:endParaRPr>
+          </a:p>
+          <a:p>
+            <a:pPr>
+              <a:buFont typeface="Arial" panose="020B0604020202020204" pitchFamily="34" charset="0"/>
+              <a:buChar char="•"/>
+            </a:pPr>
+            <a:r>
+              <a:rPr lang="en-US" dirty="0">
+                <a:solidFill>
+                  <a:srgbClr val="333333"/>
+                </a:solidFill>
+                <a:latin typeface="Open Sans"/>
+              </a:rPr>
+              <a:t>Boosting = many weak predictive model into a strong one, in the form of ensemble of weak models.</a:t>
+            </a:r>
+            <a:br>
+              <a:rPr lang="en-US" dirty="0">
+                <a:solidFill>
+                  <a:srgbClr val="333333"/>
+                </a:solidFill>
+                <a:latin typeface="Open Sans"/>
+              </a:rPr>
+            </a:br>
+            <a:endParaRPr lang="en-US" dirty="0">
+              <a:solidFill>
+                <a:srgbClr val="333333"/>
+              </a:solidFill>
+              <a:latin typeface="Open Sans"/>
+            </a:endParaRPr>
+          </a:p>
+          <a:p>
+            <a:pPr>
+              <a:buFont typeface="Arial" panose="020B0604020202020204" pitchFamily="34" charset="0"/>
+              <a:buChar char="•"/>
+            </a:pPr>
+            <a:r>
+              <a:rPr lang="en-US" dirty="0">
+                <a:solidFill>
+                  <a:srgbClr val="333333"/>
+                </a:solidFill>
+                <a:latin typeface="Open Sans"/>
+              </a:rPr>
+              <a:t>Gradient Boosting Decision Tree = GB with decision tree models as weak models.</a:t>
+            </a:r>
+            <a:endParaRPr lang="en-US" b="0" i="0" dirty="0">
+              <a:solidFill>
+                <a:srgbClr val="333333"/>
+              </a:solidFill>
+              <a:effectLst/>
+              <a:latin typeface="Open Sans"/>
+            </a:endParaRPr>
+          </a:p>
+        </p:txBody>
+      </p:sp>
+      <p:sp>
+        <p:nvSpPr>
+          <p:cNvPr id="3" name="Rectangle 2">
+            <a:extLst>
+              <a:ext uri="{FF2B5EF4-FFF2-40B4-BE49-F238E27FC236}">
+                <a16:creationId xmlns:a16="http://schemas.microsoft.com/office/drawing/2014/main" id="{350FFE09-7087-4FA3-8711-4B880E0BF0AC}"/>
+              </a:ext>
+            </a:extLst>
+          </p:cNvPr>
+          <p:cNvSpPr/>
+          <p:nvPr/>
+        </p:nvSpPr>
+        <p:spPr>
+          <a:xfrm>
+            <a:off x="2759744" y="380514"/>
+            <a:ext cx="6957279" cy="923330"/>
+          </a:xfrm>
+          <a:prstGeom prst="rect">
+            <a:avLst/>
+          </a:prstGeom>
+        </p:spPr>
+        <p:txBody>
+          <a:bodyPr wrap="square">
+            <a:spAutoFit/>
+          </a:bodyPr>
+          <a:lstStyle/>
+          <a:p>
+            <a:r>
+              <a:rPr lang="en-US" b="1" dirty="0">
+                <a:solidFill>
+                  <a:srgbClr val="333333"/>
+                </a:solidFill>
+                <a:latin typeface="MS PGothic" panose="020B0600070205080204" pitchFamily="34" charset="-128"/>
+                <a:ea typeface="MS PGothic" panose="020B0600070205080204" pitchFamily="34" charset="-128"/>
+              </a:rPr>
+              <a:t>Gradient Boosting Decision Tree (</a:t>
+            </a:r>
+            <a:r>
+              <a:rPr lang="en-US" sz="5400" b="1" dirty="0">
+                <a:solidFill>
+                  <a:srgbClr val="333333"/>
+                </a:solidFill>
+                <a:latin typeface="MS PGothic" panose="020B0600070205080204" pitchFamily="34" charset="-128"/>
+                <a:ea typeface="MS PGothic" panose="020B0600070205080204" pitchFamily="34" charset="-128"/>
+              </a:rPr>
+              <a:t>GBDT</a:t>
+            </a:r>
+            <a:r>
+              <a:rPr lang="en-US" dirty="0">
+                <a:solidFill>
+                  <a:srgbClr val="333333"/>
+                </a:solidFill>
+                <a:latin typeface="open sans"/>
+              </a:rPr>
+              <a:t>)</a:t>
+            </a:r>
+            <a:endParaRPr lang="en-US" b="0" i="0" u="none" strike="noStrike" dirty="0">
+              <a:solidFill>
+                <a:srgbClr val="333333"/>
+              </a:solidFill>
+              <a:effectLst/>
+              <a:latin typeface="open sans"/>
+            </a:endParaRPr>
+          </a:p>
+        </p:txBody>
+      </p:sp>
+    </p:spTree>
+    <p:extLst>
+      <p:ext uri="{BB962C8B-B14F-4D97-AF65-F5344CB8AC3E}">
+        <p14:creationId xmlns:p14="http://schemas.microsoft.com/office/powerpoint/2010/main" val="3030616527"/>
+      </p:ext>
+    </p:extLst>
+  </p:cSld>
+  <p:clrMapOvr>
+    <a:masterClrMapping/>
+  </p:clrMapOvr>
+</p:sld>
+</file>
+
+<file path=ppt/slides/slide22.xml><?xml version="1.0" encoding="utf-8"?>
+<p:sld xmlns:a="http://schemas.openxmlformats.org/drawingml/2006/main" xmlns:r="http://schemas.openxmlformats.org/officeDocument/2006/relationships" xmlns:p="http://schemas.openxmlformats.org/presentationml/2006/main">
+  <p:cSld>
+    <p:spTree>
+      <p:nvGrpSpPr>
+        <p:cNvPr id="1" name=""/>
+        <p:cNvGrpSpPr/>
+        <p:nvPr/>
+      </p:nvGrpSpPr>
+      <p:grpSpPr>
+        <a:xfrm>
+          <a:off x="0" y="0"/>
+          <a:ext cx="0" cy="0"/>
+          <a:chOff x="0" y="0"/>
+          <a:chExt cx="0" cy="0"/>
+        </a:xfrm>
+      </p:grpSpPr>
+      <p:pic>
+        <p:nvPicPr>
+          <p:cNvPr id="3074" name="Picture 2" descr="tree">
+            <a:extLst>
+              <a:ext uri="{FF2B5EF4-FFF2-40B4-BE49-F238E27FC236}">
+                <a16:creationId xmlns:a16="http://schemas.microsoft.com/office/drawing/2014/main" id="{AFA55061-325E-4743-B7FE-C3854C466959}"/>
+              </a:ext>
+            </a:extLst>
+          </p:cNvPr>
+          <p:cNvPicPr>
+            <a:picLocks noChangeAspect="1" noChangeArrowheads="1"/>
+          </p:cNvPicPr>
+          <p:nvPr/>
+        </p:nvPicPr>
+        <p:blipFill>
+          <a:blip r:embed="rId2">
+            <a:extLst>
+              <a:ext uri="{28A0092B-C50C-407E-A947-70E740481C1C}">
+                <a14:useLocalDpi xmlns:a14="http://schemas.microsoft.com/office/drawing/2010/main" val="0"/>
+              </a:ext>
+            </a:extLst>
+          </a:blip>
+          <a:srcRect/>
+          <a:stretch>
+            <a:fillRect/>
+          </a:stretch>
+        </p:blipFill>
+        <p:spPr bwMode="auto">
+          <a:xfrm>
+            <a:off x="0" y="876300"/>
+            <a:ext cx="12195175" cy="5106988"/>
+          </a:xfrm>
+          <a:prstGeom prst="rect">
+            <a:avLst/>
+          </a:prstGeom>
+          <a:noFill/>
+          <a:extLst>
+            <a:ext uri="{909E8E84-426E-40DD-AFC4-6F175D3DCCD1}">
+              <a14:hiddenFill xmlns:a14="http://schemas.microsoft.com/office/drawing/2010/main">
+                <a:solidFill>
+                  <a:srgbClr val="FFFFFF"/>
+                </a:solidFill>
+              </a14:hiddenFill>
+            </a:ext>
+          </a:extLst>
+        </p:spPr>
+      </p:pic>
+    </p:spTree>
+    <p:extLst>
+      <p:ext uri="{BB962C8B-B14F-4D97-AF65-F5344CB8AC3E}">
+        <p14:creationId xmlns:p14="http://schemas.microsoft.com/office/powerpoint/2010/main" val="1759642873"/>
+      </p:ext>
+    </p:extLst>
+  </p:cSld>
+  <p:clrMapOvr>
+    <a:masterClrMapping/>
+  </p:clrMapOvr>
+</p:sld>
+</file>
+
+<file path=ppt/slides/slide23.xml><?xml version="1.0" encoding="utf-8"?>
+<p:sld xmlns:a="http://schemas.openxmlformats.org/drawingml/2006/main" xmlns:r="http://schemas.openxmlformats.org/officeDocument/2006/relationships" xmlns:p="http://schemas.openxmlformats.org/presentationml/2006/main">
+  <p:cSld>
+    <p:spTree>
+      <p:nvGrpSpPr>
+        <p:cNvPr id="1" name=""/>
+        <p:cNvGrpSpPr/>
+        <p:nvPr/>
+      </p:nvGrpSpPr>
+      <p:grpSpPr>
+        <a:xfrm>
+          <a:off x="0" y="0"/>
+          <a:ext cx="0" cy="0"/>
+          <a:chOff x="0" y="0"/>
+          <a:chExt cx="0" cy="0"/>
+        </a:xfrm>
+      </p:grpSpPr>
+      <p:sp>
+        <p:nvSpPr>
+          <p:cNvPr id="4" name="Rectangle 3">
+            <a:extLst>
+              <a:ext uri="{FF2B5EF4-FFF2-40B4-BE49-F238E27FC236}">
+                <a16:creationId xmlns:a16="http://schemas.microsoft.com/office/drawing/2014/main" id="{8BC3A71B-D08B-4ADB-9CFD-5B423D04A37C}"/>
+              </a:ext>
+            </a:extLst>
+          </p:cNvPr>
+          <p:cNvSpPr/>
+          <p:nvPr/>
+        </p:nvSpPr>
+        <p:spPr>
+          <a:xfrm>
+            <a:off x="1060703" y="573024"/>
+            <a:ext cx="11134471" cy="3647152"/>
+          </a:xfrm>
+          <a:prstGeom prst="rect">
+            <a:avLst/>
+          </a:prstGeom>
+        </p:spPr>
+        <p:txBody>
+          <a:bodyPr wrap="square">
+            <a:spAutoFit/>
+          </a:bodyPr>
+          <a:lstStyle/>
+          <a:p>
+            <a:r>
+              <a:rPr lang="en-US" dirty="0">
+                <a:solidFill>
+                  <a:srgbClr val="333333"/>
+                </a:solidFill>
+                <a:latin typeface="Open Sans"/>
+              </a:rPr>
+              <a:t>GBDTs and Random Forests</a:t>
+            </a:r>
+          </a:p>
+          <a:p>
+            <a:pPr>
+              <a:buFont typeface="Arial" panose="020B0604020202020204" pitchFamily="34" charset="0"/>
+              <a:buChar char="•"/>
+            </a:pPr>
+            <a:r>
+              <a:rPr lang="en-US" dirty="0">
+                <a:solidFill>
+                  <a:srgbClr val="333333"/>
+                </a:solidFill>
+                <a:latin typeface="Open Sans"/>
+              </a:rPr>
+              <a:t>In a trained </a:t>
+            </a:r>
+            <a:r>
+              <a:rPr lang="en-US" dirty="0" err="1">
+                <a:solidFill>
+                  <a:srgbClr val="333333"/>
+                </a:solidFill>
+                <a:latin typeface="Open Sans"/>
+              </a:rPr>
+              <a:t>RandomForest</a:t>
+            </a:r>
+            <a:r>
+              <a:rPr lang="en-US" dirty="0">
+                <a:solidFill>
+                  <a:srgbClr val="333333"/>
+                </a:solidFill>
+                <a:latin typeface="Open Sans"/>
+              </a:rPr>
+              <a:t> model with 100 trees. If when predicting we drop the first or last tree, it doesn't affect the performance because they are trained independently.</a:t>
+            </a:r>
+            <a:br>
+              <a:rPr lang="en-US" dirty="0">
+                <a:solidFill>
+                  <a:srgbClr val="333333"/>
+                </a:solidFill>
+                <a:latin typeface="Open Sans"/>
+              </a:rPr>
+            </a:br>
+            <a:endParaRPr lang="en-US" dirty="0">
+              <a:solidFill>
+                <a:srgbClr val="333333"/>
+              </a:solidFill>
+              <a:latin typeface="Open Sans"/>
+            </a:endParaRPr>
+          </a:p>
+          <a:p>
+            <a:pPr>
+              <a:buFont typeface="Arial" panose="020B0604020202020204" pitchFamily="34" charset="0"/>
+              <a:buChar char="•"/>
+            </a:pPr>
+            <a:r>
+              <a:rPr lang="en-US" dirty="0">
+                <a:solidFill>
+                  <a:srgbClr val="333333"/>
+                </a:solidFill>
+                <a:latin typeface="Open Sans"/>
+              </a:rPr>
+              <a:t>In a trained GBDT model with 100 trees. If when predicting we drop the first or last tree, it affects the performance. ---- There's a sequence of trees each improve predictions of all previous trees, so if the first one is dropped, the performance will drop more than if the last one is dropped.</a:t>
+            </a:r>
+            <a:br>
+              <a:rPr lang="en-US" dirty="0">
+                <a:solidFill>
+                  <a:srgbClr val="333333"/>
+                </a:solidFill>
+                <a:latin typeface="Open Sans"/>
+              </a:rPr>
+            </a:br>
+            <a:endParaRPr lang="en-US" dirty="0">
+              <a:solidFill>
+                <a:srgbClr val="333333"/>
+              </a:solidFill>
+              <a:latin typeface="Open Sans"/>
+            </a:endParaRPr>
+          </a:p>
+          <a:p>
+            <a:pPr>
+              <a:buFont typeface="Arial" panose="020B0604020202020204" pitchFamily="34" charset="0"/>
+              <a:buChar char="•"/>
+            </a:pPr>
+            <a:r>
+              <a:rPr lang="en-US" dirty="0">
+                <a:solidFill>
+                  <a:srgbClr val="333333"/>
+                </a:solidFill>
+                <a:latin typeface="Open Sans"/>
+              </a:rPr>
+              <a:t>A </a:t>
+            </a:r>
+            <a:r>
+              <a:rPr lang="en-US" dirty="0" err="1">
+                <a:solidFill>
+                  <a:srgbClr val="333333"/>
+                </a:solidFill>
+                <a:latin typeface="Open Sans"/>
+              </a:rPr>
+              <a:t>RandomForest</a:t>
+            </a:r>
+            <a:r>
+              <a:rPr lang="en-US" dirty="0">
+                <a:solidFill>
+                  <a:srgbClr val="333333"/>
+                </a:solidFill>
+                <a:latin typeface="Open Sans"/>
+              </a:rPr>
+              <a:t> can be constructed in parallel.</a:t>
+            </a:r>
+          </a:p>
+          <a:p>
+            <a:pPr>
+              <a:buFont typeface="Arial" panose="020B0604020202020204" pitchFamily="34" charset="0"/>
+              <a:buChar char="•"/>
+            </a:pPr>
+            <a:r>
+              <a:rPr lang="en-US" dirty="0">
+                <a:solidFill>
+                  <a:srgbClr val="333333"/>
+                </a:solidFill>
+                <a:latin typeface="Open Sans"/>
+              </a:rPr>
+              <a:t>A GBDT can't. It build trees in sequential manner. </a:t>
+            </a:r>
+            <a:r>
+              <a:rPr lang="en-US" dirty="0" err="1">
+                <a:solidFill>
+                  <a:srgbClr val="333333"/>
+                </a:solidFill>
+                <a:latin typeface="Open Sans"/>
+              </a:rPr>
+              <a:t>XGBoost</a:t>
+            </a:r>
+            <a:r>
+              <a:rPr lang="en-US" dirty="0">
+                <a:solidFill>
+                  <a:srgbClr val="333333"/>
+                </a:solidFill>
+                <a:latin typeface="Open Sans"/>
+              </a:rPr>
+              <a:t> builds only single trees in parallel.</a:t>
+            </a:r>
+            <a:endParaRPr lang="en-US" b="0" i="0" dirty="0">
+              <a:solidFill>
+                <a:srgbClr val="333333"/>
+              </a:solidFill>
+              <a:effectLst/>
+              <a:latin typeface="Open Sans"/>
+            </a:endParaRPr>
+          </a:p>
+        </p:txBody>
+      </p:sp>
+    </p:spTree>
+    <p:extLst>
+      <p:ext uri="{BB962C8B-B14F-4D97-AF65-F5344CB8AC3E}">
+        <p14:creationId xmlns:p14="http://schemas.microsoft.com/office/powerpoint/2010/main" val="1655291117"/>
+      </p:ext>
+    </p:extLst>
+  </p:cSld>
+  <p:clrMapOvr>
+    <a:masterClrMapping/>
+  </p:clrMapOvr>
+</p:sld>
+</file>
+
+<file path=ppt/slides/slide24.xml><?xml version="1.0" encoding="utf-8"?>
 <p:sld xmlns:a="http://schemas.openxmlformats.org/drawingml/2006/main" xmlns:r="http://schemas.openxmlformats.org/officeDocument/2006/relationships" xmlns:p="http://schemas.openxmlformats.org/presentationml/2006/main">
   <p:cSld>
     <p:spTree>
@@ -9976,7 +12749,7 @@
 </p:sld>
 </file>
 
-<file path=ppt/slides/slide14.xml><?xml version="1.0" encoding="utf-8"?>
+<file path=ppt/slides/slide25.xml><?xml version="1.0" encoding="utf-8"?>
 <p:sld xmlns:a="http://schemas.openxmlformats.org/drawingml/2006/main" xmlns:r="http://schemas.openxmlformats.org/officeDocument/2006/relationships" xmlns:p="http://schemas.openxmlformats.org/presentationml/2006/main">
   <p:cSld>
     <p:spTree>
@@ -10081,7 +12854,7 @@
 </p:sld>
 </file>
 
-<file path=ppt/slides/slide15.xml><?xml version="1.0" encoding="utf-8"?>
+<file path=ppt/slides/slide26.xml><?xml version="1.0" encoding="utf-8"?>
 <p:sld xmlns:a="http://schemas.openxmlformats.org/drawingml/2006/main" xmlns:r="http://schemas.openxmlformats.org/officeDocument/2006/relationships" xmlns:p="http://schemas.openxmlformats.org/presentationml/2006/main" show="0">
   <p:cSld>
     <p:spTree>
@@ -10107,7 +12880,7 @@
 </p:sld>
 </file>
 
-<file path=ppt/slides/slide16.xml><?xml version="1.0" encoding="utf-8"?>
+<file path=ppt/slides/slide27.xml><?xml version="1.0" encoding="utf-8"?>
 <p:sld xmlns:a="http://schemas.openxmlformats.org/drawingml/2006/main" xmlns:r="http://schemas.openxmlformats.org/officeDocument/2006/relationships" xmlns:p="http://schemas.openxmlformats.org/presentationml/2006/main" show="0">
   <p:cSld>
     <p:spTree>
@@ -10130,274 +12903,6 @@
     <a:masterClrMapping/>
   </p:clrMapOvr>
   <p:transition/>
-</p:sld>
-</file>
-
-<file path=ppt/slides/slide2.xml><?xml version="1.0" encoding="utf-8"?>
-<p:sld xmlns:a="http://schemas.openxmlformats.org/drawingml/2006/main" xmlns:r="http://schemas.openxmlformats.org/officeDocument/2006/relationships" xmlns:p="http://schemas.openxmlformats.org/presentationml/2006/main">
-  <p:cSld>
-    <p:spTree>
-      <p:nvGrpSpPr>
-        <p:cNvPr id="1" name=""/>
-        <p:cNvGrpSpPr/>
-        <p:nvPr/>
-      </p:nvGrpSpPr>
-      <p:grpSpPr>
-        <a:xfrm>
-          <a:off x="0" y="0"/>
-          <a:ext cx="0" cy="0"/>
-          <a:chOff x="0" y="0"/>
-          <a:chExt cx="0" cy="0"/>
-        </a:xfrm>
-      </p:grpSpPr>
-      <p:sp>
-        <p:nvSpPr>
-          <p:cNvPr id="2" name="Title 1"/>
-          <p:cNvSpPr>
-            <a:spLocks noGrp="1"/>
-          </p:cNvSpPr>
-          <p:nvPr>
-            <p:ph type="title"/>
-          </p:nvPr>
-        </p:nvSpPr>
-        <p:spPr/>
-        <p:txBody>
-          <a:bodyPr/>
-          <a:lstStyle/>
-          <a:p>
-            <a:r>
-              <a:rPr lang="en-US" dirty="0"/>
-              <a:t>Agenda</a:t>
-            </a:r>
-          </a:p>
-        </p:txBody>
-      </p:sp>
-      <p:sp>
-        <p:nvSpPr>
-          <p:cNvPr id="3" name="Text Placeholder 2"/>
-          <p:cNvSpPr>
-            <a:spLocks noGrp="1"/>
-          </p:cNvSpPr>
-          <p:nvPr>
-            <p:ph type="body" sz="quarter" idx="10"/>
-          </p:nvPr>
-        </p:nvSpPr>
-        <p:spPr>
-          <a:xfrm>
-            <a:off x="324000" y="1321331"/>
-            <a:ext cx="5347930" cy="5026459"/>
-          </a:xfrm>
-        </p:spPr>
-        <p:txBody>
-          <a:bodyPr/>
-          <a:lstStyle/>
-          <a:p>
-            <a:pPr marL="342900" indent="-342900">
-              <a:buFont typeface="Arial" panose="020B0604020202020204" pitchFamily="34" charset="0"/>
-              <a:buChar char="•"/>
-            </a:pPr>
-            <a:r>
-              <a:rPr lang="en-US" dirty="0"/>
-              <a:t>Regression</a:t>
-            </a:r>
-          </a:p>
-          <a:p>
-            <a:pPr marL="882900" lvl="3" indent="-342900">
-              <a:buFont typeface="Arial" panose="020B0604020202020204" pitchFamily="34" charset="0"/>
-              <a:buChar char="•"/>
-            </a:pPr>
-            <a:r>
-              <a:rPr lang="en-US" dirty="0"/>
-              <a:t>Recap </a:t>
-            </a:r>
-            <a:r>
-              <a:rPr lang="en-US" dirty="0">
-                <a:sym typeface="Wingdings" panose="05000000000000000000" pitchFamily="2" charset="2"/>
-              </a:rPr>
-              <a:t> of last session</a:t>
-            </a:r>
-            <a:endParaRPr lang="en-US" dirty="0"/>
-          </a:p>
-          <a:p>
-            <a:pPr marL="882900" lvl="3" indent="-342900">
-              <a:buFont typeface="Arial" panose="020B0604020202020204" pitchFamily="34" charset="0"/>
-              <a:buChar char="•"/>
-            </a:pPr>
-            <a:r>
-              <a:rPr lang="en-US" dirty="0"/>
-              <a:t>Linear regression using Regularization</a:t>
-            </a:r>
-          </a:p>
-          <a:p>
-            <a:pPr marL="342900" indent="-342900">
-              <a:buFont typeface="Arial" panose="020B0604020202020204" pitchFamily="34" charset="0"/>
-              <a:buChar char="•"/>
-            </a:pPr>
-            <a:r>
-              <a:rPr lang="en-US" dirty="0"/>
-              <a:t>Classification</a:t>
-            </a:r>
-          </a:p>
-          <a:p>
-            <a:pPr marL="882900" lvl="3" indent="-342900">
-              <a:buFont typeface="Arial" panose="020B0604020202020204" pitchFamily="34" charset="0"/>
-              <a:buChar char="•"/>
-            </a:pPr>
-            <a:r>
-              <a:rPr lang="en-US" dirty="0"/>
-              <a:t>Naïve Bayes</a:t>
-            </a:r>
-          </a:p>
-          <a:p>
-            <a:pPr marL="882900" lvl="3" indent="-342900">
-              <a:buFont typeface="Arial" panose="020B0604020202020204" pitchFamily="34" charset="0"/>
-              <a:buChar char="•"/>
-            </a:pPr>
-            <a:r>
-              <a:rPr lang="en-US" dirty="0"/>
-              <a:t>Random Forest</a:t>
-            </a:r>
-          </a:p>
-          <a:p>
-            <a:pPr marL="882900" lvl="3" indent="-342900">
-              <a:buFont typeface="Arial" panose="020B0604020202020204" pitchFamily="34" charset="0"/>
-              <a:buChar char="•"/>
-            </a:pPr>
-            <a:r>
-              <a:rPr lang="en-US" dirty="0"/>
-              <a:t>Decision Trees</a:t>
-            </a:r>
-          </a:p>
-          <a:p>
-            <a:pPr marL="342900" indent="-342900">
-              <a:buFont typeface="Arial" panose="020B0604020202020204" pitchFamily="34" charset="0"/>
-              <a:buChar char="•"/>
-            </a:pPr>
-            <a:r>
-              <a:rPr lang="en-US" dirty="0"/>
-              <a:t>Logistic Regression</a:t>
-            </a:r>
-          </a:p>
-          <a:p>
-            <a:pPr marL="882900" lvl="3" indent="-342900">
-              <a:buFont typeface="Arial" panose="020B0604020202020204" pitchFamily="34" charset="0"/>
-              <a:buChar char="•"/>
-            </a:pPr>
-            <a:r>
-              <a:rPr lang="en-US" dirty="0"/>
-              <a:t>Math behind logistic regression</a:t>
-            </a:r>
-          </a:p>
-          <a:p>
-            <a:pPr marL="882900" lvl="3" indent="-342900">
-              <a:buFont typeface="Arial" panose="020B0604020202020204" pitchFamily="34" charset="0"/>
-              <a:buChar char="•"/>
-            </a:pPr>
-            <a:r>
-              <a:rPr lang="en-US" dirty="0"/>
-              <a:t>Multi Class Classification (One-vs-All) </a:t>
-            </a:r>
-          </a:p>
-          <a:p>
-            <a:pPr marL="342900" indent="-342900">
-              <a:buFont typeface="Arial" panose="020B0604020202020204" pitchFamily="34" charset="0"/>
-              <a:buChar char="•"/>
-            </a:pPr>
-            <a:r>
-              <a:rPr lang="en-US" dirty="0"/>
-              <a:t>Demo + Hands On</a:t>
-            </a:r>
-          </a:p>
-          <a:p>
-            <a:pPr marL="342900" indent="-342900">
-              <a:buFont typeface="Arial" panose="020B0604020202020204" pitchFamily="34" charset="0"/>
-              <a:buChar char="•"/>
-            </a:pPr>
-            <a:r>
-              <a:rPr lang="en-US" dirty="0"/>
-              <a:t>Scikit-Learn</a:t>
-            </a:r>
-          </a:p>
-        </p:txBody>
-      </p:sp>
-      <p:sp>
-        <p:nvSpPr>
-          <p:cNvPr id="4" name="TextBox 3"/>
-          <p:cNvSpPr txBox="1"/>
-          <p:nvPr/>
-        </p:nvSpPr>
-        <p:spPr>
-          <a:xfrm>
-            <a:off x="6711041" y="1526721"/>
-            <a:ext cx="3959679" cy="923330"/>
-          </a:xfrm>
-          <a:prstGeom prst="rect">
-            <a:avLst/>
-          </a:prstGeom>
-          <a:noFill/>
-        </p:spPr>
-        <p:txBody>
-          <a:bodyPr wrap="square" lIns="0" tIns="0" rIns="0" bIns="0" rtlCol="0">
-            <a:spAutoFit/>
-          </a:bodyPr>
-          <a:lstStyle/>
-          <a:p>
-            <a:pPr marL="342900" indent="-342900">
-              <a:spcBef>
-                <a:spcPts val="2400"/>
-              </a:spcBef>
-              <a:buClr>
-                <a:schemeClr val="accent1"/>
-              </a:buClr>
-              <a:buSzPct val="80000"/>
-              <a:buFont typeface="Arial" panose="020B0604020202020204" pitchFamily="34" charset="0"/>
-              <a:buChar char="•"/>
-            </a:pPr>
-            <a:r>
-              <a:rPr lang="en-US" sz="2000" dirty="0">
-                <a:latin typeface="+mn-lt"/>
-              </a:rPr>
-              <a:t> </a:t>
-            </a:r>
-            <a:r>
-              <a:rPr lang="en-US" sz="2000" dirty="0" err="1">
-                <a:latin typeface="+mn-lt"/>
-              </a:rPr>
-              <a:t>sklearn</a:t>
-            </a:r>
-            <a:r>
-              <a:rPr lang="en-US" sz="2000" dirty="0">
-                <a:latin typeface="+mn-lt"/>
-              </a:rPr>
-              <a:t> Demo + Hands On</a:t>
-            </a:r>
-          </a:p>
-          <a:p>
-            <a:pPr marL="342900" indent="-342900">
-              <a:spcBef>
-                <a:spcPts val="2400"/>
-              </a:spcBef>
-              <a:buClr>
-                <a:schemeClr val="accent1"/>
-              </a:buClr>
-              <a:buSzPct val="80000"/>
-              <a:buFont typeface="Arial" panose="020B0604020202020204" pitchFamily="34" charset="0"/>
-              <a:buChar char="•"/>
-            </a:pPr>
-            <a:r>
-              <a:rPr lang="en-US" sz="2000" dirty="0">
-                <a:latin typeface="+mn-lt"/>
-              </a:rPr>
-              <a:t>Queries ?</a:t>
-            </a:r>
-          </a:p>
-        </p:txBody>
-      </p:sp>
-    </p:spTree>
-  </p:cSld>
-  <p:clrMapOvr>
-    <a:masterClrMapping/>
-  </p:clrMapOvr>
 </p:sld>
 </file>
 
@@ -15528,140 +18033,82 @@
       </p:grpSpPr>
       <p:sp>
         <p:nvSpPr>
-          <p:cNvPr id="6" name="Rectangle 5">
+          <p:cNvPr id="2" name="Title 1">
             <a:extLst>
               <a:ext uri="{FF2B5EF4-FFF2-40B4-BE49-F238E27FC236}">
-                <a16:creationId xmlns:a16="http://schemas.microsoft.com/office/drawing/2014/main" id="{9BAEAA9D-2759-4B58-8977-018974BF20D8}"/>
+                <a16:creationId xmlns:a16="http://schemas.microsoft.com/office/drawing/2014/main" id="{3BF470BB-E5F6-478A-A1A6-A967451187D2}"/>
               </a:ext>
             </a:extLst>
           </p:cNvPr>
-          <p:cNvSpPr/>
-          <p:nvPr/>
+          <p:cNvSpPr>
+            <a:spLocks noGrp="1"/>
+          </p:cNvSpPr>
+          <p:nvPr>
+            <p:ph type="title"/>
+          </p:nvPr>
         </p:nvSpPr>
         <p:spPr>
           <a:xfrm>
-            <a:off x="461472" y="1837346"/>
-            <a:ext cx="10947163" cy="3970318"/>
+            <a:off x="1646961" y="100339"/>
+            <a:ext cx="11545200" cy="366589"/>
+          </a:xfrm>
+        </p:spPr>
+        <p:txBody>
+          <a:bodyPr/>
+          <a:lstStyle/>
+          <a:p>
+            <a:pPr fontAlgn="b"/>
+            <a:br>
+              <a:rPr lang="en-US" b="0" dirty="0"/>
+            </a:br>
+            <a:br>
+              <a:rPr lang="en-US" b="0" dirty="0"/>
+            </a:br>
+            <a:r>
+              <a:rPr lang="en-US" b="0" dirty="0"/>
+              <a:t>Logistic Regression: Calculating a Probability</a:t>
+            </a:r>
+            <a:br>
+              <a:rPr lang="en-US" b="0" dirty="0"/>
+            </a:br>
+            <a:endParaRPr lang="en-US" dirty="0"/>
+          </a:p>
+        </p:txBody>
+      </p:sp>
+      <p:pic>
+        <p:nvPicPr>
+          <p:cNvPr id="4" name="Picture 3">
+            <a:extLst>
+              <a:ext uri="{FF2B5EF4-FFF2-40B4-BE49-F238E27FC236}">
+                <a16:creationId xmlns:a16="http://schemas.microsoft.com/office/drawing/2014/main" id="{6ADE0F48-6E19-41CC-B95E-C043B1F75F1E}"/>
+              </a:ext>
+            </a:extLst>
+          </p:cNvPr>
+          <p:cNvPicPr>
+            <a:picLocks noChangeAspect="1"/>
+          </p:cNvPicPr>
+          <p:nvPr/>
+        </p:nvPicPr>
+        <p:blipFill>
+          <a:blip r:embed="rId2"/>
+          <a:stretch>
+            <a:fillRect/>
+          </a:stretch>
+        </p:blipFill>
+        <p:spPr>
+          <a:xfrm>
+            <a:off x="175097" y="963037"/>
+            <a:ext cx="11154577" cy="6147054"/>
           </a:xfrm>
           <a:prstGeom prst="rect">
             <a:avLst/>
           </a:prstGeom>
         </p:spPr>
-        <p:txBody>
-          <a:bodyPr wrap="square">
-            <a:spAutoFit/>
-          </a:bodyPr>
-          <a:lstStyle/>
-          <a:p>
-            <a:r>
-              <a:rPr lang="en-US" dirty="0">
-                <a:solidFill>
-                  <a:srgbClr val="212121"/>
-                </a:solidFill>
-                <a:latin typeface="Roboto"/>
-              </a:rPr>
-              <a:t>Logistic regression returns a probability. You can use the returned probability "as is" (for example, the probability that the user will click on this ad is 0.00023) or convert the returned probability to a binary value (for example, this email is spam).</a:t>
-            </a:r>
-          </a:p>
-          <a:p>
-            <a:r>
-              <a:rPr lang="en-US" dirty="0">
-                <a:solidFill>
-                  <a:srgbClr val="212121"/>
-                </a:solidFill>
-                <a:latin typeface="Roboto"/>
-              </a:rPr>
-              <a:t>A logistic regression model that returns 0.9995 for a particular email message is predicting that it is very likely to be spam. Conversely, another email message with a prediction score of 0.0003 on that same logistic regression model is very likely not spam. However, what about an email message with a prediction score of 0.6? In order to map a logistic regression value to a binary category, you must define a </a:t>
-            </a:r>
-            <a:r>
-              <a:rPr lang="en-US" b="1" dirty="0">
-                <a:solidFill>
-                  <a:srgbClr val="212121"/>
-                </a:solidFill>
-                <a:latin typeface="Roboto"/>
-              </a:rPr>
-              <a:t>classification threshold</a:t>
-            </a:r>
-            <a:r>
-              <a:rPr lang="en-US" dirty="0">
-                <a:solidFill>
-                  <a:srgbClr val="212121"/>
-                </a:solidFill>
-                <a:latin typeface="Roboto"/>
-              </a:rPr>
-              <a:t> (also called the </a:t>
-            </a:r>
-            <a:r>
-              <a:rPr lang="en-US" b="1" dirty="0">
-                <a:solidFill>
-                  <a:srgbClr val="212121"/>
-                </a:solidFill>
-                <a:latin typeface="Roboto"/>
-              </a:rPr>
-              <a:t>decision threshold</a:t>
-            </a:r>
-            <a:r>
-              <a:rPr lang="en-US" dirty="0">
-                <a:solidFill>
-                  <a:srgbClr val="212121"/>
-                </a:solidFill>
-                <a:latin typeface="Roboto"/>
-              </a:rPr>
-              <a:t>). A value above that threshold indicates "spam"; a value below indicates "not spam." It is tempting to assume that the classification threshold should always be 0.5, but thresholds are problem-dependent, and are therefore values that you must tune.</a:t>
-            </a:r>
-          </a:p>
-        </p:txBody>
-      </p:sp>
-      <p:sp>
-        <p:nvSpPr>
-          <p:cNvPr id="7" name="Rectangle 6">
-            <a:extLst>
-              <a:ext uri="{FF2B5EF4-FFF2-40B4-BE49-F238E27FC236}">
-                <a16:creationId xmlns:a16="http://schemas.microsoft.com/office/drawing/2014/main" id="{750A54E4-8522-40E7-A8E4-433689DCB6EA}"/>
-              </a:ext>
-            </a:extLst>
-          </p:cNvPr>
-          <p:cNvSpPr/>
-          <p:nvPr/>
-        </p:nvSpPr>
-        <p:spPr>
-          <a:xfrm>
-            <a:off x="3623417" y="537871"/>
-            <a:ext cx="5657316" cy="646331"/>
-          </a:xfrm>
-          <a:prstGeom prst="rect">
-            <a:avLst/>
-          </a:prstGeom>
-        </p:spPr>
-        <p:txBody>
-          <a:bodyPr wrap="square">
-            <a:spAutoFit/>
-          </a:bodyPr>
-          <a:lstStyle/>
-          <a:p>
-            <a:r>
-              <a:rPr lang="en-US" sz="3600" b="1" dirty="0">
-                <a:solidFill>
-                  <a:srgbClr val="212121"/>
-                </a:solidFill>
-                <a:latin typeface="Google Sans"/>
-              </a:rPr>
-              <a:t>Classification: Thresholding</a:t>
-            </a:r>
-            <a:endParaRPr lang="en-US" sz="3600" b="1" dirty="0">
-              <a:solidFill>
-                <a:srgbClr val="212121"/>
-              </a:solidFill>
-              <a:effectLst/>
-              <a:latin typeface="Google Sans"/>
-            </a:endParaRPr>
-          </a:p>
-        </p:txBody>
-      </p:sp>
+      </p:pic>
     </p:spTree>
     <p:extLst>
       <p:ext uri="{BB962C8B-B14F-4D97-AF65-F5344CB8AC3E}">
-        <p14:creationId xmlns:p14="http://schemas.microsoft.com/office/powerpoint/2010/main" val="2454550100"/>
+        <p14:creationId xmlns:p14="http://schemas.microsoft.com/office/powerpoint/2010/main" val="3071429033"/>
       </p:ext>
     </p:extLst>
   </p:cSld>
@@ -15688,349 +18135,40 @@
           <a:chExt cx="0" cy="0"/>
         </a:xfrm>
       </p:grpSpPr>
-      <p:sp>
-        <p:nvSpPr>
-          <p:cNvPr id="2" name="Rectangle 1">
+      <p:pic>
+        <p:nvPicPr>
+          <p:cNvPr id="4" name="Picture 3">
             <a:extLst>
               <a:ext uri="{FF2B5EF4-FFF2-40B4-BE49-F238E27FC236}">
-                <a16:creationId xmlns:a16="http://schemas.microsoft.com/office/drawing/2014/main" id="{7CE1AC16-F8E9-4503-9235-A067C4247A9E}"/>
+                <a16:creationId xmlns:a16="http://schemas.microsoft.com/office/drawing/2014/main" id="{816A835B-8897-4B72-85BF-9414C5220707}"/>
               </a:ext>
             </a:extLst>
           </p:cNvPr>
-          <p:cNvSpPr/>
+          <p:cNvPicPr>
+            <a:picLocks noChangeAspect="1"/>
+          </p:cNvPicPr>
           <p:nvPr/>
-        </p:nvSpPr>
+        </p:nvPicPr>
+        <p:blipFill>
+          <a:blip r:embed="rId2"/>
+          <a:stretch>
+            <a:fillRect/>
+          </a:stretch>
+        </p:blipFill>
         <p:spPr>
           <a:xfrm>
-            <a:off x="2522957" y="315680"/>
-            <a:ext cx="6253573" cy="415498"/>
+            <a:off x="101978" y="0"/>
+            <a:ext cx="11991217" cy="6487322"/>
           </a:xfrm>
           <a:prstGeom prst="rect">
             <a:avLst/>
           </a:prstGeom>
         </p:spPr>
-        <p:txBody>
-          <a:bodyPr wrap="square">
-            <a:spAutoFit/>
-          </a:bodyPr>
-          <a:lstStyle/>
-          <a:p>
-            <a:r>
-              <a:rPr lang="en-US" sz="2000" b="1" dirty="0">
-                <a:solidFill>
-                  <a:srgbClr val="212121"/>
-                </a:solidFill>
-                <a:latin typeface="Google Sans"/>
-              </a:rPr>
-              <a:t>Classification: True vs. False and Positive vs. Negative</a:t>
-            </a:r>
-            <a:endParaRPr lang="en-US" sz="2000" b="1" dirty="0">
-              <a:solidFill>
-                <a:srgbClr val="212121"/>
-              </a:solidFill>
-              <a:effectLst/>
-              <a:latin typeface="Google Sans"/>
-            </a:endParaRPr>
-          </a:p>
-        </p:txBody>
-      </p:sp>
-      <p:sp>
-        <p:nvSpPr>
-          <p:cNvPr id="3" name="Rectangle 2">
-            <a:extLst>
-              <a:ext uri="{FF2B5EF4-FFF2-40B4-BE49-F238E27FC236}">
-                <a16:creationId xmlns:a16="http://schemas.microsoft.com/office/drawing/2014/main" id="{715CEB85-5B13-4676-8275-2441881F8E4A}"/>
-              </a:ext>
-            </a:extLst>
-          </p:cNvPr>
-          <p:cNvSpPr/>
-          <p:nvPr/>
-        </p:nvSpPr>
-        <p:spPr>
-          <a:xfrm>
-            <a:off x="256537" y="3840486"/>
-            <a:ext cx="11870107" cy="1708160"/>
-          </a:xfrm>
-          <a:prstGeom prst="rect">
-            <a:avLst/>
-          </a:prstGeom>
-        </p:spPr>
-        <p:txBody>
-          <a:bodyPr wrap="square">
-            <a:spAutoFit/>
-          </a:bodyPr>
-          <a:lstStyle/>
-          <a:p>
-            <a:r>
-              <a:rPr lang="en-US" dirty="0">
-                <a:solidFill>
-                  <a:srgbClr val="212121"/>
-                </a:solidFill>
-                <a:latin typeface="Roboto"/>
-              </a:rPr>
-              <a:t>Let's make the following definitions:</a:t>
-            </a:r>
-          </a:p>
-          <a:p>
-            <a:pPr>
-              <a:buFont typeface="Arial" panose="020B0604020202020204" pitchFamily="34" charset="0"/>
-              <a:buChar char="•"/>
-            </a:pPr>
-            <a:r>
-              <a:rPr lang="en-US" dirty="0">
-                <a:solidFill>
-                  <a:srgbClr val="212121"/>
-                </a:solidFill>
-                <a:latin typeface="Roboto"/>
-              </a:rPr>
-              <a:t>"Wolf" is a </a:t>
-            </a:r>
-            <a:r>
-              <a:rPr lang="en-US" b="1" dirty="0">
-                <a:solidFill>
-                  <a:srgbClr val="212121"/>
-                </a:solidFill>
-                <a:latin typeface="Roboto"/>
-              </a:rPr>
-              <a:t>positive class</a:t>
-            </a:r>
-            <a:r>
-              <a:rPr lang="en-US" dirty="0">
-                <a:solidFill>
-                  <a:srgbClr val="212121"/>
-                </a:solidFill>
-                <a:latin typeface="Roboto"/>
-              </a:rPr>
-              <a:t>.</a:t>
-            </a:r>
-          </a:p>
-          <a:p>
-            <a:pPr>
-              <a:buFont typeface="Arial" panose="020B0604020202020204" pitchFamily="34" charset="0"/>
-              <a:buChar char="•"/>
-            </a:pPr>
-            <a:r>
-              <a:rPr lang="en-US" dirty="0">
-                <a:solidFill>
-                  <a:srgbClr val="212121"/>
-                </a:solidFill>
-                <a:latin typeface="Roboto"/>
-              </a:rPr>
-              <a:t>"No wolf" is a </a:t>
-            </a:r>
-            <a:r>
-              <a:rPr lang="en-US" b="1" dirty="0">
-                <a:solidFill>
-                  <a:srgbClr val="212121"/>
-                </a:solidFill>
-                <a:latin typeface="Roboto"/>
-              </a:rPr>
-              <a:t>negative class</a:t>
-            </a:r>
-            <a:r>
-              <a:rPr lang="en-US" dirty="0">
-                <a:solidFill>
-                  <a:srgbClr val="212121"/>
-                </a:solidFill>
-                <a:latin typeface="Roboto"/>
-              </a:rPr>
-              <a:t>.</a:t>
-            </a:r>
-          </a:p>
-          <a:p>
-            <a:r>
-              <a:rPr lang="en-US" dirty="0">
-                <a:solidFill>
-                  <a:srgbClr val="212121"/>
-                </a:solidFill>
-                <a:latin typeface="Roboto"/>
-              </a:rPr>
-              <a:t>We can summarize our "wolf-prediction" model using a 2x2 </a:t>
-            </a:r>
-            <a:r>
-              <a:rPr lang="en-US" dirty="0">
-                <a:solidFill>
-                  <a:srgbClr val="039BE5"/>
-                </a:solidFill>
-                <a:latin typeface="Roboto"/>
-                <a:hlinkClick r:id="rId2"/>
-              </a:rPr>
-              <a:t>confusion matrix</a:t>
-            </a:r>
-            <a:r>
-              <a:rPr lang="en-US" dirty="0">
-                <a:solidFill>
-                  <a:srgbClr val="212121"/>
-                </a:solidFill>
-                <a:latin typeface="Roboto"/>
-              </a:rPr>
-              <a:t> that depicts all four possible outcomes:</a:t>
-            </a:r>
-            <a:endParaRPr lang="en-US" b="0" i="0" dirty="0">
-              <a:solidFill>
-                <a:srgbClr val="212121"/>
-              </a:solidFill>
-              <a:effectLst/>
-              <a:latin typeface="Roboto"/>
-            </a:endParaRPr>
-          </a:p>
-        </p:txBody>
-      </p:sp>
-      <p:sp>
-        <p:nvSpPr>
-          <p:cNvPr id="4" name="Rectangle 3">
-            <a:extLst>
-              <a:ext uri="{FF2B5EF4-FFF2-40B4-BE49-F238E27FC236}">
-                <a16:creationId xmlns:a16="http://schemas.microsoft.com/office/drawing/2014/main" id="{36CDFFFA-82F1-4FC6-93D2-88226C1D0A90}"/>
-              </a:ext>
-            </a:extLst>
-          </p:cNvPr>
-          <p:cNvSpPr/>
-          <p:nvPr/>
-        </p:nvSpPr>
-        <p:spPr>
-          <a:xfrm>
-            <a:off x="391846" y="1035218"/>
-            <a:ext cx="11315892" cy="2677656"/>
-          </a:xfrm>
-          <a:prstGeom prst="rect">
-            <a:avLst/>
-          </a:prstGeom>
-        </p:spPr>
-        <p:txBody>
-          <a:bodyPr wrap="square">
-            <a:spAutoFit/>
-          </a:bodyPr>
-          <a:lstStyle/>
-          <a:p>
-            <a:r>
-              <a:rPr lang="en-US" b="1" dirty="0">
-                <a:solidFill>
-                  <a:srgbClr val="212121"/>
-                </a:solidFill>
-                <a:highlight>
-                  <a:srgbClr val="00FFFF"/>
-                </a:highlight>
-                <a:latin typeface="Roboto"/>
-              </a:rPr>
-              <a:t>An Aesop's Fable: The Boy Who Cried Wolf (</a:t>
-            </a:r>
-            <a:r>
-              <a:rPr lang="en-US" b="1" i="1" dirty="0">
-                <a:solidFill>
-                  <a:srgbClr val="212121"/>
-                </a:solidFill>
-                <a:highlight>
-                  <a:srgbClr val="00FFFF"/>
-                </a:highlight>
-                <a:latin typeface="Roboto"/>
-              </a:rPr>
-              <a:t>compressed</a:t>
-            </a:r>
-            <a:r>
-              <a:rPr lang="en-US" b="1" dirty="0">
-                <a:solidFill>
-                  <a:srgbClr val="212121"/>
-                </a:solidFill>
-                <a:highlight>
-                  <a:srgbClr val="00FFFF"/>
-                </a:highlight>
-                <a:latin typeface="Roboto"/>
-              </a:rPr>
-              <a:t>)</a:t>
-            </a:r>
-            <a:endParaRPr lang="en-US" dirty="0">
-              <a:solidFill>
-                <a:srgbClr val="212121"/>
-              </a:solidFill>
-              <a:highlight>
-                <a:srgbClr val="00FFFF"/>
-              </a:highlight>
-              <a:latin typeface="Roboto"/>
-            </a:endParaRPr>
-          </a:p>
-          <a:p>
-            <a:r>
-              <a:rPr lang="en-US" dirty="0">
-                <a:solidFill>
-                  <a:srgbClr val="212121"/>
-                </a:solidFill>
-                <a:highlight>
-                  <a:srgbClr val="00FFFF"/>
-                </a:highlight>
-                <a:latin typeface="Roboto"/>
-              </a:rPr>
-              <a:t>A shepherd boy gets bored tending the town's flock. To have some fun, he cries out, "Wolf!" even though no wolf is in sight. The villagers run to protect the flock, but then get really mad when they realize the boy was playing a joke on them.</a:t>
-            </a:r>
-          </a:p>
-          <a:p>
-            <a:r>
-              <a:rPr lang="en-US" dirty="0">
-                <a:solidFill>
-                  <a:srgbClr val="212121"/>
-                </a:solidFill>
-                <a:highlight>
-                  <a:srgbClr val="00FFFF"/>
-                </a:highlight>
-                <a:latin typeface="Roboto"/>
-              </a:rPr>
-              <a:t>[Iterate previous paragraph </a:t>
-            </a:r>
-            <a:r>
-              <a:rPr lang="en-US" i="1" dirty="0">
-                <a:solidFill>
-                  <a:srgbClr val="212121"/>
-                </a:solidFill>
-                <a:highlight>
-                  <a:srgbClr val="00FFFF"/>
-                </a:highlight>
-                <a:latin typeface="Roboto"/>
-              </a:rPr>
-              <a:t>N</a:t>
-            </a:r>
-            <a:r>
-              <a:rPr lang="en-US" dirty="0">
-                <a:solidFill>
-                  <a:srgbClr val="212121"/>
-                </a:solidFill>
-                <a:highlight>
-                  <a:srgbClr val="00FFFF"/>
-                </a:highlight>
-                <a:latin typeface="Roboto"/>
-              </a:rPr>
-              <a:t> times.]</a:t>
-            </a:r>
-          </a:p>
-          <a:p>
-            <a:r>
-              <a:rPr lang="en-US" dirty="0">
-                <a:solidFill>
-                  <a:srgbClr val="212121"/>
-                </a:solidFill>
-                <a:highlight>
-                  <a:srgbClr val="00FFFF"/>
-                </a:highlight>
-                <a:latin typeface="Roboto"/>
-              </a:rPr>
-              <a:t>One night, the shepherd boy sees a real wolf approaching the flock and calls out, "Wolf!" The villagers refuse to be fooled again and stay in their houses. The hungry wolf turns the flock into lamb chops. The town goes hungry. Panic ensues.</a:t>
-            </a:r>
-            <a:endParaRPr lang="en-US" b="0" i="0" dirty="0">
-              <a:solidFill>
-                <a:srgbClr val="212121"/>
-              </a:solidFill>
-              <a:effectLst/>
-              <a:highlight>
-                <a:srgbClr val="00FFFF"/>
-              </a:highlight>
-              <a:latin typeface="Roboto"/>
-            </a:endParaRPr>
-          </a:p>
-        </p:txBody>
-      </p:sp>
+      </p:pic>
     </p:spTree>
     <p:extLst>
       <p:ext uri="{BB962C8B-B14F-4D97-AF65-F5344CB8AC3E}">
-        <p14:creationId xmlns:p14="http://schemas.microsoft.com/office/powerpoint/2010/main" val="3435988073"/>
+        <p14:creationId xmlns:p14="http://schemas.microsoft.com/office/powerpoint/2010/main" val="769326104"/>
       </p:ext>
     </p:extLst>
   </p:cSld>
@@ -16057,40 +18195,63 @@
           <a:chExt cx="0" cy="0"/>
         </a:xfrm>
       </p:grpSpPr>
-      <p:pic>
-        <p:nvPicPr>
-          <p:cNvPr id="2" name="Picture 1">
+      <p:sp>
+        <p:nvSpPr>
+          <p:cNvPr id="2" name="Title 1">
             <a:extLst>
               <a:ext uri="{FF2B5EF4-FFF2-40B4-BE49-F238E27FC236}">
-                <a16:creationId xmlns:a16="http://schemas.microsoft.com/office/drawing/2014/main" id="{114BA3FF-2ED9-4C95-90C0-C552DFD48237}"/>
+                <a16:creationId xmlns:a16="http://schemas.microsoft.com/office/drawing/2014/main" id="{077CE189-587C-447B-A264-FCCE856A12DB}"/>
               </a:ext>
             </a:extLst>
           </p:cNvPr>
-          <p:cNvPicPr>
-            <a:picLocks noChangeAspect="1"/>
-          </p:cNvPicPr>
-          <p:nvPr/>
-        </p:nvPicPr>
-        <p:blipFill>
-          <a:blip r:embed="rId3"/>
-          <a:stretch>
-            <a:fillRect/>
-          </a:stretch>
-        </p:blipFill>
-        <p:spPr>
-          <a:xfrm>
-            <a:off x="0" y="1375873"/>
-            <a:ext cx="12114817" cy="3501562"/>
-          </a:xfrm>
-          <a:prstGeom prst="rect">
-            <a:avLst/>
-          </a:prstGeom>
-        </p:spPr>
-      </p:pic>
+          <p:cNvSpPr>
+            <a:spLocks noGrp="1"/>
+          </p:cNvSpPr>
+          <p:nvPr>
+            <p:ph type="title"/>
+          </p:nvPr>
+        </p:nvSpPr>
+        <p:spPr/>
+        <p:txBody>
+          <a:bodyPr/>
+          <a:lstStyle/>
+          <a:p>
+            <a:r>
+              <a:rPr lang="en-US" dirty="0"/>
+              <a:t>Question </a:t>
+            </a:r>
+          </a:p>
+        </p:txBody>
+      </p:sp>
+      <p:sp>
+        <p:nvSpPr>
+          <p:cNvPr id="3" name="Text Placeholder 2">
+            <a:extLst>
+              <a:ext uri="{FF2B5EF4-FFF2-40B4-BE49-F238E27FC236}">
+                <a16:creationId xmlns:a16="http://schemas.microsoft.com/office/drawing/2014/main" id="{7BF0F6EE-61DD-4830-A7F1-07C4394942C1}"/>
+              </a:ext>
+            </a:extLst>
+          </p:cNvPr>
+          <p:cNvSpPr>
+            <a:spLocks noGrp="1"/>
+          </p:cNvSpPr>
+          <p:nvPr>
+            <p:ph type="body" sz="quarter" idx="10"/>
+          </p:nvPr>
+        </p:nvSpPr>
+        <p:spPr/>
+        <p:txBody>
+          <a:bodyPr/>
+          <a:lstStyle/>
+          <a:p>
+            <a:endParaRPr lang="en-US" dirty="0"/>
+          </a:p>
+        </p:txBody>
+      </p:sp>
     </p:spTree>
     <p:extLst>
       <p:ext uri="{BB962C8B-B14F-4D97-AF65-F5344CB8AC3E}">
-        <p14:creationId xmlns:p14="http://schemas.microsoft.com/office/powerpoint/2010/main" val="3133815683"/>
+        <p14:creationId xmlns:p14="http://schemas.microsoft.com/office/powerpoint/2010/main" val="4238861703"/>
       </p:ext>
     </p:extLst>
   </p:cSld>
